--- a/Apresentacao.pptx
+++ b/Apresentacao.pptx
@@ -8,12 +8,13 @@
     <p:sldId id="256" r:id="rId2"/>
     <p:sldId id="257" r:id="rId3"/>
     <p:sldId id="258" r:id="rId4"/>
-    <p:sldId id="264" r:id="rId5"/>
+    <p:sldId id="266" r:id="rId5"/>
     <p:sldId id="262" r:id="rId6"/>
     <p:sldId id="263" r:id="rId7"/>
     <p:sldId id="259" r:id="rId8"/>
     <p:sldId id="260" r:id="rId9"/>
-    <p:sldId id="261" r:id="rId10"/>
+    <p:sldId id="265" r:id="rId10"/>
+    <p:sldId id="261" r:id="rId11"/>
   </p:sldIdLst>
   <p:sldSz cx="12192000" cy="6858000"/>
   <p:notesSz cx="6858000" cy="9144000"/>
@@ -244,7 +245,7 @@
           </c:val>
           <c:extLst>
             <c:ext xmlns:c16="http://schemas.microsoft.com/office/drawing/2014/chart" uri="{C3380CC4-5D6E-409C-BE32-E72D297353CC}">
-              <c16:uniqueId val="{00000000-AACE-4A13-9F50-252C437270B2}"/>
+              <c16:uniqueId val="{00000000-4534-4C0A-A516-BF309F5594C9}"/>
             </c:ext>
           </c:extLst>
         </c:ser>
@@ -351,7 +352,7 @@
           </c:val>
           <c:extLst>
             <c:ext xmlns:c16="http://schemas.microsoft.com/office/drawing/2014/chart" uri="{C3380CC4-5D6E-409C-BE32-E72D297353CC}">
-              <c16:uniqueId val="{00000001-AACE-4A13-9F50-252C437270B2}"/>
+              <c16:uniqueId val="{00000001-4534-4C0A-A516-BF309F5594C9}"/>
             </c:ext>
           </c:extLst>
         </c:ser>
@@ -458,7 +459,7 @@
           </c:val>
           <c:extLst>
             <c:ext xmlns:c16="http://schemas.microsoft.com/office/drawing/2014/chart" uri="{C3380CC4-5D6E-409C-BE32-E72D297353CC}">
-              <c16:uniqueId val="{00000002-AACE-4A13-9F50-252C437270B2}"/>
+              <c16:uniqueId val="{00000002-4534-4C0A-A516-BF309F5594C9}"/>
             </c:ext>
           </c:extLst>
         </c:ser>
@@ -565,7 +566,7 @@
           </c:val>
           <c:extLst>
             <c:ext xmlns:c16="http://schemas.microsoft.com/office/drawing/2014/chart" uri="{C3380CC4-5D6E-409C-BE32-E72D297353CC}">
-              <c16:uniqueId val="{00000003-AACE-4A13-9F50-252C437270B2}"/>
+              <c16:uniqueId val="{00000003-4534-4C0A-A516-BF309F5594C9}"/>
             </c:ext>
           </c:extLst>
         </c:ser>
@@ -672,7 +673,7 @@
           </c:val>
           <c:extLst>
             <c:ext xmlns:c16="http://schemas.microsoft.com/office/drawing/2014/chart" uri="{C3380CC4-5D6E-409C-BE32-E72D297353CC}">
-              <c16:uniqueId val="{00000004-AACE-4A13-9F50-252C437270B2}"/>
+              <c16:uniqueId val="{00000004-4534-4C0A-A516-BF309F5594C9}"/>
             </c:ext>
           </c:extLst>
         </c:ser>
@@ -870,713 +871,6 @@
 </file>
 
 <file path=ppt/charts/chart2.xml><?xml version="1.0" encoding="utf-8"?>
-<c:chartSpace xmlns:c="http://schemas.openxmlformats.org/drawingml/2006/chart" xmlns:a="http://schemas.openxmlformats.org/drawingml/2006/main" xmlns:r="http://schemas.openxmlformats.org/officeDocument/2006/relationships" xmlns:c16r2="http://schemas.microsoft.com/office/drawing/2015/06/chart">
-  <c:date1904 val="0"/>
-  <c:lang val="pt-BR"/>
-  <c:roundedCorners val="0"/>
-  <mc:AlternateContent xmlns:mc="http://schemas.openxmlformats.org/markup-compatibility/2006">
-    <mc:Choice xmlns:c14="http://schemas.microsoft.com/office/drawing/2007/8/2/chart" Requires="c14">
-      <c14:style val="102"/>
-    </mc:Choice>
-    <mc:Fallback>
-      <c:style val="2"/>
-    </mc:Fallback>
-  </mc:AlternateContent>
-  <c:chart>
-    <c:title>
-      <c:tx>
-        <c:rich>
-          <a:bodyPr rot="0" spcFirstLastPara="1" vertOverflow="ellipsis" vert="horz" wrap="square" anchor="ctr" anchorCtr="1"/>
-          <a:lstStyle/>
-          <a:p>
-            <a:pPr>
-              <a:defRPr sz="1400" b="0" i="0" u="none" strike="noStrike" kern="1200" spc="0" baseline="0">
-                <a:solidFill>
-                  <a:schemeClr val="tx1">
-                    <a:lumMod val="65000"/>
-                    <a:lumOff val="35000"/>
-                  </a:schemeClr>
-                </a:solidFill>
-                <a:latin typeface="+mn-lt"/>
-                <a:ea typeface="+mn-ea"/>
-                <a:cs typeface="+mn-cs"/>
-              </a:defRPr>
-            </a:pPr>
-            <a:r>
-              <a:rPr lang="en-US" dirty="0" err="1"/>
-              <a:t>Quantidade</a:t>
-            </a:r>
-            <a:r>
-              <a:rPr lang="en-US" dirty="0"/>
-              <a:t> de </a:t>
-            </a:r>
-            <a:r>
-              <a:rPr lang="en-US" dirty="0" err="1"/>
-              <a:t>pedidos</a:t>
-            </a:r>
-            <a:r>
-              <a:rPr lang="en-US" dirty="0"/>
-              <a:t> </a:t>
-            </a:r>
-            <a:r>
-              <a:rPr lang="en-US" dirty="0" err="1"/>
-              <a:t>por</a:t>
-            </a:r>
-            <a:r>
-              <a:rPr lang="en-US" dirty="0"/>
-              <a:t> provider</a:t>
-            </a:r>
-          </a:p>
-        </c:rich>
-      </c:tx>
-      <c:overlay val="0"/>
-      <c:spPr>
-        <a:noFill/>
-        <a:ln>
-          <a:noFill/>
-        </a:ln>
-        <a:effectLst/>
-      </c:spPr>
-      <c:txPr>
-        <a:bodyPr rot="0" spcFirstLastPara="1" vertOverflow="ellipsis" vert="horz" wrap="square" anchor="ctr" anchorCtr="1"/>
-        <a:lstStyle/>
-        <a:p>
-          <a:pPr>
-            <a:defRPr sz="1400" b="0" i="0" u="none" strike="noStrike" kern="1200" spc="0" baseline="0">
-              <a:solidFill>
-                <a:schemeClr val="tx1">
-                  <a:lumMod val="65000"/>
-                  <a:lumOff val="35000"/>
-                </a:schemeClr>
-              </a:solidFill>
-              <a:latin typeface="+mn-lt"/>
-              <a:ea typeface="+mn-ea"/>
-              <a:cs typeface="+mn-cs"/>
-            </a:defRPr>
-          </a:pPr>
-          <a:endParaRPr lang="pt-BR"/>
-        </a:p>
-      </c:txPr>
-    </c:title>
-    <c:autoTitleDeleted val="0"/>
-    <c:plotArea>
-      <c:layout/>
-      <c:barChart>
-        <c:barDir val="bar"/>
-        <c:grouping val="clustered"/>
-        <c:varyColors val="0"/>
-        <c:ser>
-          <c:idx val="0"/>
-          <c:order val="0"/>
-          <c:tx>
-            <c:strRef>
-              <c:f>Planilha1!$B$8</c:f>
-              <c:strCache>
-                <c:ptCount val="1"/>
-                <c:pt idx="0">
-                  <c:v>Quantidade de pedidos</c:v>
-                </c:pt>
-              </c:strCache>
-            </c:strRef>
-          </c:tx>
-          <c:spPr>
-            <a:solidFill>
-              <a:schemeClr val="accent1"/>
-            </a:solidFill>
-            <a:ln>
-              <a:noFill/>
-            </a:ln>
-            <a:effectLst/>
-          </c:spPr>
-          <c:invertIfNegative val="0"/>
-          <c:dLbls>
-            <c:spPr>
-              <a:noFill/>
-              <a:ln>
-                <a:noFill/>
-              </a:ln>
-              <a:effectLst/>
-            </c:spPr>
-            <c:txPr>
-              <a:bodyPr rot="0" spcFirstLastPara="1" vertOverflow="ellipsis" vert="horz" wrap="square" lIns="38100" tIns="19050" rIns="38100" bIns="19050" anchor="ctr" anchorCtr="1">
-                <a:spAutoFit/>
-              </a:bodyPr>
-              <a:lstStyle/>
-              <a:p>
-                <a:pPr>
-                  <a:defRPr sz="900" b="0" i="0" u="none" strike="noStrike" kern="1200" baseline="0">
-                    <a:solidFill>
-                      <a:schemeClr val="tx1">
-                        <a:lumMod val="75000"/>
-                        <a:lumOff val="25000"/>
-                      </a:schemeClr>
-                    </a:solidFill>
-                    <a:latin typeface="+mn-lt"/>
-                    <a:ea typeface="+mn-ea"/>
-                    <a:cs typeface="+mn-cs"/>
-                  </a:defRPr>
-                </a:pPr>
-                <a:endParaRPr lang="pt-BR"/>
-              </a:p>
-            </c:txPr>
-            <c:dLblPos val="outEnd"/>
-            <c:showLegendKey val="0"/>
-            <c:showVal val="1"/>
-            <c:showCatName val="0"/>
-            <c:showSerName val="0"/>
-            <c:showPercent val="0"/>
-            <c:showBubbleSize val="0"/>
-            <c:showLeaderLines val="0"/>
-            <c:extLst>
-              <c:ext xmlns:c15="http://schemas.microsoft.com/office/drawing/2012/chart" uri="{CE6537A1-D6FC-4f65-9D91-7224C49458BB}">
-                <c15:showLeaderLines val="1"/>
-                <c15:leaderLines>
-                  <c:spPr>
-                    <a:ln w="9525" cap="flat" cmpd="sng" algn="ctr">
-                      <a:solidFill>
-                        <a:schemeClr val="tx1">
-                          <a:lumMod val="35000"/>
-                          <a:lumOff val="65000"/>
-                        </a:schemeClr>
-                      </a:solidFill>
-                      <a:round/>
-                    </a:ln>
-                    <a:effectLst/>
-                  </c:spPr>
-                </c15:leaderLines>
-              </c:ext>
-            </c:extLst>
-          </c:dLbls>
-          <c:cat>
-            <c:strRef>
-              <c:f>Planilha1!$A$9:$A$10</c:f>
-              <c:strCache>
-                <c:ptCount val="2"/>
-                <c:pt idx="0">
-                  <c:v>provider 1</c:v>
-                </c:pt>
-                <c:pt idx="1">
-                  <c:v>provider 2</c:v>
-                </c:pt>
-              </c:strCache>
-            </c:strRef>
-          </c:cat>
-          <c:val>
-            <c:numRef>
-              <c:f>Planilha1!$B$9:$B$10</c:f>
-              <c:numCache>
-                <c:formatCode>General</c:formatCode>
-                <c:ptCount val="2"/>
-                <c:pt idx="0">
-                  <c:v>8917</c:v>
-                </c:pt>
-                <c:pt idx="1">
-                  <c:v>33793</c:v>
-                </c:pt>
-              </c:numCache>
-            </c:numRef>
-          </c:val>
-          <c:extLst>
-            <c:ext xmlns:c16="http://schemas.microsoft.com/office/drawing/2014/chart" uri="{C3380CC4-5D6E-409C-BE32-E72D297353CC}">
-              <c16:uniqueId val="{00000000-2ED9-42CA-B4F9-9B6C9605B69E}"/>
-            </c:ext>
-          </c:extLst>
-        </c:ser>
-        <c:dLbls>
-          <c:showLegendKey val="0"/>
-          <c:showVal val="0"/>
-          <c:showCatName val="0"/>
-          <c:showSerName val="0"/>
-          <c:showPercent val="0"/>
-          <c:showBubbleSize val="0"/>
-        </c:dLbls>
-        <c:gapWidth val="182"/>
-        <c:axId val="655971568"/>
-        <c:axId val="655970488"/>
-      </c:barChart>
-      <c:catAx>
-        <c:axId val="655971568"/>
-        <c:scaling>
-          <c:orientation val="minMax"/>
-        </c:scaling>
-        <c:delete val="0"/>
-        <c:axPos val="l"/>
-        <c:numFmt formatCode="General" sourceLinked="1"/>
-        <c:majorTickMark val="none"/>
-        <c:minorTickMark val="none"/>
-        <c:tickLblPos val="nextTo"/>
-        <c:spPr>
-          <a:noFill/>
-          <a:ln w="9525" cap="flat" cmpd="sng" algn="ctr">
-            <a:solidFill>
-              <a:schemeClr val="tx1">
-                <a:lumMod val="15000"/>
-                <a:lumOff val="85000"/>
-              </a:schemeClr>
-            </a:solidFill>
-            <a:round/>
-          </a:ln>
-          <a:effectLst/>
-        </c:spPr>
-        <c:txPr>
-          <a:bodyPr rot="-60000000" spcFirstLastPara="1" vertOverflow="ellipsis" vert="horz" wrap="square" anchor="ctr" anchorCtr="1"/>
-          <a:lstStyle/>
-          <a:p>
-            <a:pPr>
-              <a:defRPr sz="900" b="0" i="0" u="none" strike="noStrike" kern="1200" baseline="0">
-                <a:solidFill>
-                  <a:schemeClr val="tx1">
-                    <a:lumMod val="65000"/>
-                    <a:lumOff val="35000"/>
-                  </a:schemeClr>
-                </a:solidFill>
-                <a:latin typeface="+mn-lt"/>
-                <a:ea typeface="+mn-ea"/>
-                <a:cs typeface="+mn-cs"/>
-              </a:defRPr>
-            </a:pPr>
-            <a:endParaRPr lang="pt-BR"/>
-          </a:p>
-        </c:txPr>
-        <c:crossAx val="655970488"/>
-        <c:crosses val="autoZero"/>
-        <c:auto val="1"/>
-        <c:lblAlgn val="ctr"/>
-        <c:lblOffset val="100"/>
-        <c:noMultiLvlLbl val="0"/>
-      </c:catAx>
-      <c:valAx>
-        <c:axId val="655970488"/>
-        <c:scaling>
-          <c:orientation val="minMax"/>
-        </c:scaling>
-        <c:delete val="1"/>
-        <c:axPos val="b"/>
-        <c:majorGridlines>
-          <c:spPr>
-            <a:ln w="9525" cap="flat" cmpd="sng" algn="ctr">
-              <a:solidFill>
-                <a:schemeClr val="tx1">
-                  <a:lumMod val="15000"/>
-                  <a:lumOff val="85000"/>
-                </a:schemeClr>
-              </a:solidFill>
-              <a:round/>
-            </a:ln>
-            <a:effectLst/>
-          </c:spPr>
-        </c:majorGridlines>
-        <c:numFmt formatCode="General" sourceLinked="1"/>
-        <c:majorTickMark val="none"/>
-        <c:minorTickMark val="none"/>
-        <c:tickLblPos val="nextTo"/>
-        <c:crossAx val="655971568"/>
-        <c:crosses val="autoZero"/>
-        <c:crossBetween val="between"/>
-      </c:valAx>
-      <c:spPr>
-        <a:noFill/>
-        <a:ln>
-          <a:noFill/>
-        </a:ln>
-        <a:effectLst/>
-      </c:spPr>
-    </c:plotArea>
-    <c:plotVisOnly val="1"/>
-    <c:dispBlanksAs val="gap"/>
-    <c:showDLblsOverMax val="0"/>
-  </c:chart>
-  <c:spPr>
-    <a:noFill/>
-    <a:ln>
-      <a:noFill/>
-    </a:ln>
-    <a:effectLst/>
-  </c:spPr>
-  <c:txPr>
-    <a:bodyPr/>
-    <a:lstStyle/>
-    <a:p>
-      <a:pPr>
-        <a:defRPr/>
-      </a:pPr>
-      <a:endParaRPr lang="pt-BR"/>
-    </a:p>
-  </c:txPr>
-  <c:externalData r:id="rId3">
-    <c:autoUpdate val="0"/>
-  </c:externalData>
-</c:chartSpace>
-</file>
-
-<file path=ppt/charts/chart3.xml><?xml version="1.0" encoding="utf-8"?>
-<c:chartSpace xmlns:c="http://schemas.openxmlformats.org/drawingml/2006/chart" xmlns:a="http://schemas.openxmlformats.org/drawingml/2006/main" xmlns:r="http://schemas.openxmlformats.org/officeDocument/2006/relationships" xmlns:c16r2="http://schemas.microsoft.com/office/drawing/2015/06/chart">
-  <c:date1904 val="0"/>
-  <c:lang val="pt-BR"/>
-  <c:roundedCorners val="0"/>
-  <mc:AlternateContent xmlns:mc="http://schemas.openxmlformats.org/markup-compatibility/2006">
-    <mc:Choice xmlns:c14="http://schemas.microsoft.com/office/drawing/2007/8/2/chart" Requires="c14">
-      <c14:style val="102"/>
-    </mc:Choice>
-    <mc:Fallback>
-      <c:style val="2"/>
-    </mc:Fallback>
-  </mc:AlternateContent>
-  <c:chart>
-    <c:title>
-      <c:tx>
-        <c:rich>
-          <a:bodyPr rot="0" spcFirstLastPara="1" vertOverflow="ellipsis" vert="horz" wrap="square" anchor="ctr" anchorCtr="1"/>
-          <a:lstStyle/>
-          <a:p>
-            <a:pPr>
-              <a:defRPr sz="1400" b="0" i="0" u="none" strike="noStrike" kern="1200" spc="0" baseline="0">
-                <a:solidFill>
-                  <a:schemeClr val="tx1">
-                    <a:lumMod val="65000"/>
-                    <a:lumOff val="35000"/>
-                  </a:schemeClr>
-                </a:solidFill>
-                <a:latin typeface="+mn-lt"/>
-                <a:ea typeface="+mn-ea"/>
-                <a:cs typeface="+mn-cs"/>
-              </a:defRPr>
-            </a:pPr>
-            <a:r>
-              <a:rPr lang="en-US"/>
-              <a:t>Pedidos por regiao</a:t>
-            </a:r>
-          </a:p>
-        </c:rich>
-      </c:tx>
-      <c:overlay val="0"/>
-      <c:spPr>
-        <a:noFill/>
-        <a:ln>
-          <a:noFill/>
-        </a:ln>
-        <a:effectLst/>
-      </c:spPr>
-      <c:txPr>
-        <a:bodyPr rot="0" spcFirstLastPara="1" vertOverflow="ellipsis" vert="horz" wrap="square" anchor="ctr" anchorCtr="1"/>
-        <a:lstStyle/>
-        <a:p>
-          <a:pPr>
-            <a:defRPr sz="1400" b="0" i="0" u="none" strike="noStrike" kern="1200" spc="0" baseline="0">
-              <a:solidFill>
-                <a:schemeClr val="tx1">
-                  <a:lumMod val="65000"/>
-                  <a:lumOff val="35000"/>
-                </a:schemeClr>
-              </a:solidFill>
-              <a:latin typeface="+mn-lt"/>
-              <a:ea typeface="+mn-ea"/>
-              <a:cs typeface="+mn-cs"/>
-            </a:defRPr>
-          </a:pPr>
-          <a:endParaRPr lang="pt-BR"/>
-        </a:p>
-      </c:txPr>
-    </c:title>
-    <c:autoTitleDeleted val="0"/>
-    <c:plotArea>
-      <c:layout/>
-      <c:barChart>
-        <c:barDir val="col"/>
-        <c:grouping val="clustered"/>
-        <c:varyColors val="0"/>
-        <c:ser>
-          <c:idx val="0"/>
-          <c:order val="0"/>
-          <c:tx>
-            <c:strRef>
-              <c:f>Planilha1!$E$8</c:f>
-              <c:strCache>
-                <c:ptCount val="1"/>
-                <c:pt idx="0">
-                  <c:v>COUNT(*)</c:v>
-                </c:pt>
-              </c:strCache>
-            </c:strRef>
-          </c:tx>
-          <c:spPr>
-            <a:solidFill>
-              <a:schemeClr val="accent1"/>
-            </a:solidFill>
-            <a:ln>
-              <a:noFill/>
-            </a:ln>
-            <a:effectLst/>
-          </c:spPr>
-          <c:invertIfNegative val="0"/>
-          <c:dLbls>
-            <c:spPr>
-              <a:noFill/>
-              <a:ln>
-                <a:noFill/>
-              </a:ln>
-              <a:effectLst/>
-            </c:spPr>
-            <c:txPr>
-              <a:bodyPr rot="0" spcFirstLastPara="1" vertOverflow="ellipsis" vert="horz" wrap="square" lIns="38100" tIns="19050" rIns="38100" bIns="19050" anchor="ctr" anchorCtr="1">
-                <a:spAutoFit/>
-              </a:bodyPr>
-              <a:lstStyle/>
-              <a:p>
-                <a:pPr>
-                  <a:defRPr sz="900" b="0" i="0" u="none" strike="noStrike" kern="1200" baseline="0">
-                    <a:solidFill>
-                      <a:schemeClr val="tx1">
-                        <a:lumMod val="75000"/>
-                        <a:lumOff val="25000"/>
-                      </a:schemeClr>
-                    </a:solidFill>
-                    <a:latin typeface="+mn-lt"/>
-                    <a:ea typeface="+mn-ea"/>
-                    <a:cs typeface="+mn-cs"/>
-                  </a:defRPr>
-                </a:pPr>
-                <a:endParaRPr lang="pt-BR"/>
-              </a:p>
-            </c:txPr>
-            <c:dLblPos val="outEnd"/>
-            <c:showLegendKey val="0"/>
-            <c:showVal val="1"/>
-            <c:showCatName val="0"/>
-            <c:showSerName val="0"/>
-            <c:showPercent val="0"/>
-            <c:showBubbleSize val="0"/>
-            <c:showLeaderLines val="0"/>
-            <c:extLst>
-              <c:ext xmlns:c15="http://schemas.microsoft.com/office/drawing/2012/chart" uri="{CE6537A1-D6FC-4f65-9D91-7224C49458BB}">
-                <c15:showLeaderLines val="1"/>
-                <c15:leaderLines>
-                  <c:spPr>
-                    <a:ln w="9525" cap="flat" cmpd="sng" algn="ctr">
-                      <a:solidFill>
-                        <a:schemeClr val="tx1">
-                          <a:lumMod val="35000"/>
-                          <a:lumOff val="65000"/>
-                        </a:schemeClr>
-                      </a:solidFill>
-                      <a:round/>
-                    </a:ln>
-                    <a:effectLst/>
-                  </c:spPr>
-                </c15:leaderLines>
-              </c:ext>
-            </c:extLst>
-          </c:dLbls>
-          <c:cat>
-            <c:strRef>
-              <c:f>Planilha1!$D$9:$D$13</c:f>
-              <c:strCache>
-                <c:ptCount val="5"/>
-                <c:pt idx="0">
-                  <c:v>CentroOeste</c:v>
-                </c:pt>
-                <c:pt idx="1">
-                  <c:v>Nordeste</c:v>
-                </c:pt>
-                <c:pt idx="2">
-                  <c:v>Norte</c:v>
-                </c:pt>
-                <c:pt idx="3">
-                  <c:v>Sudeste</c:v>
-                </c:pt>
-                <c:pt idx="4">
-                  <c:v>Sul</c:v>
-                </c:pt>
-              </c:strCache>
-            </c:strRef>
-          </c:cat>
-          <c:val>
-            <c:numRef>
-              <c:f>Planilha1!$E$9:$E$13</c:f>
-              <c:numCache>
-                <c:formatCode>General</c:formatCode>
-                <c:ptCount val="5"/>
-                <c:pt idx="0">
-                  <c:v>4807</c:v>
-                </c:pt>
-                <c:pt idx="1">
-                  <c:v>9688</c:v>
-                </c:pt>
-                <c:pt idx="2">
-                  <c:v>2532</c:v>
-                </c:pt>
-                <c:pt idx="3">
-                  <c:v>19308</c:v>
-                </c:pt>
-                <c:pt idx="4">
-                  <c:v>6375</c:v>
-                </c:pt>
-              </c:numCache>
-            </c:numRef>
-          </c:val>
-          <c:extLst>
-            <c:ext xmlns:c16="http://schemas.microsoft.com/office/drawing/2014/chart" uri="{C3380CC4-5D6E-409C-BE32-E72D297353CC}">
-              <c16:uniqueId val="{00000000-84A5-49EC-B47F-9C5F7A6073B6}"/>
-            </c:ext>
-          </c:extLst>
-        </c:ser>
-        <c:dLbls>
-          <c:dLblPos val="outEnd"/>
-          <c:showLegendKey val="0"/>
-          <c:showVal val="1"/>
-          <c:showCatName val="0"/>
-          <c:showSerName val="0"/>
-          <c:showPercent val="0"/>
-          <c:showBubbleSize val="0"/>
-        </c:dLbls>
-        <c:gapWidth val="219"/>
-        <c:overlap val="-27"/>
-        <c:axId val="429265800"/>
-        <c:axId val="429266160"/>
-      </c:barChart>
-      <c:catAx>
-        <c:axId val="429265800"/>
-        <c:scaling>
-          <c:orientation val="minMax"/>
-        </c:scaling>
-        <c:delete val="0"/>
-        <c:axPos val="b"/>
-        <c:numFmt formatCode="General" sourceLinked="1"/>
-        <c:majorTickMark val="none"/>
-        <c:minorTickMark val="none"/>
-        <c:tickLblPos val="nextTo"/>
-        <c:spPr>
-          <a:noFill/>
-          <a:ln w="9525" cap="flat" cmpd="sng" algn="ctr">
-            <a:solidFill>
-              <a:schemeClr val="tx1">
-                <a:lumMod val="15000"/>
-                <a:lumOff val="85000"/>
-              </a:schemeClr>
-            </a:solidFill>
-            <a:round/>
-          </a:ln>
-          <a:effectLst/>
-        </c:spPr>
-        <c:txPr>
-          <a:bodyPr rot="-60000000" spcFirstLastPara="1" vertOverflow="ellipsis" vert="horz" wrap="square" anchor="ctr" anchorCtr="1"/>
-          <a:lstStyle/>
-          <a:p>
-            <a:pPr>
-              <a:defRPr sz="900" b="0" i="0" u="none" strike="noStrike" kern="1200" baseline="0">
-                <a:solidFill>
-                  <a:schemeClr val="tx1">
-                    <a:lumMod val="65000"/>
-                    <a:lumOff val="35000"/>
-                  </a:schemeClr>
-                </a:solidFill>
-                <a:latin typeface="+mn-lt"/>
-                <a:ea typeface="+mn-ea"/>
-                <a:cs typeface="+mn-cs"/>
-              </a:defRPr>
-            </a:pPr>
-            <a:endParaRPr lang="pt-BR"/>
-          </a:p>
-        </c:txPr>
-        <c:crossAx val="429266160"/>
-        <c:crosses val="autoZero"/>
-        <c:auto val="1"/>
-        <c:lblAlgn val="ctr"/>
-        <c:lblOffset val="100"/>
-        <c:noMultiLvlLbl val="0"/>
-      </c:catAx>
-      <c:valAx>
-        <c:axId val="429266160"/>
-        <c:scaling>
-          <c:orientation val="minMax"/>
-        </c:scaling>
-        <c:delete val="0"/>
-        <c:axPos val="l"/>
-        <c:majorGridlines>
-          <c:spPr>
-            <a:ln w="9525" cap="flat" cmpd="sng" algn="ctr">
-              <a:solidFill>
-                <a:schemeClr val="tx1">
-                  <a:lumMod val="15000"/>
-                  <a:lumOff val="85000"/>
-                </a:schemeClr>
-              </a:solidFill>
-              <a:round/>
-            </a:ln>
-            <a:effectLst/>
-          </c:spPr>
-        </c:majorGridlines>
-        <c:numFmt formatCode="General" sourceLinked="1"/>
-        <c:majorTickMark val="none"/>
-        <c:minorTickMark val="none"/>
-        <c:tickLblPos val="nextTo"/>
-        <c:spPr>
-          <a:noFill/>
-          <a:ln>
-            <a:noFill/>
-          </a:ln>
-          <a:effectLst/>
-        </c:spPr>
-        <c:txPr>
-          <a:bodyPr rot="-60000000" spcFirstLastPara="1" vertOverflow="ellipsis" vert="horz" wrap="square" anchor="ctr" anchorCtr="1"/>
-          <a:lstStyle/>
-          <a:p>
-            <a:pPr>
-              <a:defRPr sz="900" b="0" i="0" u="none" strike="noStrike" kern="1200" baseline="0">
-                <a:solidFill>
-                  <a:schemeClr val="tx1">
-                    <a:lumMod val="65000"/>
-                    <a:lumOff val="35000"/>
-                  </a:schemeClr>
-                </a:solidFill>
-                <a:latin typeface="+mn-lt"/>
-                <a:ea typeface="+mn-ea"/>
-                <a:cs typeface="+mn-cs"/>
-              </a:defRPr>
-            </a:pPr>
-            <a:endParaRPr lang="pt-BR"/>
-          </a:p>
-        </c:txPr>
-        <c:crossAx val="429265800"/>
-        <c:crosses val="autoZero"/>
-        <c:crossBetween val="between"/>
-      </c:valAx>
-      <c:spPr>
-        <a:noFill/>
-        <a:ln>
-          <a:noFill/>
-        </a:ln>
-        <a:effectLst/>
-      </c:spPr>
-    </c:plotArea>
-    <c:plotVisOnly val="1"/>
-    <c:dispBlanksAs val="gap"/>
-    <c:showDLblsOverMax val="0"/>
-  </c:chart>
-  <c:spPr>
-    <a:noFill/>
-    <a:ln>
-      <a:noFill/>
-    </a:ln>
-    <a:effectLst/>
-  </c:spPr>
-  <c:txPr>
-    <a:bodyPr/>
-    <a:lstStyle/>
-    <a:p>
-      <a:pPr>
-        <a:defRPr/>
-      </a:pPr>
-      <a:endParaRPr lang="pt-BR"/>
-    </a:p>
-  </c:txPr>
-  <c:externalData r:id="rId3">
-    <c:autoUpdate val="0"/>
-  </c:externalData>
-</c:chartSpace>
-</file>
-
-<file path=ppt/charts/chart4.xml><?xml version="1.0" encoding="utf-8"?>
 <c:chartSpace xmlns:c="http://schemas.openxmlformats.org/drawingml/2006/chart" xmlns:a="http://schemas.openxmlformats.org/drawingml/2006/main" xmlns:r="http://schemas.openxmlformats.org/officeDocument/2006/relationships" xmlns:c16r2="http://schemas.microsoft.com/office/drawing/2015/06/chart">
   <c:date1904 val="0"/>
   <c:lang val="pt-BR"/>
@@ -1847,7 +1141,7 @@
 </c:chartSpace>
 </file>
 
-<file path=ppt/charts/chart5.xml><?xml version="1.0" encoding="utf-8"?>
+<file path=ppt/charts/chart3.xml><?xml version="1.0" encoding="utf-8"?>
 <c:chartSpace xmlns:c="http://schemas.openxmlformats.org/drawingml/2006/chart" xmlns:a="http://schemas.openxmlformats.org/drawingml/2006/main" xmlns:r="http://schemas.openxmlformats.org/officeDocument/2006/relationships" xmlns:c16r2="http://schemas.microsoft.com/office/drawing/2015/06/chart">
   <c:date1904 val="0"/>
   <c:lang val="pt-BR"/>
@@ -2385,87 +1679,515 @@
 </cs:colorStyle>
 </file>
 
-<file path=ppt/charts/colors5.xml><?xml version="1.0" encoding="utf-8"?>
-<cs:colorStyle xmlns:cs="http://schemas.microsoft.com/office/drawing/2012/chartStyle" xmlns:a="http://schemas.openxmlformats.org/drawingml/2006/main" meth="cycle" id="10">
-  <a:schemeClr val="accent1"/>
-  <a:schemeClr val="accent2"/>
-  <a:schemeClr val="accent3"/>
-  <a:schemeClr val="accent4"/>
-  <a:schemeClr val="accent5"/>
-  <a:schemeClr val="accent6"/>
-  <cs:variation/>
-  <cs:variation>
-    <a:lumMod val="60000"/>
-  </cs:variation>
-  <cs:variation>
-    <a:lumMod val="80000"/>
-    <a:lumOff val="20000"/>
-  </cs:variation>
-  <cs:variation>
-    <a:lumMod val="80000"/>
-  </cs:variation>
-  <cs:variation>
-    <a:lumMod val="60000"/>
-    <a:lumOff val="40000"/>
-  </cs:variation>
-  <cs:variation>
-    <a:lumMod val="50000"/>
-  </cs:variation>
-  <cs:variation>
-    <a:lumMod val="70000"/>
-    <a:lumOff val="30000"/>
-  </cs:variation>
-  <cs:variation>
-    <a:lumMod val="70000"/>
-  </cs:variation>
-  <cs:variation>
-    <a:lumMod val="50000"/>
-    <a:lumOff val="50000"/>
-  </cs:variation>
-</cs:colorStyle>
+<file path=ppt/charts/style1.xml><?xml version="1.0" encoding="utf-8"?>
+<cs:chartStyle xmlns:cs="http://schemas.microsoft.com/office/drawing/2012/chartStyle" xmlns:a="http://schemas.openxmlformats.org/drawingml/2006/main" id="395">
+  <cs:axisTitle>
+    <cs:lnRef idx="0"/>
+    <cs:fillRef idx="0"/>
+    <cs:effectRef idx="0"/>
+    <cs:fontRef idx="minor">
+      <a:schemeClr val="tx1">
+        <a:lumMod val="65000"/>
+        <a:lumOff val="35000"/>
+      </a:schemeClr>
+    </cs:fontRef>
+    <cs:defRPr sz="900"/>
+  </cs:axisTitle>
+  <cs:categoryAxis>
+    <cs:lnRef idx="0"/>
+    <cs:fillRef idx="0"/>
+    <cs:effectRef idx="0"/>
+    <cs:fontRef idx="minor">
+      <a:schemeClr val="tx1">
+        <a:lumMod val="65000"/>
+        <a:lumOff val="35000"/>
+      </a:schemeClr>
+    </cs:fontRef>
+    <cs:spPr>
+      <a:ln w="9525" cap="flat" cmpd="sng" algn="ctr">
+        <a:solidFill>
+          <a:schemeClr val="tx1">
+            <a:lumMod val="15000"/>
+            <a:lumOff val="85000"/>
+          </a:schemeClr>
+        </a:solidFill>
+        <a:round/>
+      </a:ln>
+    </cs:spPr>
+    <cs:defRPr sz="900"/>
+  </cs:categoryAxis>
+  <cs:chartArea mods="allowNoFillOverride allowNoLineOverride">
+    <cs:lnRef idx="0"/>
+    <cs:fillRef idx="0"/>
+    <cs:effectRef idx="0"/>
+    <cs:fontRef idx="minor">
+      <a:schemeClr val="tx1"/>
+    </cs:fontRef>
+    <cs:spPr>
+      <a:solidFill>
+        <a:schemeClr val="bg1"/>
+      </a:solidFill>
+      <a:ln w="9525" cap="flat" cmpd="sng" algn="ctr">
+        <a:solidFill>
+          <a:schemeClr val="tx1">
+            <a:lumMod val="15000"/>
+            <a:lumOff val="85000"/>
+          </a:schemeClr>
+        </a:solidFill>
+        <a:round/>
+      </a:ln>
+    </cs:spPr>
+    <cs:defRPr sz="1000"/>
+  </cs:chartArea>
+  <cs:dataLabel>
+    <cs:lnRef idx="0"/>
+    <cs:fillRef idx="0"/>
+    <cs:effectRef idx="0"/>
+    <cs:fontRef idx="minor">
+      <a:schemeClr val="tx1">
+        <a:lumMod val="65000"/>
+        <a:lumOff val="35000"/>
+      </a:schemeClr>
+    </cs:fontRef>
+    <cs:defRPr sz="900"/>
+  </cs:dataLabel>
+  <cs:dataLabelCallout>
+    <cs:lnRef idx="0"/>
+    <cs:fillRef idx="0"/>
+    <cs:effectRef idx="0"/>
+    <cs:fontRef idx="minor">
+      <a:schemeClr val="dk1">
+        <a:lumMod val="65000"/>
+        <a:lumOff val="35000"/>
+      </a:schemeClr>
+    </cs:fontRef>
+    <cs:spPr>
+      <a:solidFill>
+        <a:schemeClr val="lt1"/>
+      </a:solidFill>
+      <a:ln>
+        <a:solidFill>
+          <a:schemeClr val="dk1">
+            <a:lumMod val="25000"/>
+            <a:lumOff val="75000"/>
+          </a:schemeClr>
+        </a:solidFill>
+      </a:ln>
+    </cs:spPr>
+    <cs:defRPr sz="900"/>
+    <cs:bodyPr rot="0" spcFirstLastPara="1" vertOverflow="clip" horzOverflow="clip" vert="horz" wrap="square" lIns="36576" tIns="18288" rIns="36576" bIns="18288" anchor="ctr" anchorCtr="1">
+      <a:spAutoFit/>
+    </cs:bodyPr>
+  </cs:dataLabelCallout>
+  <cs:dataPoint>
+    <cs:lnRef idx="0"/>
+    <cs:fillRef idx="0">
+      <cs:styleClr val="auto"/>
+    </cs:fillRef>
+    <cs:effectRef idx="0"/>
+    <cs:fontRef idx="minor">
+      <a:schemeClr val="tx1"/>
+    </cs:fontRef>
+    <cs:spPr>
+      <a:solidFill>
+        <a:schemeClr val="phClr"/>
+      </a:solidFill>
+    </cs:spPr>
+  </cs:dataPoint>
+  <cs:dataPoint3D>
+    <cs:lnRef idx="0"/>
+    <cs:fillRef idx="0">
+      <cs:styleClr val="auto"/>
+    </cs:fillRef>
+    <cs:effectRef idx="0"/>
+    <cs:fontRef idx="minor">
+      <a:schemeClr val="tx1"/>
+    </cs:fontRef>
+    <cs:spPr>
+      <a:solidFill>
+        <a:schemeClr val="phClr"/>
+      </a:solidFill>
+    </cs:spPr>
+  </cs:dataPoint3D>
+  <cs:dataPointLine>
+    <cs:lnRef idx="0">
+      <cs:styleClr val="auto"/>
+    </cs:lnRef>
+    <cs:fillRef idx="0"/>
+    <cs:effectRef idx="0"/>
+    <cs:fontRef idx="minor">
+      <a:schemeClr val="tx1"/>
+    </cs:fontRef>
+    <cs:spPr>
+      <a:ln w="28575" cap="rnd">
+        <a:solidFill>
+          <a:schemeClr val="phClr"/>
+        </a:solidFill>
+        <a:round/>
+      </a:ln>
+    </cs:spPr>
+  </cs:dataPointLine>
+  <cs:dataPointMarker>
+    <cs:lnRef idx="0"/>
+    <cs:fillRef idx="0">
+      <cs:styleClr val="auto"/>
+    </cs:fillRef>
+    <cs:effectRef idx="0"/>
+    <cs:fontRef idx="minor">
+      <a:schemeClr val="tx1"/>
+    </cs:fontRef>
+    <cs:spPr>
+      <a:solidFill>
+        <a:schemeClr val="phClr"/>
+      </a:solidFill>
+      <a:ln w="9525">
+        <a:solidFill>
+          <a:schemeClr val="lt1"/>
+        </a:solidFill>
+      </a:ln>
+    </cs:spPr>
+  </cs:dataPointMarker>
+  <cs:dataPointMarkerLayout symbol="circle" size="5"/>
+  <cs:dataPointWireframe>
+    <cs:lnRef idx="0">
+      <cs:styleClr val="auto"/>
+    </cs:lnRef>
+    <cs:fillRef idx="0"/>
+    <cs:effectRef idx="0"/>
+    <cs:fontRef idx="minor">
+      <a:schemeClr val="tx1"/>
+    </cs:fontRef>
+    <cs:spPr>
+      <a:ln w="28575" cap="rnd">
+        <a:solidFill>
+          <a:schemeClr val="phClr"/>
+        </a:solidFill>
+        <a:round/>
+      </a:ln>
+    </cs:spPr>
+  </cs:dataPointWireframe>
+  <cs:dataTable>
+    <cs:lnRef idx="0"/>
+    <cs:fillRef idx="0"/>
+    <cs:effectRef idx="0"/>
+    <cs:fontRef idx="minor">
+      <a:schemeClr val="tx1">
+        <a:lumMod val="65000"/>
+        <a:lumOff val="35000"/>
+      </a:schemeClr>
+    </cs:fontRef>
+    <cs:spPr>
+      <a:ln w="9525">
+        <a:solidFill>
+          <a:schemeClr val="tx1">
+            <a:lumMod val="15000"/>
+            <a:lumOff val="85000"/>
+          </a:schemeClr>
+        </a:solidFill>
+      </a:ln>
+    </cs:spPr>
+    <cs:defRPr sz="900"/>
+  </cs:dataTable>
+  <cs:downBar>
+    <cs:lnRef idx="0"/>
+    <cs:fillRef idx="0"/>
+    <cs:effectRef idx="0"/>
+    <cs:fontRef idx="minor">
+      <a:schemeClr val="dk1"/>
+    </cs:fontRef>
+    <cs:spPr>
+      <a:solidFill>
+        <a:schemeClr val="dk1">
+          <a:lumMod val="65000"/>
+          <a:lumOff val="35000"/>
+        </a:schemeClr>
+      </a:solidFill>
+      <a:ln w="9525">
+        <a:solidFill>
+          <a:schemeClr val="tx1">
+            <a:lumMod val="65000"/>
+            <a:lumOff val="35000"/>
+          </a:schemeClr>
+        </a:solidFill>
+      </a:ln>
+    </cs:spPr>
+  </cs:downBar>
+  <cs:dropLine>
+    <cs:lnRef idx="0"/>
+    <cs:fillRef idx="0"/>
+    <cs:effectRef idx="0"/>
+    <cs:fontRef idx="minor">
+      <a:schemeClr val="tx1"/>
+    </cs:fontRef>
+    <cs:spPr>
+      <a:ln w="9525" cap="flat" cmpd="sng" algn="ctr">
+        <a:solidFill>
+          <a:schemeClr val="tx1">
+            <a:lumMod val="35000"/>
+            <a:lumOff val="65000"/>
+          </a:schemeClr>
+        </a:solidFill>
+        <a:round/>
+      </a:ln>
+    </cs:spPr>
+  </cs:dropLine>
+  <cs:errorBar>
+    <cs:lnRef idx="0"/>
+    <cs:fillRef idx="0"/>
+    <cs:effectRef idx="0"/>
+    <cs:fontRef idx="minor">
+      <a:schemeClr val="tx1"/>
+    </cs:fontRef>
+    <cs:spPr>
+      <a:ln w="9525" cap="flat" cmpd="sng" algn="ctr">
+        <a:solidFill>
+          <a:schemeClr val="tx1">
+            <a:lumMod val="65000"/>
+            <a:lumOff val="35000"/>
+          </a:schemeClr>
+        </a:solidFill>
+        <a:round/>
+      </a:ln>
+    </cs:spPr>
+  </cs:errorBar>
+  <cs:floor>
+    <cs:lnRef idx="0"/>
+    <cs:fillRef idx="0"/>
+    <cs:effectRef idx="0"/>
+    <cs:fontRef idx="minor">
+      <a:schemeClr val="tx1"/>
+    </cs:fontRef>
+  </cs:floor>
+  <cs:gridlineMajor>
+    <cs:lnRef idx="0"/>
+    <cs:fillRef idx="0"/>
+    <cs:effectRef idx="0"/>
+    <cs:fontRef idx="minor">
+      <a:schemeClr val="tx1"/>
+    </cs:fontRef>
+    <cs:spPr>
+      <a:ln w="9525" cap="flat" cmpd="sng" algn="ctr">
+        <a:solidFill>
+          <a:schemeClr val="tx1">
+            <a:lumMod val="15000"/>
+            <a:lumOff val="85000"/>
+          </a:schemeClr>
+        </a:solidFill>
+        <a:round/>
+      </a:ln>
+    </cs:spPr>
+  </cs:gridlineMajor>
+  <cs:gridlineMinor>
+    <cs:lnRef idx="0"/>
+    <cs:fillRef idx="0"/>
+    <cs:effectRef idx="0"/>
+    <cs:fontRef idx="minor">
+      <a:schemeClr val="tx1"/>
+    </cs:fontRef>
+    <cs:spPr>
+      <a:ln w="9525" cap="flat" cmpd="sng" algn="ctr">
+        <a:solidFill>
+          <a:schemeClr val="tx1">
+            <a:lumMod val="15000"/>
+            <a:lumOff val="85000"/>
+          </a:schemeClr>
+        </a:solidFill>
+        <a:round/>
+      </a:ln>
+    </cs:spPr>
+  </cs:gridlineMinor>
+  <cs:hiLoLine>
+    <cs:lnRef idx="0"/>
+    <cs:fillRef idx="0"/>
+    <cs:effectRef idx="0"/>
+    <cs:fontRef idx="minor">
+      <a:schemeClr val="tx1"/>
+    </cs:fontRef>
+    <cs:spPr>
+      <a:ln w="9525" cap="flat" cmpd="sng" algn="ctr">
+        <a:solidFill>
+          <a:schemeClr val="tx1">
+            <a:lumMod val="75000"/>
+            <a:lumOff val="25000"/>
+          </a:schemeClr>
+        </a:solidFill>
+        <a:round/>
+      </a:ln>
+    </cs:spPr>
+  </cs:hiLoLine>
+  <cs:leaderLine>
+    <cs:lnRef idx="0"/>
+    <cs:fillRef idx="0"/>
+    <cs:effectRef idx="0"/>
+    <cs:fontRef idx="minor">
+      <a:schemeClr val="tx1"/>
+    </cs:fontRef>
+    <cs:spPr>
+      <a:ln w="9525" cap="flat" cmpd="sng" algn="ctr">
+        <a:solidFill>
+          <a:schemeClr val="tx1">
+            <a:lumMod val="35000"/>
+            <a:lumOff val="65000"/>
+          </a:schemeClr>
+        </a:solidFill>
+        <a:round/>
+      </a:ln>
+    </cs:spPr>
+  </cs:leaderLine>
+  <cs:legend>
+    <cs:lnRef idx="0"/>
+    <cs:fillRef idx="0"/>
+    <cs:effectRef idx="0"/>
+    <cs:fontRef idx="minor">
+      <a:schemeClr val="tx1">
+        <a:lumMod val="65000"/>
+        <a:lumOff val="35000"/>
+      </a:schemeClr>
+    </cs:fontRef>
+    <cs:defRPr sz="900"/>
+  </cs:legend>
+  <cs:plotArea mods="allowNoFillOverride allowNoLineOverride">
+    <cs:lnRef idx="0"/>
+    <cs:fillRef idx="0"/>
+    <cs:effectRef idx="0"/>
+    <cs:fontRef idx="minor">
+      <a:schemeClr val="tx1"/>
+    </cs:fontRef>
+  </cs:plotArea>
+  <cs:plotArea3D mods="allowNoFillOverride allowNoLineOverride">
+    <cs:lnRef idx="0"/>
+    <cs:fillRef idx="0"/>
+    <cs:effectRef idx="0"/>
+    <cs:fontRef idx="minor">
+      <a:schemeClr val="tx1"/>
+    </cs:fontRef>
+  </cs:plotArea3D>
+  <cs:seriesAxis>
+    <cs:lnRef idx="0"/>
+    <cs:fillRef idx="0"/>
+    <cs:effectRef idx="0"/>
+    <cs:fontRef idx="minor">
+      <a:schemeClr val="tx1">
+        <a:lumMod val="65000"/>
+        <a:lumOff val="35000"/>
+      </a:schemeClr>
+    </cs:fontRef>
+    <cs:spPr>
+      <a:ln w="9525" cap="flat" cmpd="sng" algn="ctr">
+        <a:solidFill>
+          <a:schemeClr val="tx1">
+            <a:lumMod val="15000"/>
+            <a:lumOff val="85000"/>
+          </a:schemeClr>
+        </a:solidFill>
+        <a:round/>
+      </a:ln>
+    </cs:spPr>
+    <cs:defRPr sz="900"/>
+  </cs:seriesAxis>
+  <cs:seriesLine>
+    <cs:lnRef idx="0"/>
+    <cs:fillRef idx="0"/>
+    <cs:effectRef idx="0"/>
+    <cs:fontRef idx="minor">
+      <a:schemeClr val="tx1"/>
+    </cs:fontRef>
+    <cs:spPr>
+      <a:ln w="9525" cap="flat">
+        <a:solidFill>
+          <a:srgbClr val="D9D9D9"/>
+        </a:solidFill>
+        <a:round/>
+      </a:ln>
+    </cs:spPr>
+  </cs:seriesLine>
+  <cs:title>
+    <cs:lnRef idx="0"/>
+    <cs:fillRef idx="0"/>
+    <cs:effectRef idx="0"/>
+    <cs:fontRef idx="minor">
+      <a:schemeClr val="tx1">
+        <a:lumMod val="65000"/>
+        <a:lumOff val="35000"/>
+      </a:schemeClr>
+    </cs:fontRef>
+    <cs:defRPr sz="1400"/>
+  </cs:title>
+  <cs:trendline>
+    <cs:lnRef idx="0">
+      <cs:styleClr val="auto"/>
+    </cs:lnRef>
+    <cs:fillRef idx="0"/>
+    <cs:effectRef idx="0"/>
+    <cs:fontRef idx="minor">
+      <a:schemeClr val="tx1"/>
+    </cs:fontRef>
+    <cs:spPr>
+      <a:ln w="19050" cap="rnd">
+        <a:solidFill>
+          <a:schemeClr val="phClr"/>
+        </a:solidFill>
+        <a:prstDash val="sysDash"/>
+      </a:ln>
+    </cs:spPr>
+  </cs:trendline>
+  <cs:trendlineLabel>
+    <cs:lnRef idx="0"/>
+    <cs:fillRef idx="0"/>
+    <cs:effectRef idx="0"/>
+    <cs:fontRef idx="minor">
+      <a:schemeClr val="tx1">
+        <a:lumMod val="65000"/>
+        <a:lumOff val="35000"/>
+      </a:schemeClr>
+    </cs:fontRef>
+    <cs:defRPr sz="900"/>
+  </cs:trendlineLabel>
+  <cs:upBar>
+    <cs:lnRef idx="0"/>
+    <cs:fillRef idx="0"/>
+    <cs:effectRef idx="0"/>
+    <cs:fontRef idx="minor">
+      <a:schemeClr val="dk1"/>
+    </cs:fontRef>
+    <cs:spPr>
+      <a:solidFill>
+        <a:schemeClr val="lt1"/>
+      </a:solidFill>
+      <a:ln w="9525">
+        <a:solidFill>
+          <a:schemeClr val="tx1">
+            <a:lumMod val="15000"/>
+            <a:lumOff val="85000"/>
+          </a:schemeClr>
+        </a:solidFill>
+      </a:ln>
+    </cs:spPr>
+  </cs:upBar>
+  <cs:valueAxis>
+    <cs:lnRef idx="0"/>
+    <cs:fillRef idx="0"/>
+    <cs:effectRef idx="0"/>
+    <cs:fontRef idx="minor">
+      <a:schemeClr val="tx1">
+        <a:lumMod val="65000"/>
+        <a:lumOff val="35000"/>
+      </a:schemeClr>
+    </cs:fontRef>
+    <cs:defRPr sz="900"/>
+  </cs:valueAxis>
+  <cs:wall>
+    <cs:lnRef idx="0"/>
+    <cs:fillRef idx="0"/>
+    <cs:effectRef idx="0"/>
+    <cs:fontRef idx="minor">
+      <a:schemeClr val="tx1"/>
+    </cs:fontRef>
+  </cs:wall>
+</cs:chartStyle>
 </file>
 
-<file path=ppt/charts/colors6.xml><?xml version="1.0" encoding="utf-8"?>
-<cs:colorStyle xmlns:cs="http://schemas.microsoft.com/office/drawing/2012/chartStyle" xmlns:a="http://schemas.openxmlformats.org/drawingml/2006/main" meth="cycle" id="10">
-  <a:schemeClr val="accent1"/>
-  <a:schemeClr val="accent2"/>
-  <a:schemeClr val="accent3"/>
-  <a:schemeClr val="accent4"/>
-  <a:schemeClr val="accent5"/>
-  <a:schemeClr val="accent6"/>
-  <cs:variation/>
-  <cs:variation>
-    <a:lumMod val="60000"/>
-  </cs:variation>
-  <cs:variation>
-    <a:lumMod val="80000"/>
-    <a:lumOff val="20000"/>
-  </cs:variation>
-  <cs:variation>
-    <a:lumMod val="80000"/>
-  </cs:variation>
-  <cs:variation>
-    <a:lumMod val="60000"/>
-    <a:lumOff val="40000"/>
-  </cs:variation>
-  <cs:variation>
-    <a:lumMod val="50000"/>
-  </cs:variation>
-  <cs:variation>
-    <a:lumMod val="70000"/>
-    <a:lumOff val="30000"/>
-  </cs:variation>
-  <cs:variation>
-    <a:lumMod val="70000"/>
-  </cs:variation>
-  <cs:variation>
-    <a:lumMod val="50000"/>
-    <a:lumOff val="50000"/>
-  </cs:variation>
-</cs:colorStyle>
-</file>
-
-<file path=ppt/charts/style1.xml><?xml version="1.0" encoding="utf-8"?>
+<file path=ppt/charts/style2.xml><?xml version="1.0" encoding="utf-8"?>
 <cs:chartStyle xmlns:cs="http://schemas.microsoft.com/office/drawing/2012/chartStyle" xmlns:a="http://schemas.openxmlformats.org/drawingml/2006/main" id="201">
   <cs:axisTitle>
     <cs:lnRef idx="0"/>
@@ -2968,7 +2690,7 @@
 </cs:chartStyle>
 </file>
 
-<file path=ppt/charts/style2.xml><?xml version="1.0" encoding="utf-8"?>
+<file path=ppt/charts/style3.xml><?xml version="1.0" encoding="utf-8"?>
 <cs:chartStyle xmlns:cs="http://schemas.microsoft.com/office/drawing/2012/chartStyle" xmlns:a="http://schemas.openxmlformats.org/drawingml/2006/main" id="216">
   <cs:axisTitle>
     <cs:lnRef idx="0"/>
@@ -3473,1523 +3195,7 @@
 </cs:chartStyle>
 </file>
 
-<file path=ppt/charts/style3.xml><?xml version="1.0" encoding="utf-8"?>
-<cs:chartStyle xmlns:cs="http://schemas.microsoft.com/office/drawing/2012/chartStyle" xmlns:a="http://schemas.openxmlformats.org/drawingml/2006/main" id="201">
-  <cs:axisTitle>
-    <cs:lnRef idx="0"/>
-    <cs:fillRef idx="0"/>
-    <cs:effectRef idx="0"/>
-    <cs:fontRef idx="minor">
-      <a:schemeClr val="tx1">
-        <a:lumMod val="65000"/>
-        <a:lumOff val="35000"/>
-      </a:schemeClr>
-    </cs:fontRef>
-    <cs:defRPr sz="1000" kern="1200"/>
-  </cs:axisTitle>
-  <cs:categoryAxis>
-    <cs:lnRef idx="0"/>
-    <cs:fillRef idx="0"/>
-    <cs:effectRef idx="0"/>
-    <cs:fontRef idx="minor">
-      <a:schemeClr val="tx1">
-        <a:lumMod val="65000"/>
-        <a:lumOff val="35000"/>
-      </a:schemeClr>
-    </cs:fontRef>
-    <cs:spPr>
-      <a:ln w="9525" cap="flat" cmpd="sng" algn="ctr">
-        <a:solidFill>
-          <a:schemeClr val="tx1">
-            <a:lumMod val="15000"/>
-            <a:lumOff val="85000"/>
-          </a:schemeClr>
-        </a:solidFill>
-        <a:round/>
-      </a:ln>
-    </cs:spPr>
-    <cs:defRPr sz="900" kern="1200"/>
-  </cs:categoryAxis>
-  <cs:chartArea mods="allowNoFillOverride allowNoLineOverride">
-    <cs:lnRef idx="0"/>
-    <cs:fillRef idx="0"/>
-    <cs:effectRef idx="0"/>
-    <cs:fontRef idx="minor">
-      <a:schemeClr val="tx1"/>
-    </cs:fontRef>
-    <cs:spPr>
-      <a:solidFill>
-        <a:schemeClr val="bg1"/>
-      </a:solidFill>
-      <a:ln w="9525" cap="flat" cmpd="sng" algn="ctr">
-        <a:solidFill>
-          <a:schemeClr val="tx1">
-            <a:lumMod val="15000"/>
-            <a:lumOff val="85000"/>
-          </a:schemeClr>
-        </a:solidFill>
-        <a:round/>
-      </a:ln>
-    </cs:spPr>
-    <cs:defRPr sz="1000" kern="1200"/>
-  </cs:chartArea>
-  <cs:dataLabel>
-    <cs:lnRef idx="0"/>
-    <cs:fillRef idx="0"/>
-    <cs:effectRef idx="0"/>
-    <cs:fontRef idx="minor">
-      <a:schemeClr val="tx1">
-        <a:lumMod val="75000"/>
-        <a:lumOff val="25000"/>
-      </a:schemeClr>
-    </cs:fontRef>
-    <cs:defRPr sz="900" kern="1200"/>
-  </cs:dataLabel>
-  <cs:dataLabelCallout>
-    <cs:lnRef idx="0"/>
-    <cs:fillRef idx="0"/>
-    <cs:effectRef idx="0"/>
-    <cs:fontRef idx="minor">
-      <a:schemeClr val="dk1">
-        <a:lumMod val="65000"/>
-        <a:lumOff val="35000"/>
-      </a:schemeClr>
-    </cs:fontRef>
-    <cs:spPr>
-      <a:solidFill>
-        <a:schemeClr val="lt1"/>
-      </a:solidFill>
-      <a:ln>
-        <a:solidFill>
-          <a:schemeClr val="dk1">
-            <a:lumMod val="25000"/>
-            <a:lumOff val="75000"/>
-          </a:schemeClr>
-        </a:solidFill>
-      </a:ln>
-    </cs:spPr>
-    <cs:defRPr sz="900" kern="1200"/>
-    <cs:bodyPr rot="0" spcFirstLastPara="1" vertOverflow="clip" horzOverflow="clip" vert="horz" wrap="square" lIns="36576" tIns="18288" rIns="36576" bIns="18288" anchor="ctr" anchorCtr="1">
-      <a:spAutoFit/>
-    </cs:bodyPr>
-  </cs:dataLabelCallout>
-  <cs:dataPoint>
-    <cs:lnRef idx="0"/>
-    <cs:fillRef idx="1">
-      <cs:styleClr val="auto"/>
-    </cs:fillRef>
-    <cs:effectRef idx="0"/>
-    <cs:fontRef idx="minor">
-      <a:schemeClr val="tx1"/>
-    </cs:fontRef>
-  </cs:dataPoint>
-  <cs:dataPoint3D>
-    <cs:lnRef idx="0"/>
-    <cs:fillRef idx="1">
-      <cs:styleClr val="auto"/>
-    </cs:fillRef>
-    <cs:effectRef idx="0"/>
-    <cs:fontRef idx="minor">
-      <a:schemeClr val="tx1"/>
-    </cs:fontRef>
-  </cs:dataPoint3D>
-  <cs:dataPointLine>
-    <cs:lnRef idx="0">
-      <cs:styleClr val="auto"/>
-    </cs:lnRef>
-    <cs:fillRef idx="1"/>
-    <cs:effectRef idx="0"/>
-    <cs:fontRef idx="minor">
-      <a:schemeClr val="tx1"/>
-    </cs:fontRef>
-    <cs:spPr>
-      <a:ln w="28575" cap="rnd">
-        <a:solidFill>
-          <a:schemeClr val="phClr"/>
-        </a:solidFill>
-        <a:round/>
-      </a:ln>
-    </cs:spPr>
-  </cs:dataPointLine>
-  <cs:dataPointMarker>
-    <cs:lnRef idx="0">
-      <cs:styleClr val="auto"/>
-    </cs:lnRef>
-    <cs:fillRef idx="1">
-      <cs:styleClr val="auto"/>
-    </cs:fillRef>
-    <cs:effectRef idx="0"/>
-    <cs:fontRef idx="minor">
-      <a:schemeClr val="tx1"/>
-    </cs:fontRef>
-    <cs:spPr>
-      <a:ln w="9525">
-        <a:solidFill>
-          <a:schemeClr val="phClr"/>
-        </a:solidFill>
-      </a:ln>
-    </cs:spPr>
-  </cs:dataPointMarker>
-  <cs:dataPointMarkerLayout symbol="circle" size="5"/>
-  <cs:dataPointWireframe>
-    <cs:lnRef idx="0">
-      <cs:styleClr val="auto"/>
-    </cs:lnRef>
-    <cs:fillRef idx="1"/>
-    <cs:effectRef idx="0"/>
-    <cs:fontRef idx="minor">
-      <a:schemeClr val="tx1"/>
-    </cs:fontRef>
-    <cs:spPr>
-      <a:ln w="9525" cap="rnd">
-        <a:solidFill>
-          <a:schemeClr val="phClr"/>
-        </a:solidFill>
-        <a:round/>
-      </a:ln>
-    </cs:spPr>
-  </cs:dataPointWireframe>
-  <cs:dataTable>
-    <cs:lnRef idx="0"/>
-    <cs:fillRef idx="0"/>
-    <cs:effectRef idx="0"/>
-    <cs:fontRef idx="minor">
-      <a:schemeClr val="tx1">
-        <a:lumMod val="65000"/>
-        <a:lumOff val="35000"/>
-      </a:schemeClr>
-    </cs:fontRef>
-    <cs:spPr>
-      <a:noFill/>
-      <a:ln w="9525" cap="flat" cmpd="sng" algn="ctr">
-        <a:solidFill>
-          <a:schemeClr val="tx1">
-            <a:lumMod val="15000"/>
-            <a:lumOff val="85000"/>
-          </a:schemeClr>
-        </a:solidFill>
-        <a:round/>
-      </a:ln>
-    </cs:spPr>
-    <cs:defRPr sz="900" kern="1200"/>
-  </cs:dataTable>
-  <cs:downBar>
-    <cs:lnRef idx="0"/>
-    <cs:fillRef idx="0"/>
-    <cs:effectRef idx="0"/>
-    <cs:fontRef idx="minor">
-      <a:schemeClr val="dk1"/>
-    </cs:fontRef>
-    <cs:spPr>
-      <a:solidFill>
-        <a:schemeClr val="dk1">
-          <a:lumMod val="65000"/>
-          <a:lumOff val="35000"/>
-        </a:schemeClr>
-      </a:solidFill>
-      <a:ln w="9525">
-        <a:solidFill>
-          <a:schemeClr val="tx1">
-            <a:lumMod val="65000"/>
-            <a:lumOff val="35000"/>
-          </a:schemeClr>
-        </a:solidFill>
-      </a:ln>
-    </cs:spPr>
-  </cs:downBar>
-  <cs:dropLine>
-    <cs:lnRef idx="0"/>
-    <cs:fillRef idx="0"/>
-    <cs:effectRef idx="0"/>
-    <cs:fontRef idx="minor">
-      <a:schemeClr val="tx1"/>
-    </cs:fontRef>
-    <cs:spPr>
-      <a:ln w="9525" cap="flat" cmpd="sng" algn="ctr">
-        <a:solidFill>
-          <a:schemeClr val="tx1">
-            <a:lumMod val="35000"/>
-            <a:lumOff val="65000"/>
-          </a:schemeClr>
-        </a:solidFill>
-        <a:round/>
-      </a:ln>
-    </cs:spPr>
-  </cs:dropLine>
-  <cs:errorBar>
-    <cs:lnRef idx="0"/>
-    <cs:fillRef idx="0"/>
-    <cs:effectRef idx="0"/>
-    <cs:fontRef idx="minor">
-      <a:schemeClr val="tx1"/>
-    </cs:fontRef>
-    <cs:spPr>
-      <a:ln w="9525" cap="flat" cmpd="sng" algn="ctr">
-        <a:solidFill>
-          <a:schemeClr val="tx1">
-            <a:lumMod val="65000"/>
-            <a:lumOff val="35000"/>
-          </a:schemeClr>
-        </a:solidFill>
-        <a:round/>
-      </a:ln>
-    </cs:spPr>
-  </cs:errorBar>
-  <cs:floor>
-    <cs:lnRef idx="0"/>
-    <cs:fillRef idx="0"/>
-    <cs:effectRef idx="0"/>
-    <cs:fontRef idx="minor">
-      <a:schemeClr val="tx1"/>
-    </cs:fontRef>
-    <cs:spPr>
-      <a:noFill/>
-      <a:ln>
-        <a:noFill/>
-      </a:ln>
-    </cs:spPr>
-  </cs:floor>
-  <cs:gridlineMajor>
-    <cs:lnRef idx="0"/>
-    <cs:fillRef idx="0"/>
-    <cs:effectRef idx="0"/>
-    <cs:fontRef idx="minor">
-      <a:schemeClr val="tx1"/>
-    </cs:fontRef>
-    <cs:spPr>
-      <a:ln w="9525" cap="flat" cmpd="sng" algn="ctr">
-        <a:solidFill>
-          <a:schemeClr val="tx1">
-            <a:lumMod val="15000"/>
-            <a:lumOff val="85000"/>
-          </a:schemeClr>
-        </a:solidFill>
-        <a:round/>
-      </a:ln>
-    </cs:spPr>
-  </cs:gridlineMajor>
-  <cs:gridlineMinor>
-    <cs:lnRef idx="0"/>
-    <cs:fillRef idx="0"/>
-    <cs:effectRef idx="0"/>
-    <cs:fontRef idx="minor">
-      <a:schemeClr val="tx1"/>
-    </cs:fontRef>
-    <cs:spPr>
-      <a:ln w="9525" cap="flat" cmpd="sng" algn="ctr">
-        <a:solidFill>
-          <a:schemeClr val="tx1">
-            <a:lumMod val="5000"/>
-            <a:lumOff val="95000"/>
-          </a:schemeClr>
-        </a:solidFill>
-        <a:round/>
-      </a:ln>
-    </cs:spPr>
-  </cs:gridlineMinor>
-  <cs:hiLoLine>
-    <cs:lnRef idx="0"/>
-    <cs:fillRef idx="0"/>
-    <cs:effectRef idx="0"/>
-    <cs:fontRef idx="minor">
-      <a:schemeClr val="tx1"/>
-    </cs:fontRef>
-    <cs:spPr>
-      <a:ln w="9525" cap="flat" cmpd="sng" algn="ctr">
-        <a:solidFill>
-          <a:schemeClr val="tx1">
-            <a:lumMod val="75000"/>
-            <a:lumOff val="25000"/>
-          </a:schemeClr>
-        </a:solidFill>
-        <a:round/>
-      </a:ln>
-    </cs:spPr>
-  </cs:hiLoLine>
-  <cs:leaderLine>
-    <cs:lnRef idx="0"/>
-    <cs:fillRef idx="0"/>
-    <cs:effectRef idx="0"/>
-    <cs:fontRef idx="minor">
-      <a:schemeClr val="tx1"/>
-    </cs:fontRef>
-    <cs:spPr>
-      <a:ln w="9525" cap="flat" cmpd="sng" algn="ctr">
-        <a:solidFill>
-          <a:schemeClr val="tx1">
-            <a:lumMod val="35000"/>
-            <a:lumOff val="65000"/>
-          </a:schemeClr>
-        </a:solidFill>
-        <a:round/>
-      </a:ln>
-    </cs:spPr>
-  </cs:leaderLine>
-  <cs:legend>
-    <cs:lnRef idx="0"/>
-    <cs:fillRef idx="0"/>
-    <cs:effectRef idx="0"/>
-    <cs:fontRef idx="minor">
-      <a:schemeClr val="tx1">
-        <a:lumMod val="65000"/>
-        <a:lumOff val="35000"/>
-      </a:schemeClr>
-    </cs:fontRef>
-    <cs:defRPr sz="900" kern="1200"/>
-  </cs:legend>
-  <cs:plotArea mods="allowNoFillOverride allowNoLineOverride">
-    <cs:lnRef idx="0"/>
-    <cs:fillRef idx="0"/>
-    <cs:effectRef idx="0"/>
-    <cs:fontRef idx="minor">
-      <a:schemeClr val="tx1"/>
-    </cs:fontRef>
-  </cs:plotArea>
-  <cs:plotArea3D mods="allowNoFillOverride allowNoLineOverride">
-    <cs:lnRef idx="0"/>
-    <cs:fillRef idx="0"/>
-    <cs:effectRef idx="0"/>
-    <cs:fontRef idx="minor">
-      <a:schemeClr val="tx1"/>
-    </cs:fontRef>
-  </cs:plotArea3D>
-  <cs:seriesAxis>
-    <cs:lnRef idx="0"/>
-    <cs:fillRef idx="0"/>
-    <cs:effectRef idx="0"/>
-    <cs:fontRef idx="minor">
-      <a:schemeClr val="tx1">
-        <a:lumMod val="65000"/>
-        <a:lumOff val="35000"/>
-      </a:schemeClr>
-    </cs:fontRef>
-    <cs:defRPr sz="900" kern="1200"/>
-  </cs:seriesAxis>
-  <cs:seriesLine>
-    <cs:lnRef idx="0"/>
-    <cs:fillRef idx="0"/>
-    <cs:effectRef idx="0"/>
-    <cs:fontRef idx="minor">
-      <a:schemeClr val="tx1"/>
-    </cs:fontRef>
-    <cs:spPr>
-      <a:ln w="9525" cap="flat" cmpd="sng" algn="ctr">
-        <a:solidFill>
-          <a:schemeClr val="tx1">
-            <a:lumMod val="35000"/>
-            <a:lumOff val="65000"/>
-          </a:schemeClr>
-        </a:solidFill>
-        <a:round/>
-      </a:ln>
-    </cs:spPr>
-  </cs:seriesLine>
-  <cs:title>
-    <cs:lnRef idx="0"/>
-    <cs:fillRef idx="0"/>
-    <cs:effectRef idx="0"/>
-    <cs:fontRef idx="minor">
-      <a:schemeClr val="tx1">
-        <a:lumMod val="65000"/>
-        <a:lumOff val="35000"/>
-      </a:schemeClr>
-    </cs:fontRef>
-    <cs:defRPr sz="1400" b="0" kern="1200" spc="0" baseline="0"/>
-  </cs:title>
-  <cs:trendline>
-    <cs:lnRef idx="0">
-      <cs:styleClr val="auto"/>
-    </cs:lnRef>
-    <cs:fillRef idx="0"/>
-    <cs:effectRef idx="0"/>
-    <cs:fontRef idx="minor">
-      <a:schemeClr val="tx1"/>
-    </cs:fontRef>
-    <cs:spPr>
-      <a:ln w="19050" cap="rnd">
-        <a:solidFill>
-          <a:schemeClr val="phClr"/>
-        </a:solidFill>
-        <a:prstDash val="sysDot"/>
-      </a:ln>
-    </cs:spPr>
-  </cs:trendline>
-  <cs:trendlineLabel>
-    <cs:lnRef idx="0"/>
-    <cs:fillRef idx="0"/>
-    <cs:effectRef idx="0"/>
-    <cs:fontRef idx="minor">
-      <a:schemeClr val="tx1">
-        <a:lumMod val="65000"/>
-        <a:lumOff val="35000"/>
-      </a:schemeClr>
-    </cs:fontRef>
-    <cs:defRPr sz="900" kern="1200"/>
-  </cs:trendlineLabel>
-  <cs:upBar>
-    <cs:lnRef idx="0"/>
-    <cs:fillRef idx="0"/>
-    <cs:effectRef idx="0"/>
-    <cs:fontRef idx="minor">
-      <a:schemeClr val="dk1"/>
-    </cs:fontRef>
-    <cs:spPr>
-      <a:solidFill>
-        <a:schemeClr val="lt1"/>
-      </a:solidFill>
-      <a:ln w="9525">
-        <a:solidFill>
-          <a:schemeClr val="tx1">
-            <a:lumMod val="15000"/>
-            <a:lumOff val="85000"/>
-          </a:schemeClr>
-        </a:solidFill>
-      </a:ln>
-    </cs:spPr>
-  </cs:upBar>
-  <cs:valueAxis>
-    <cs:lnRef idx="0"/>
-    <cs:fillRef idx="0"/>
-    <cs:effectRef idx="0"/>
-    <cs:fontRef idx="minor">
-      <a:schemeClr val="tx1">
-        <a:lumMod val="65000"/>
-        <a:lumOff val="35000"/>
-      </a:schemeClr>
-    </cs:fontRef>
-    <cs:defRPr sz="900" kern="1200"/>
-  </cs:valueAxis>
-  <cs:wall>
-    <cs:lnRef idx="0"/>
-    <cs:fillRef idx="0"/>
-    <cs:effectRef idx="0"/>
-    <cs:fontRef idx="minor">
-      <a:schemeClr val="tx1"/>
-    </cs:fontRef>
-    <cs:spPr>
-      <a:noFill/>
-      <a:ln>
-        <a:noFill/>
-      </a:ln>
-    </cs:spPr>
-  </cs:wall>
-</cs:chartStyle>
-</file>
-
 <file path=ppt/charts/style4.xml><?xml version="1.0" encoding="utf-8"?>
-<cs:chartStyle xmlns:cs="http://schemas.microsoft.com/office/drawing/2012/chartStyle" xmlns:a="http://schemas.openxmlformats.org/drawingml/2006/main" id="395">
-  <cs:axisTitle>
-    <cs:lnRef idx="0"/>
-    <cs:fillRef idx="0"/>
-    <cs:effectRef idx="0"/>
-    <cs:fontRef idx="minor">
-      <a:schemeClr val="tx1">
-        <a:lumMod val="65000"/>
-        <a:lumOff val="35000"/>
-      </a:schemeClr>
-    </cs:fontRef>
-    <cs:defRPr sz="900"/>
-  </cs:axisTitle>
-  <cs:categoryAxis>
-    <cs:lnRef idx="0"/>
-    <cs:fillRef idx="0"/>
-    <cs:effectRef idx="0"/>
-    <cs:fontRef idx="minor">
-      <a:schemeClr val="tx1">
-        <a:lumMod val="65000"/>
-        <a:lumOff val="35000"/>
-      </a:schemeClr>
-    </cs:fontRef>
-    <cs:spPr>
-      <a:ln w="9525" cap="flat" cmpd="sng" algn="ctr">
-        <a:solidFill>
-          <a:schemeClr val="tx1">
-            <a:lumMod val="15000"/>
-            <a:lumOff val="85000"/>
-          </a:schemeClr>
-        </a:solidFill>
-        <a:round/>
-      </a:ln>
-    </cs:spPr>
-    <cs:defRPr sz="900"/>
-  </cs:categoryAxis>
-  <cs:chartArea mods="allowNoFillOverride allowNoLineOverride">
-    <cs:lnRef idx="0"/>
-    <cs:fillRef idx="0"/>
-    <cs:effectRef idx="0"/>
-    <cs:fontRef idx="minor">
-      <a:schemeClr val="tx1"/>
-    </cs:fontRef>
-    <cs:spPr>
-      <a:solidFill>
-        <a:schemeClr val="bg1"/>
-      </a:solidFill>
-      <a:ln w="9525" cap="flat" cmpd="sng" algn="ctr">
-        <a:solidFill>
-          <a:schemeClr val="tx1">
-            <a:lumMod val="15000"/>
-            <a:lumOff val="85000"/>
-          </a:schemeClr>
-        </a:solidFill>
-        <a:round/>
-      </a:ln>
-    </cs:spPr>
-    <cs:defRPr sz="1000"/>
-  </cs:chartArea>
-  <cs:dataLabel>
-    <cs:lnRef idx="0"/>
-    <cs:fillRef idx="0"/>
-    <cs:effectRef idx="0"/>
-    <cs:fontRef idx="minor">
-      <a:schemeClr val="tx1">
-        <a:lumMod val="65000"/>
-        <a:lumOff val="35000"/>
-      </a:schemeClr>
-    </cs:fontRef>
-    <cs:defRPr sz="900"/>
-  </cs:dataLabel>
-  <cs:dataLabelCallout>
-    <cs:lnRef idx="0"/>
-    <cs:fillRef idx="0"/>
-    <cs:effectRef idx="0"/>
-    <cs:fontRef idx="minor">
-      <a:schemeClr val="dk1">
-        <a:lumMod val="65000"/>
-        <a:lumOff val="35000"/>
-      </a:schemeClr>
-    </cs:fontRef>
-    <cs:spPr>
-      <a:solidFill>
-        <a:schemeClr val="lt1"/>
-      </a:solidFill>
-      <a:ln>
-        <a:solidFill>
-          <a:schemeClr val="dk1">
-            <a:lumMod val="25000"/>
-            <a:lumOff val="75000"/>
-          </a:schemeClr>
-        </a:solidFill>
-      </a:ln>
-    </cs:spPr>
-    <cs:defRPr sz="900"/>
-    <cs:bodyPr rot="0" spcFirstLastPara="1" vertOverflow="clip" horzOverflow="clip" vert="horz" wrap="square" lIns="36576" tIns="18288" rIns="36576" bIns="18288" anchor="ctr" anchorCtr="1">
-      <a:spAutoFit/>
-    </cs:bodyPr>
-  </cs:dataLabelCallout>
-  <cs:dataPoint>
-    <cs:lnRef idx="0"/>
-    <cs:fillRef idx="0">
-      <cs:styleClr val="auto"/>
-    </cs:fillRef>
-    <cs:effectRef idx="0"/>
-    <cs:fontRef idx="minor">
-      <a:schemeClr val="tx1"/>
-    </cs:fontRef>
-    <cs:spPr>
-      <a:solidFill>
-        <a:schemeClr val="phClr"/>
-      </a:solidFill>
-    </cs:spPr>
-  </cs:dataPoint>
-  <cs:dataPoint3D>
-    <cs:lnRef idx="0"/>
-    <cs:fillRef idx="0">
-      <cs:styleClr val="auto"/>
-    </cs:fillRef>
-    <cs:effectRef idx="0"/>
-    <cs:fontRef idx="minor">
-      <a:schemeClr val="tx1"/>
-    </cs:fontRef>
-    <cs:spPr>
-      <a:solidFill>
-        <a:schemeClr val="phClr"/>
-      </a:solidFill>
-    </cs:spPr>
-  </cs:dataPoint3D>
-  <cs:dataPointLine>
-    <cs:lnRef idx="0">
-      <cs:styleClr val="auto"/>
-    </cs:lnRef>
-    <cs:fillRef idx="0"/>
-    <cs:effectRef idx="0"/>
-    <cs:fontRef idx="minor">
-      <a:schemeClr val="tx1"/>
-    </cs:fontRef>
-    <cs:spPr>
-      <a:ln w="28575" cap="rnd">
-        <a:solidFill>
-          <a:schemeClr val="phClr"/>
-        </a:solidFill>
-        <a:round/>
-      </a:ln>
-    </cs:spPr>
-  </cs:dataPointLine>
-  <cs:dataPointMarker>
-    <cs:lnRef idx="0"/>
-    <cs:fillRef idx="0">
-      <cs:styleClr val="auto"/>
-    </cs:fillRef>
-    <cs:effectRef idx="0"/>
-    <cs:fontRef idx="minor">
-      <a:schemeClr val="tx1"/>
-    </cs:fontRef>
-    <cs:spPr>
-      <a:solidFill>
-        <a:schemeClr val="phClr"/>
-      </a:solidFill>
-      <a:ln w="9525">
-        <a:solidFill>
-          <a:schemeClr val="lt1"/>
-        </a:solidFill>
-      </a:ln>
-    </cs:spPr>
-  </cs:dataPointMarker>
-  <cs:dataPointMarkerLayout symbol="circle" size="5"/>
-  <cs:dataPointWireframe>
-    <cs:lnRef idx="0">
-      <cs:styleClr val="auto"/>
-    </cs:lnRef>
-    <cs:fillRef idx="0"/>
-    <cs:effectRef idx="0"/>
-    <cs:fontRef idx="minor">
-      <a:schemeClr val="tx1"/>
-    </cs:fontRef>
-    <cs:spPr>
-      <a:ln w="28575" cap="rnd">
-        <a:solidFill>
-          <a:schemeClr val="phClr"/>
-        </a:solidFill>
-        <a:round/>
-      </a:ln>
-    </cs:spPr>
-  </cs:dataPointWireframe>
-  <cs:dataTable>
-    <cs:lnRef idx="0"/>
-    <cs:fillRef idx="0"/>
-    <cs:effectRef idx="0"/>
-    <cs:fontRef idx="minor">
-      <a:schemeClr val="tx1">
-        <a:lumMod val="65000"/>
-        <a:lumOff val="35000"/>
-      </a:schemeClr>
-    </cs:fontRef>
-    <cs:spPr>
-      <a:ln w="9525">
-        <a:solidFill>
-          <a:schemeClr val="tx1">
-            <a:lumMod val="15000"/>
-            <a:lumOff val="85000"/>
-          </a:schemeClr>
-        </a:solidFill>
-      </a:ln>
-    </cs:spPr>
-    <cs:defRPr sz="900"/>
-  </cs:dataTable>
-  <cs:downBar>
-    <cs:lnRef idx="0"/>
-    <cs:fillRef idx="0"/>
-    <cs:effectRef idx="0"/>
-    <cs:fontRef idx="minor">
-      <a:schemeClr val="dk1"/>
-    </cs:fontRef>
-    <cs:spPr>
-      <a:solidFill>
-        <a:schemeClr val="dk1">
-          <a:lumMod val="65000"/>
-          <a:lumOff val="35000"/>
-        </a:schemeClr>
-      </a:solidFill>
-      <a:ln w="9525">
-        <a:solidFill>
-          <a:schemeClr val="tx1">
-            <a:lumMod val="65000"/>
-            <a:lumOff val="35000"/>
-          </a:schemeClr>
-        </a:solidFill>
-      </a:ln>
-    </cs:spPr>
-  </cs:downBar>
-  <cs:dropLine>
-    <cs:lnRef idx="0"/>
-    <cs:fillRef idx="0"/>
-    <cs:effectRef idx="0"/>
-    <cs:fontRef idx="minor">
-      <a:schemeClr val="tx1"/>
-    </cs:fontRef>
-    <cs:spPr>
-      <a:ln w="9525" cap="flat" cmpd="sng" algn="ctr">
-        <a:solidFill>
-          <a:schemeClr val="tx1">
-            <a:lumMod val="35000"/>
-            <a:lumOff val="65000"/>
-          </a:schemeClr>
-        </a:solidFill>
-        <a:round/>
-      </a:ln>
-    </cs:spPr>
-  </cs:dropLine>
-  <cs:errorBar>
-    <cs:lnRef idx="0"/>
-    <cs:fillRef idx="0"/>
-    <cs:effectRef idx="0"/>
-    <cs:fontRef idx="minor">
-      <a:schemeClr val="tx1"/>
-    </cs:fontRef>
-    <cs:spPr>
-      <a:ln w="9525" cap="flat" cmpd="sng" algn="ctr">
-        <a:solidFill>
-          <a:schemeClr val="tx1">
-            <a:lumMod val="65000"/>
-            <a:lumOff val="35000"/>
-          </a:schemeClr>
-        </a:solidFill>
-        <a:round/>
-      </a:ln>
-    </cs:spPr>
-  </cs:errorBar>
-  <cs:floor>
-    <cs:lnRef idx="0"/>
-    <cs:fillRef idx="0"/>
-    <cs:effectRef idx="0"/>
-    <cs:fontRef idx="minor">
-      <a:schemeClr val="tx1"/>
-    </cs:fontRef>
-  </cs:floor>
-  <cs:gridlineMajor>
-    <cs:lnRef idx="0"/>
-    <cs:fillRef idx="0"/>
-    <cs:effectRef idx="0"/>
-    <cs:fontRef idx="minor">
-      <a:schemeClr val="tx1"/>
-    </cs:fontRef>
-    <cs:spPr>
-      <a:ln w="9525" cap="flat" cmpd="sng" algn="ctr">
-        <a:solidFill>
-          <a:schemeClr val="tx1">
-            <a:lumMod val="15000"/>
-            <a:lumOff val="85000"/>
-          </a:schemeClr>
-        </a:solidFill>
-        <a:round/>
-      </a:ln>
-    </cs:spPr>
-  </cs:gridlineMajor>
-  <cs:gridlineMinor>
-    <cs:lnRef idx="0"/>
-    <cs:fillRef idx="0"/>
-    <cs:effectRef idx="0"/>
-    <cs:fontRef idx="minor">
-      <a:schemeClr val="tx1"/>
-    </cs:fontRef>
-    <cs:spPr>
-      <a:ln w="9525" cap="flat" cmpd="sng" algn="ctr">
-        <a:solidFill>
-          <a:schemeClr val="tx1">
-            <a:lumMod val="15000"/>
-            <a:lumOff val="85000"/>
-          </a:schemeClr>
-        </a:solidFill>
-        <a:round/>
-      </a:ln>
-    </cs:spPr>
-  </cs:gridlineMinor>
-  <cs:hiLoLine>
-    <cs:lnRef idx="0"/>
-    <cs:fillRef idx="0"/>
-    <cs:effectRef idx="0"/>
-    <cs:fontRef idx="minor">
-      <a:schemeClr val="tx1"/>
-    </cs:fontRef>
-    <cs:spPr>
-      <a:ln w="9525" cap="flat" cmpd="sng" algn="ctr">
-        <a:solidFill>
-          <a:schemeClr val="tx1">
-            <a:lumMod val="75000"/>
-            <a:lumOff val="25000"/>
-          </a:schemeClr>
-        </a:solidFill>
-        <a:round/>
-      </a:ln>
-    </cs:spPr>
-  </cs:hiLoLine>
-  <cs:leaderLine>
-    <cs:lnRef idx="0"/>
-    <cs:fillRef idx="0"/>
-    <cs:effectRef idx="0"/>
-    <cs:fontRef idx="minor">
-      <a:schemeClr val="tx1"/>
-    </cs:fontRef>
-    <cs:spPr>
-      <a:ln w="9525" cap="flat" cmpd="sng" algn="ctr">
-        <a:solidFill>
-          <a:schemeClr val="tx1">
-            <a:lumMod val="35000"/>
-            <a:lumOff val="65000"/>
-          </a:schemeClr>
-        </a:solidFill>
-        <a:round/>
-      </a:ln>
-    </cs:spPr>
-  </cs:leaderLine>
-  <cs:legend>
-    <cs:lnRef idx="0"/>
-    <cs:fillRef idx="0"/>
-    <cs:effectRef idx="0"/>
-    <cs:fontRef idx="minor">
-      <a:schemeClr val="tx1">
-        <a:lumMod val="65000"/>
-        <a:lumOff val="35000"/>
-      </a:schemeClr>
-    </cs:fontRef>
-    <cs:defRPr sz="900"/>
-  </cs:legend>
-  <cs:plotArea mods="allowNoFillOverride allowNoLineOverride">
-    <cs:lnRef idx="0"/>
-    <cs:fillRef idx="0"/>
-    <cs:effectRef idx="0"/>
-    <cs:fontRef idx="minor">
-      <a:schemeClr val="tx1"/>
-    </cs:fontRef>
-  </cs:plotArea>
-  <cs:plotArea3D mods="allowNoFillOverride allowNoLineOverride">
-    <cs:lnRef idx="0"/>
-    <cs:fillRef idx="0"/>
-    <cs:effectRef idx="0"/>
-    <cs:fontRef idx="minor">
-      <a:schemeClr val="tx1"/>
-    </cs:fontRef>
-  </cs:plotArea3D>
-  <cs:seriesAxis>
-    <cs:lnRef idx="0"/>
-    <cs:fillRef idx="0"/>
-    <cs:effectRef idx="0"/>
-    <cs:fontRef idx="minor">
-      <a:schemeClr val="tx1">
-        <a:lumMod val="65000"/>
-        <a:lumOff val="35000"/>
-      </a:schemeClr>
-    </cs:fontRef>
-    <cs:spPr>
-      <a:ln w="9525" cap="flat" cmpd="sng" algn="ctr">
-        <a:solidFill>
-          <a:schemeClr val="tx1">
-            <a:lumMod val="15000"/>
-            <a:lumOff val="85000"/>
-          </a:schemeClr>
-        </a:solidFill>
-        <a:round/>
-      </a:ln>
-    </cs:spPr>
-    <cs:defRPr sz="900"/>
-  </cs:seriesAxis>
-  <cs:seriesLine>
-    <cs:lnRef idx="0"/>
-    <cs:fillRef idx="0"/>
-    <cs:effectRef idx="0"/>
-    <cs:fontRef idx="minor">
-      <a:schemeClr val="tx1"/>
-    </cs:fontRef>
-    <cs:spPr>
-      <a:ln w="9525" cap="flat">
-        <a:solidFill>
-          <a:srgbClr val="D9D9D9"/>
-        </a:solidFill>
-        <a:round/>
-      </a:ln>
-    </cs:spPr>
-  </cs:seriesLine>
-  <cs:title>
-    <cs:lnRef idx="0"/>
-    <cs:fillRef idx="0"/>
-    <cs:effectRef idx="0"/>
-    <cs:fontRef idx="minor">
-      <a:schemeClr val="tx1">
-        <a:lumMod val="65000"/>
-        <a:lumOff val="35000"/>
-      </a:schemeClr>
-    </cs:fontRef>
-    <cs:defRPr sz="1400"/>
-  </cs:title>
-  <cs:trendline>
-    <cs:lnRef idx="0">
-      <cs:styleClr val="auto"/>
-    </cs:lnRef>
-    <cs:fillRef idx="0"/>
-    <cs:effectRef idx="0"/>
-    <cs:fontRef idx="minor">
-      <a:schemeClr val="tx1"/>
-    </cs:fontRef>
-    <cs:spPr>
-      <a:ln w="19050" cap="rnd">
-        <a:solidFill>
-          <a:schemeClr val="phClr"/>
-        </a:solidFill>
-        <a:prstDash val="sysDash"/>
-      </a:ln>
-    </cs:spPr>
-  </cs:trendline>
-  <cs:trendlineLabel>
-    <cs:lnRef idx="0"/>
-    <cs:fillRef idx="0"/>
-    <cs:effectRef idx="0"/>
-    <cs:fontRef idx="minor">
-      <a:schemeClr val="tx1">
-        <a:lumMod val="65000"/>
-        <a:lumOff val="35000"/>
-      </a:schemeClr>
-    </cs:fontRef>
-    <cs:defRPr sz="900"/>
-  </cs:trendlineLabel>
-  <cs:upBar>
-    <cs:lnRef idx="0"/>
-    <cs:fillRef idx="0"/>
-    <cs:effectRef idx="0"/>
-    <cs:fontRef idx="minor">
-      <a:schemeClr val="dk1"/>
-    </cs:fontRef>
-    <cs:spPr>
-      <a:solidFill>
-        <a:schemeClr val="lt1"/>
-      </a:solidFill>
-      <a:ln w="9525">
-        <a:solidFill>
-          <a:schemeClr val="tx1">
-            <a:lumMod val="15000"/>
-            <a:lumOff val="85000"/>
-          </a:schemeClr>
-        </a:solidFill>
-      </a:ln>
-    </cs:spPr>
-  </cs:upBar>
-  <cs:valueAxis>
-    <cs:lnRef idx="0"/>
-    <cs:fillRef idx="0"/>
-    <cs:effectRef idx="0"/>
-    <cs:fontRef idx="minor">
-      <a:schemeClr val="tx1">
-        <a:lumMod val="65000"/>
-        <a:lumOff val="35000"/>
-      </a:schemeClr>
-    </cs:fontRef>
-    <cs:defRPr sz="900"/>
-  </cs:valueAxis>
-  <cs:wall>
-    <cs:lnRef idx="0"/>
-    <cs:fillRef idx="0"/>
-    <cs:effectRef idx="0"/>
-    <cs:fontRef idx="minor">
-      <a:schemeClr val="tx1"/>
-    </cs:fontRef>
-  </cs:wall>
-</cs:chartStyle>
-</file>
-
-<file path=ppt/charts/style5.xml><?xml version="1.0" encoding="utf-8"?>
-<cs:chartStyle xmlns:cs="http://schemas.microsoft.com/office/drawing/2012/chartStyle" xmlns:a="http://schemas.openxmlformats.org/drawingml/2006/main" id="216">
-  <cs:axisTitle>
-    <cs:lnRef idx="0"/>
-    <cs:fillRef idx="0"/>
-    <cs:effectRef idx="0"/>
-    <cs:fontRef idx="minor">
-      <a:schemeClr val="tx1">
-        <a:lumMod val="65000"/>
-        <a:lumOff val="35000"/>
-      </a:schemeClr>
-    </cs:fontRef>
-    <cs:defRPr sz="1000" kern="1200"/>
-  </cs:axisTitle>
-  <cs:categoryAxis>
-    <cs:lnRef idx="0"/>
-    <cs:fillRef idx="0"/>
-    <cs:effectRef idx="0"/>
-    <cs:fontRef idx="minor">
-      <a:schemeClr val="tx1">
-        <a:lumMod val="65000"/>
-        <a:lumOff val="35000"/>
-      </a:schemeClr>
-    </cs:fontRef>
-    <cs:spPr>
-      <a:ln w="9525" cap="flat" cmpd="sng" algn="ctr">
-        <a:solidFill>
-          <a:schemeClr val="tx1">
-            <a:lumMod val="15000"/>
-            <a:lumOff val="85000"/>
-          </a:schemeClr>
-        </a:solidFill>
-        <a:round/>
-      </a:ln>
-    </cs:spPr>
-    <cs:defRPr sz="900" kern="1200"/>
-  </cs:categoryAxis>
-  <cs:chartArea mods="allowNoFillOverride allowNoLineOverride">
-    <cs:lnRef idx="0"/>
-    <cs:fillRef idx="0"/>
-    <cs:effectRef idx="0"/>
-    <cs:fontRef idx="minor">
-      <a:schemeClr val="tx1"/>
-    </cs:fontRef>
-    <cs:spPr>
-      <a:solidFill>
-        <a:schemeClr val="bg1"/>
-      </a:solidFill>
-      <a:ln w="9525" cap="flat" cmpd="sng" algn="ctr">
-        <a:solidFill>
-          <a:schemeClr val="tx1">
-            <a:lumMod val="15000"/>
-            <a:lumOff val="85000"/>
-          </a:schemeClr>
-        </a:solidFill>
-        <a:round/>
-      </a:ln>
-    </cs:spPr>
-    <cs:defRPr sz="1000" kern="1200"/>
-  </cs:chartArea>
-  <cs:dataLabel>
-    <cs:lnRef idx="0"/>
-    <cs:fillRef idx="0"/>
-    <cs:effectRef idx="0"/>
-    <cs:fontRef idx="minor">
-      <a:schemeClr val="tx1">
-        <a:lumMod val="75000"/>
-        <a:lumOff val="25000"/>
-      </a:schemeClr>
-    </cs:fontRef>
-    <cs:defRPr sz="900" kern="1200"/>
-  </cs:dataLabel>
-  <cs:dataLabelCallout>
-    <cs:lnRef idx="0"/>
-    <cs:fillRef idx="0"/>
-    <cs:effectRef idx="0"/>
-    <cs:fontRef idx="minor">
-      <a:schemeClr val="dk1">
-        <a:lumMod val="65000"/>
-        <a:lumOff val="35000"/>
-      </a:schemeClr>
-    </cs:fontRef>
-    <cs:spPr>
-      <a:solidFill>
-        <a:schemeClr val="lt1"/>
-      </a:solidFill>
-      <a:ln>
-        <a:solidFill>
-          <a:schemeClr val="dk1">
-            <a:lumMod val="25000"/>
-            <a:lumOff val="75000"/>
-          </a:schemeClr>
-        </a:solidFill>
-      </a:ln>
-    </cs:spPr>
-    <cs:defRPr sz="900" kern="1200"/>
-    <cs:bodyPr rot="0" spcFirstLastPara="1" vertOverflow="clip" horzOverflow="clip" vert="horz" wrap="square" lIns="36576" tIns="18288" rIns="36576" bIns="18288" anchor="ctr" anchorCtr="1">
-      <a:spAutoFit/>
-    </cs:bodyPr>
-  </cs:dataLabelCallout>
-  <cs:dataPoint>
-    <cs:lnRef idx="0"/>
-    <cs:fillRef idx="1">
-      <cs:styleClr val="auto"/>
-    </cs:fillRef>
-    <cs:effectRef idx="0"/>
-    <cs:fontRef idx="minor">
-      <a:schemeClr val="tx1"/>
-    </cs:fontRef>
-  </cs:dataPoint>
-  <cs:dataPoint3D>
-    <cs:lnRef idx="0"/>
-    <cs:fillRef idx="1">
-      <cs:styleClr val="auto"/>
-    </cs:fillRef>
-    <cs:effectRef idx="0"/>
-    <cs:fontRef idx="minor">
-      <a:schemeClr val="tx1"/>
-    </cs:fontRef>
-  </cs:dataPoint3D>
-  <cs:dataPointLine>
-    <cs:lnRef idx="0">
-      <cs:styleClr val="auto"/>
-    </cs:lnRef>
-    <cs:fillRef idx="1"/>
-    <cs:effectRef idx="0"/>
-    <cs:fontRef idx="minor">
-      <a:schemeClr val="tx1"/>
-    </cs:fontRef>
-    <cs:spPr>
-      <a:ln w="28575" cap="rnd">
-        <a:solidFill>
-          <a:schemeClr val="phClr"/>
-        </a:solidFill>
-        <a:round/>
-      </a:ln>
-    </cs:spPr>
-  </cs:dataPointLine>
-  <cs:dataPointMarker>
-    <cs:lnRef idx="0">
-      <cs:styleClr val="auto"/>
-    </cs:lnRef>
-    <cs:fillRef idx="1">
-      <cs:styleClr val="auto"/>
-    </cs:fillRef>
-    <cs:effectRef idx="0"/>
-    <cs:fontRef idx="minor">
-      <a:schemeClr val="tx1"/>
-    </cs:fontRef>
-    <cs:spPr>
-      <a:ln w="9525">
-        <a:solidFill>
-          <a:schemeClr val="phClr"/>
-        </a:solidFill>
-      </a:ln>
-    </cs:spPr>
-  </cs:dataPointMarker>
-  <cs:dataPointMarkerLayout symbol="circle" size="5"/>
-  <cs:dataPointWireframe>
-    <cs:lnRef idx="0">
-      <cs:styleClr val="auto"/>
-    </cs:lnRef>
-    <cs:fillRef idx="1"/>
-    <cs:effectRef idx="0"/>
-    <cs:fontRef idx="minor">
-      <a:schemeClr val="tx1"/>
-    </cs:fontRef>
-    <cs:spPr>
-      <a:ln w="9525" cap="rnd">
-        <a:solidFill>
-          <a:schemeClr val="phClr"/>
-        </a:solidFill>
-        <a:round/>
-      </a:ln>
-    </cs:spPr>
-  </cs:dataPointWireframe>
-  <cs:dataTable>
-    <cs:lnRef idx="0"/>
-    <cs:fillRef idx="0"/>
-    <cs:effectRef idx="0"/>
-    <cs:fontRef idx="minor">
-      <a:schemeClr val="tx1">
-        <a:lumMod val="65000"/>
-        <a:lumOff val="35000"/>
-      </a:schemeClr>
-    </cs:fontRef>
-    <cs:spPr>
-      <a:noFill/>
-      <a:ln w="9525" cap="flat" cmpd="sng" algn="ctr">
-        <a:solidFill>
-          <a:schemeClr val="tx1">
-            <a:lumMod val="15000"/>
-            <a:lumOff val="85000"/>
-          </a:schemeClr>
-        </a:solidFill>
-        <a:round/>
-      </a:ln>
-    </cs:spPr>
-    <cs:defRPr sz="900" kern="1200"/>
-  </cs:dataTable>
-  <cs:downBar>
-    <cs:lnRef idx="0"/>
-    <cs:fillRef idx="0"/>
-    <cs:effectRef idx="0"/>
-    <cs:fontRef idx="minor">
-      <a:schemeClr val="tx1"/>
-    </cs:fontRef>
-    <cs:spPr>
-      <a:solidFill>
-        <a:schemeClr val="dk1">
-          <a:lumMod val="75000"/>
-          <a:lumOff val="25000"/>
-        </a:schemeClr>
-      </a:solidFill>
-      <a:ln w="9525" cap="flat" cmpd="sng" algn="ctr">
-        <a:solidFill>
-          <a:schemeClr val="tx1">
-            <a:lumMod val="65000"/>
-            <a:lumOff val="35000"/>
-          </a:schemeClr>
-        </a:solidFill>
-        <a:round/>
-      </a:ln>
-    </cs:spPr>
-  </cs:downBar>
-  <cs:dropLine>
-    <cs:lnRef idx="0"/>
-    <cs:fillRef idx="0"/>
-    <cs:effectRef idx="0"/>
-    <cs:fontRef idx="minor">
-      <a:schemeClr val="tx1"/>
-    </cs:fontRef>
-    <cs:spPr>
-      <a:ln w="9525" cap="flat" cmpd="sng" algn="ctr">
-        <a:solidFill>
-          <a:schemeClr val="tx1">
-            <a:lumMod val="35000"/>
-            <a:lumOff val="65000"/>
-          </a:schemeClr>
-        </a:solidFill>
-        <a:round/>
-      </a:ln>
-    </cs:spPr>
-  </cs:dropLine>
-  <cs:errorBar>
-    <cs:lnRef idx="0"/>
-    <cs:fillRef idx="0"/>
-    <cs:effectRef idx="0"/>
-    <cs:fontRef idx="minor">
-      <a:schemeClr val="tx1"/>
-    </cs:fontRef>
-    <cs:spPr>
-      <a:ln w="9525" cap="flat" cmpd="sng" algn="ctr">
-        <a:solidFill>
-          <a:schemeClr val="tx1">
-            <a:lumMod val="65000"/>
-            <a:lumOff val="35000"/>
-          </a:schemeClr>
-        </a:solidFill>
-        <a:round/>
-      </a:ln>
-    </cs:spPr>
-  </cs:errorBar>
-  <cs:floor>
-    <cs:lnRef idx="0"/>
-    <cs:fillRef idx="0"/>
-    <cs:effectRef idx="0"/>
-    <cs:fontRef idx="minor">
-      <a:schemeClr val="tx1"/>
-    </cs:fontRef>
-    <cs:spPr>
-      <a:noFill/>
-      <a:ln>
-        <a:noFill/>
-      </a:ln>
-    </cs:spPr>
-  </cs:floor>
-  <cs:gridlineMajor>
-    <cs:lnRef idx="0"/>
-    <cs:fillRef idx="0"/>
-    <cs:effectRef idx="0"/>
-    <cs:fontRef idx="minor">
-      <a:schemeClr val="tx1"/>
-    </cs:fontRef>
-    <cs:spPr>
-      <a:ln w="9525" cap="flat" cmpd="sng" algn="ctr">
-        <a:solidFill>
-          <a:schemeClr val="tx1">
-            <a:lumMod val="15000"/>
-            <a:lumOff val="85000"/>
-          </a:schemeClr>
-        </a:solidFill>
-        <a:round/>
-      </a:ln>
-    </cs:spPr>
-  </cs:gridlineMajor>
-  <cs:gridlineMinor>
-    <cs:lnRef idx="0"/>
-    <cs:fillRef idx="0"/>
-    <cs:effectRef idx="0"/>
-    <cs:fontRef idx="minor">
-      <a:schemeClr val="tx1"/>
-    </cs:fontRef>
-    <cs:spPr>
-      <a:ln w="9525" cap="flat" cmpd="sng" algn="ctr">
-        <a:solidFill>
-          <a:schemeClr val="tx1">
-            <a:lumMod val="5000"/>
-            <a:lumOff val="95000"/>
-          </a:schemeClr>
-        </a:solidFill>
-        <a:round/>
-      </a:ln>
-    </cs:spPr>
-  </cs:gridlineMinor>
-  <cs:hiLoLine>
-    <cs:lnRef idx="0"/>
-    <cs:fillRef idx="0"/>
-    <cs:effectRef idx="0"/>
-    <cs:fontRef idx="minor">
-      <a:schemeClr val="tx1"/>
-    </cs:fontRef>
-    <cs:spPr>
-      <a:ln w="9525" cap="flat" cmpd="sng" algn="ctr">
-        <a:solidFill>
-          <a:schemeClr val="tx1">
-            <a:lumMod val="50000"/>
-            <a:lumOff val="50000"/>
-          </a:schemeClr>
-        </a:solidFill>
-        <a:round/>
-      </a:ln>
-    </cs:spPr>
-  </cs:hiLoLine>
-  <cs:leaderLine>
-    <cs:lnRef idx="0"/>
-    <cs:fillRef idx="0"/>
-    <cs:effectRef idx="0"/>
-    <cs:fontRef idx="minor">
-      <a:schemeClr val="tx1"/>
-    </cs:fontRef>
-    <cs:spPr>
-      <a:ln w="9525" cap="flat" cmpd="sng" algn="ctr">
-        <a:solidFill>
-          <a:schemeClr val="tx1">
-            <a:lumMod val="35000"/>
-            <a:lumOff val="65000"/>
-          </a:schemeClr>
-        </a:solidFill>
-        <a:round/>
-      </a:ln>
-    </cs:spPr>
-  </cs:leaderLine>
-  <cs:legend>
-    <cs:lnRef idx="0"/>
-    <cs:fillRef idx="0"/>
-    <cs:effectRef idx="0"/>
-    <cs:fontRef idx="minor">
-      <a:schemeClr val="tx1">
-        <a:lumMod val="65000"/>
-        <a:lumOff val="35000"/>
-      </a:schemeClr>
-    </cs:fontRef>
-    <cs:defRPr sz="900" kern="1200"/>
-  </cs:legend>
-  <cs:plotArea mods="allowNoFillOverride allowNoLineOverride">
-    <cs:lnRef idx="0"/>
-    <cs:fillRef idx="0"/>
-    <cs:effectRef idx="0"/>
-    <cs:fontRef idx="minor">
-      <a:schemeClr val="tx1"/>
-    </cs:fontRef>
-  </cs:plotArea>
-  <cs:plotArea3D mods="allowNoFillOverride allowNoLineOverride">
-    <cs:lnRef idx="0"/>
-    <cs:fillRef idx="0"/>
-    <cs:effectRef idx="0"/>
-    <cs:fontRef idx="minor">
-      <a:schemeClr val="tx1"/>
-    </cs:fontRef>
-  </cs:plotArea3D>
-  <cs:seriesAxis>
-    <cs:lnRef idx="0"/>
-    <cs:fillRef idx="0"/>
-    <cs:effectRef idx="0"/>
-    <cs:fontRef idx="minor">
-      <a:schemeClr val="tx1">
-        <a:lumMod val="65000"/>
-        <a:lumOff val="35000"/>
-      </a:schemeClr>
-    </cs:fontRef>
-    <cs:defRPr sz="900" kern="1200"/>
-  </cs:seriesAxis>
-  <cs:seriesLine>
-    <cs:lnRef idx="0"/>
-    <cs:fillRef idx="0"/>
-    <cs:effectRef idx="0"/>
-    <cs:fontRef idx="minor">
-      <a:schemeClr val="tx1"/>
-    </cs:fontRef>
-    <cs:spPr>
-      <a:ln w="9525" cap="flat" cmpd="sng" algn="ctr">
-        <a:solidFill>
-          <a:schemeClr val="tx1">
-            <a:lumMod val="35000"/>
-            <a:lumOff val="65000"/>
-          </a:schemeClr>
-        </a:solidFill>
-        <a:round/>
-      </a:ln>
-    </cs:spPr>
-  </cs:seriesLine>
-  <cs:title>
-    <cs:lnRef idx="0"/>
-    <cs:fillRef idx="0"/>
-    <cs:effectRef idx="0"/>
-    <cs:fontRef idx="minor">
-      <a:schemeClr val="tx1">
-        <a:lumMod val="65000"/>
-        <a:lumOff val="35000"/>
-      </a:schemeClr>
-    </cs:fontRef>
-    <cs:defRPr sz="1400" b="0" kern="1200" spc="0" baseline="0"/>
-  </cs:title>
-  <cs:trendline>
-    <cs:lnRef idx="0">
-      <cs:styleClr val="auto"/>
-    </cs:lnRef>
-    <cs:fillRef idx="0"/>
-    <cs:effectRef idx="0"/>
-    <cs:fontRef idx="minor">
-      <a:schemeClr val="tx1"/>
-    </cs:fontRef>
-    <cs:spPr>
-      <a:ln w="19050" cap="rnd">
-        <a:solidFill>
-          <a:schemeClr val="phClr"/>
-        </a:solidFill>
-        <a:prstDash val="sysDot"/>
-      </a:ln>
-    </cs:spPr>
-  </cs:trendline>
-  <cs:trendlineLabel>
-    <cs:lnRef idx="0"/>
-    <cs:fillRef idx="0"/>
-    <cs:effectRef idx="0"/>
-    <cs:fontRef idx="minor">
-      <a:schemeClr val="tx1">
-        <a:lumMod val="65000"/>
-        <a:lumOff val="35000"/>
-      </a:schemeClr>
-    </cs:fontRef>
-    <cs:defRPr sz="900" kern="1200"/>
-  </cs:trendlineLabel>
-  <cs:upBar>
-    <cs:lnRef idx="0"/>
-    <cs:fillRef idx="0"/>
-    <cs:effectRef idx="0"/>
-    <cs:fontRef idx="minor">
-      <a:schemeClr val="tx1"/>
-    </cs:fontRef>
-    <cs:spPr>
-      <a:solidFill>
-        <a:schemeClr val="lt1"/>
-      </a:solidFill>
-      <a:ln w="9525" cap="flat" cmpd="sng" algn="ctr">
-        <a:solidFill>
-          <a:schemeClr val="tx1">
-            <a:lumMod val="65000"/>
-            <a:lumOff val="35000"/>
-          </a:schemeClr>
-        </a:solidFill>
-        <a:round/>
-      </a:ln>
-    </cs:spPr>
-  </cs:upBar>
-  <cs:valueAxis>
-    <cs:lnRef idx="0"/>
-    <cs:fillRef idx="0"/>
-    <cs:effectRef idx="0"/>
-    <cs:fontRef idx="minor">
-      <a:schemeClr val="tx1">
-        <a:lumMod val="65000"/>
-        <a:lumOff val="35000"/>
-      </a:schemeClr>
-    </cs:fontRef>
-    <cs:defRPr sz="900" kern="1200"/>
-  </cs:valueAxis>
-  <cs:wall>
-    <cs:lnRef idx="0"/>
-    <cs:fillRef idx="0"/>
-    <cs:effectRef idx="0"/>
-    <cs:fontRef idx="minor">
-      <a:schemeClr val="tx1"/>
-    </cs:fontRef>
-    <cs:spPr>
-      <a:noFill/>
-      <a:ln>
-        <a:noFill/>
-      </a:ln>
-    </cs:spPr>
-  </cs:wall>
-</cs:chartStyle>
-</file>
-
-<file path=ppt/charts/style6.xml><?xml version="1.0" encoding="utf-8"?>
 <cs:chartStyle xmlns:cs="http://schemas.microsoft.com/office/drawing/2012/chartStyle" xmlns:a="http://schemas.openxmlformats.org/drawingml/2006/main" id="216">
   <cs:axisTitle>
     <cs:lnRef idx="0"/>
@@ -8998,6 +7204,113 @@
 </p:sld>
 </file>
 
+<file path=ppt/slides/slide10.xml><?xml version="1.0" encoding="utf-8"?>
+<p:sld xmlns:a="http://schemas.openxmlformats.org/drawingml/2006/main" xmlns:r="http://schemas.openxmlformats.org/officeDocument/2006/relationships" xmlns:p="http://schemas.openxmlformats.org/presentationml/2006/main">
+  <p:cSld>
+    <p:spTree>
+      <p:nvGrpSpPr>
+        <p:cNvPr id="1" name=""/>
+        <p:cNvGrpSpPr/>
+        <p:nvPr/>
+      </p:nvGrpSpPr>
+      <p:grpSpPr>
+        <a:xfrm>
+          <a:off x="0" y="0"/>
+          <a:ext cx="0" cy="0"/>
+          <a:chOff x="0" y="0"/>
+          <a:chExt cx="0" cy="0"/>
+        </a:xfrm>
+      </p:grpSpPr>
+      <p:sp>
+        <p:nvSpPr>
+          <p:cNvPr id="2" name="Título 1">
+            <a:extLst>
+              <a:ext uri="{FF2B5EF4-FFF2-40B4-BE49-F238E27FC236}">
+                <a16:creationId xmlns:a16="http://schemas.microsoft.com/office/drawing/2014/main" id="{FF37DD76-ECEA-7AEA-6B23-92551BA7B5B3}"/>
+              </a:ext>
+            </a:extLst>
+          </p:cNvPr>
+          <p:cNvSpPr>
+            <a:spLocks noGrp="1"/>
+          </p:cNvSpPr>
+          <p:nvPr>
+            <p:ph type="title"/>
+          </p:nvPr>
+        </p:nvSpPr>
+        <p:spPr/>
+        <p:txBody>
+          <a:bodyPr/>
+          <a:lstStyle/>
+          <a:p>
+            <a:r>
+              <a:rPr lang="pt-BR" dirty="0"/>
+              <a:t>Dados necessários </a:t>
+            </a:r>
+          </a:p>
+        </p:txBody>
+      </p:sp>
+      <p:sp>
+        <p:nvSpPr>
+          <p:cNvPr id="3" name="Espaço Reservado para Conteúdo 2">
+            <a:extLst>
+              <a:ext uri="{FF2B5EF4-FFF2-40B4-BE49-F238E27FC236}">
+                <a16:creationId xmlns:a16="http://schemas.microsoft.com/office/drawing/2014/main" id="{7FEC8265-C039-FBA6-892C-389E2E2B88A8}"/>
+              </a:ext>
+            </a:extLst>
+          </p:cNvPr>
+          <p:cNvSpPr>
+            <a:spLocks noGrp="1"/>
+          </p:cNvSpPr>
+          <p:nvPr>
+            <p:ph idx="1"/>
+          </p:nvPr>
+        </p:nvSpPr>
+        <p:spPr/>
+        <p:txBody>
+          <a:bodyPr/>
+          <a:lstStyle/>
+          <a:p>
+            <a:r>
+              <a:rPr lang="pt-BR" dirty="0"/>
+              <a:t>Para que seja possível realizar uma análise mais profunda, é necessário </a:t>
+            </a:r>
+          </a:p>
+          <a:p>
+            <a:pPr lvl="1"/>
+            <a:r>
+              <a:rPr lang="pt-BR" dirty="0"/>
+              <a:t>Criar uma categoria para categorizar o motivo pelo qual o pedido foi cancelado ou devolvido, para poder criar mais índices de segurança e eficácia</a:t>
+            </a:r>
+          </a:p>
+          <a:p>
+            <a:pPr lvl="1"/>
+            <a:r>
+              <a:rPr lang="pt-BR" dirty="0"/>
+              <a:t>Fazer o preenchimento de todas as colunas de todos os ciclos. Mesmo que o pedido não passe por alguma etapa, é necessário fazer o preenchimento para que não haja intervalos de tempo muito irregulares</a:t>
+            </a:r>
+          </a:p>
+          <a:p>
+            <a:pPr lvl="1"/>
+            <a:r>
+              <a:rPr lang="pt-BR" dirty="0"/>
+              <a:t>Tratando-se de um banco de dados de logística, é necessário ter as informações de volumetria e peso. Dessa forma, é possível analisar se o custo do envio está baseado na distancia, na quantidade de dias de entrega ou no peso.</a:t>
+            </a:r>
+          </a:p>
+        </p:txBody>
+      </p:sp>
+    </p:spTree>
+    <p:extLst>
+      <p:ext uri="{BB962C8B-B14F-4D97-AF65-F5344CB8AC3E}">
+        <p14:creationId xmlns:p14="http://schemas.microsoft.com/office/powerpoint/2010/main" val="3526094896"/>
+      </p:ext>
+    </p:extLst>
+  </p:cSld>
+  <p:clrMapOvr>
+    <a:masterClrMapping/>
+  </p:clrMapOvr>
+</p:sld>
+</file>
+
 <file path=ppt/slides/slide2.xml><?xml version="1.0" encoding="utf-8"?>
 <p:sld xmlns:a="http://schemas.openxmlformats.org/drawingml/2006/main" xmlns:r="http://schemas.openxmlformats.org/officeDocument/2006/relationships" xmlns:p="http://schemas.openxmlformats.org/presentationml/2006/main">
   <p:cSld>
@@ -9223,162 +7536,8 @@
           </a:p>
         </p:txBody>
       </p:sp>
-      <p:graphicFrame>
-        <p:nvGraphicFramePr>
-          <p:cNvPr id="4" name="Espaço Reservado para Conteúdo 3">
-            <a:extLst>
-              <a:ext uri="{FF2B5EF4-FFF2-40B4-BE49-F238E27FC236}">
-                <a16:creationId xmlns:a16="http://schemas.microsoft.com/office/drawing/2014/main" id="{3C295A2E-2C1F-F294-3300-6B094FEE385D}"/>
-              </a:ext>
-            </a:extLst>
-          </p:cNvPr>
-          <p:cNvGraphicFramePr>
-            <a:graphicFrameLocks noGrp="1"/>
-          </p:cNvGraphicFramePr>
-          <p:nvPr>
-            <p:ph idx="1"/>
-            <p:extLst>
-              <p:ext uri="{D42A27DB-BD31-4B8C-83A1-F6EECF244321}">
-                <p14:modId xmlns:p14="http://schemas.microsoft.com/office/powerpoint/2010/main" val="2019604583"/>
-              </p:ext>
-            </p:extLst>
-          </p:nvPr>
-        </p:nvGraphicFramePr>
-        <p:xfrm>
-          <a:off x="838200" y="3524386"/>
-          <a:ext cx="6377682" cy="3476648"/>
-        </p:xfrm>
-        <a:graphic>
-          <a:graphicData uri="http://schemas.openxmlformats.org/drawingml/2006/chart">
-            <c:chart xmlns:c="http://schemas.openxmlformats.org/drawingml/2006/chart" xmlns:r="http://schemas.openxmlformats.org/officeDocument/2006/relationships" r:id="rId2"/>
-          </a:graphicData>
-        </a:graphic>
-      </p:graphicFrame>
-      <p:sp>
-        <p:nvSpPr>
-          <p:cNvPr id="5" name="CaixaDeTexto 4">
-            <a:extLst>
-              <a:ext uri="{FF2B5EF4-FFF2-40B4-BE49-F238E27FC236}">
-                <a16:creationId xmlns:a16="http://schemas.microsoft.com/office/drawing/2014/main" id="{7F41CFC1-2280-5488-0DBA-190C69D3CF4A}"/>
-              </a:ext>
-            </a:extLst>
-          </p:cNvPr>
-          <p:cNvSpPr txBox="1"/>
-          <p:nvPr/>
-        </p:nvSpPr>
-        <p:spPr>
-          <a:xfrm>
-            <a:off x="978899" y="2601056"/>
-            <a:ext cx="6096284" cy="923330"/>
-          </a:xfrm>
-          <a:prstGeom prst="rect">
-            <a:avLst/>
-          </a:prstGeom>
-          <a:noFill/>
-        </p:spPr>
-        <p:txBody>
-          <a:bodyPr wrap="none" rtlCol="0">
-            <a:spAutoFit/>
-          </a:bodyPr>
-          <a:lstStyle/>
-          <a:p>
-            <a:r>
-              <a:rPr lang="pt-BR" dirty="0"/>
-              <a:t>Medidas Estatísticas por Região – Visualizando por </a:t>
-            </a:r>
-            <a:r>
-              <a:rPr lang="pt-BR" dirty="0" err="1"/>
-              <a:t>provider</a:t>
-            </a:r>
-            <a:r>
-              <a:rPr lang="pt-BR" dirty="0"/>
-              <a:t>, é </a:t>
-            </a:r>
-          </a:p>
-          <a:p>
-            <a:r>
-              <a:rPr lang="pt-BR" dirty="0"/>
-              <a:t>possível verificar que o </a:t>
-            </a:r>
-            <a:r>
-              <a:rPr lang="pt-BR" dirty="0" err="1"/>
-              <a:t>Provider</a:t>
-            </a:r>
-            <a:r>
-              <a:rPr lang="pt-BR" dirty="0"/>
-              <a:t> 1 tem os melhores números </a:t>
-            </a:r>
-          </a:p>
-          <a:p>
-            <a:r>
-              <a:rPr lang="pt-BR" dirty="0"/>
-              <a:t>somente na região Norte.</a:t>
-            </a:r>
-          </a:p>
-        </p:txBody>
-      </p:sp>
-      <p:graphicFrame>
-        <p:nvGraphicFramePr>
-          <p:cNvPr id="7" name="Gráfico 6">
-            <a:extLst>
-              <a:ext uri="{FF2B5EF4-FFF2-40B4-BE49-F238E27FC236}">
-                <a16:creationId xmlns:a16="http://schemas.microsoft.com/office/drawing/2014/main" id="{A09AFB44-CEE8-5C10-AB95-670ABD9CB4FD}"/>
-              </a:ext>
-            </a:extLst>
-          </p:cNvPr>
-          <p:cNvGraphicFramePr>
-            <a:graphicFrameLocks/>
-          </p:cNvGraphicFramePr>
-          <p:nvPr>
-            <p:extLst>
-              <p:ext uri="{D42A27DB-BD31-4B8C-83A1-F6EECF244321}">
-                <p14:modId xmlns:p14="http://schemas.microsoft.com/office/powerpoint/2010/main" val="154096867"/>
-              </p:ext>
-            </p:extLst>
-          </p:nvPr>
-        </p:nvGraphicFramePr>
-        <p:xfrm>
-          <a:off x="1524000" y="1126951"/>
-          <a:ext cx="4572000" cy="1662113"/>
-        </p:xfrm>
-        <a:graphic>
-          <a:graphicData uri="http://schemas.openxmlformats.org/drawingml/2006/chart">
-            <c:chart xmlns:c="http://schemas.openxmlformats.org/drawingml/2006/chart" xmlns:r="http://schemas.openxmlformats.org/officeDocument/2006/relationships" r:id="rId3"/>
-          </a:graphicData>
-        </a:graphic>
-      </p:graphicFrame>
-      <p:graphicFrame>
-        <p:nvGraphicFramePr>
-          <p:cNvPr id="8" name="Gráfico 7">
-            <a:extLst>
-              <a:ext uri="{FF2B5EF4-FFF2-40B4-BE49-F238E27FC236}">
-                <a16:creationId xmlns:a16="http://schemas.microsoft.com/office/drawing/2014/main" id="{9FFC6A5C-B132-F9D0-547E-E85620E87975}"/>
-              </a:ext>
-            </a:extLst>
-          </p:cNvPr>
-          <p:cNvGraphicFramePr>
-            <a:graphicFrameLocks/>
-          </p:cNvGraphicFramePr>
-          <p:nvPr>
-            <p:extLst>
-              <p:ext uri="{D42A27DB-BD31-4B8C-83A1-F6EECF244321}">
-                <p14:modId xmlns:p14="http://schemas.microsoft.com/office/powerpoint/2010/main" val="2926315716"/>
-              </p:ext>
-            </p:extLst>
-          </p:nvPr>
-        </p:nvGraphicFramePr>
-        <p:xfrm>
-          <a:off x="7356581" y="1229456"/>
-          <a:ext cx="4572000" cy="2743200"/>
-        </p:xfrm>
-        <a:graphic>
-          <a:graphicData uri="http://schemas.openxmlformats.org/drawingml/2006/chart">
-            <c:chart xmlns:c="http://schemas.openxmlformats.org/drawingml/2006/chart" xmlns:r="http://schemas.openxmlformats.org/officeDocument/2006/relationships" r:id="rId4"/>
-          </a:graphicData>
-        </a:graphic>
-      </p:graphicFrame>
-      <mc:AlternateContent xmlns:mc="http://schemas.openxmlformats.org/markup-compatibility/2006">
-        <mc:Choice xmlns:cx1="http://schemas.microsoft.com/office/drawing/2015/9/8/chartex" Requires="cx1">
+      <mc:AlternateContent xmlns:mc="http://schemas.openxmlformats.org/markup-compatibility/2006" xmlns:cx1="http://schemas.microsoft.com/office/drawing/2015/9/8/chartex">
+        <mc:Choice Requires="cx1">
           <p:graphicFrame>
             <p:nvGraphicFramePr>
               <p:cNvPr id="9" name="Gráfico 8">
@@ -9403,12 +7562,12 @@
             </p:xfrm>
             <a:graphic>
               <a:graphicData uri="http://schemas.microsoft.com/office/drawing/2014/chartex">
-                <cx:chart xmlns:cx="http://schemas.microsoft.com/office/drawing/2014/chartex" xmlns:r="http://schemas.openxmlformats.org/officeDocument/2006/relationships" r:id="rId5"/>
+                <cx:chart xmlns:cx="http://schemas.microsoft.com/office/drawing/2014/chartex" xmlns:r="http://schemas.openxmlformats.org/officeDocument/2006/relationships" r:id="rId2"/>
               </a:graphicData>
             </a:graphic>
           </p:graphicFrame>
         </mc:Choice>
-        <mc:Fallback>
+        <mc:Fallback xmlns="">
           <p:pic>
             <p:nvPicPr>
               <p:cNvPr id="9" name="Gráfico 8">
@@ -9441,6 +7600,366 @@
           </p:pic>
         </mc:Fallback>
       </mc:AlternateContent>
+      <p:sp>
+        <p:nvSpPr>
+          <p:cNvPr id="6" name="Espaço Reservado para Conteúdo 5">
+            <a:extLst>
+              <a:ext uri="{FF2B5EF4-FFF2-40B4-BE49-F238E27FC236}">
+                <a16:creationId xmlns:a16="http://schemas.microsoft.com/office/drawing/2014/main" id="{4ACAEAC7-17D9-543F-1F93-7715584C0C48}"/>
+              </a:ext>
+            </a:extLst>
+          </p:cNvPr>
+          <p:cNvSpPr>
+            <a:spLocks noGrp="1"/>
+          </p:cNvSpPr>
+          <p:nvPr>
+            <p:ph idx="1"/>
+          </p:nvPr>
+        </p:nvSpPr>
+        <p:spPr>
+          <a:xfrm>
+            <a:off x="2549420" y="3429000"/>
+            <a:ext cx="4572000" cy="904322"/>
+          </a:xfrm>
+        </p:spPr>
+        <p:txBody>
+          <a:bodyPr>
+            <a:normAutofit/>
+          </a:bodyPr>
+          <a:lstStyle/>
+          <a:p>
+            <a:pPr marL="0" indent="0">
+              <a:buNone/>
+            </a:pPr>
+            <a:r>
+              <a:rPr lang="pt-BR" sz="1400" dirty="0">
+                <a:solidFill>
+                  <a:schemeClr val="bg2">
+                    <a:lumMod val="25000"/>
+                  </a:schemeClr>
+                </a:solidFill>
+              </a:rPr>
+              <a:t>Pedidos separados por </a:t>
+            </a:r>
+            <a:r>
+              <a:rPr lang="pt-BR" sz="1400" dirty="0" err="1">
+                <a:solidFill>
+                  <a:schemeClr val="bg2">
+                    <a:lumMod val="25000"/>
+                  </a:schemeClr>
+                </a:solidFill>
+              </a:rPr>
+              <a:t>provider</a:t>
+            </a:r>
+            <a:endParaRPr lang="pt-BR" sz="1400" dirty="0">
+              <a:solidFill>
+                <a:schemeClr val="bg2">
+                  <a:lumMod val="25000"/>
+                </a:schemeClr>
+              </a:solidFill>
+            </a:endParaRPr>
+          </a:p>
+        </p:txBody>
+      </p:sp>
+      <p:pic>
+        <p:nvPicPr>
+          <p:cNvPr id="12" name="Imagem 11">
+            <a:extLst>
+              <a:ext uri="{FF2B5EF4-FFF2-40B4-BE49-F238E27FC236}">
+                <a16:creationId xmlns:a16="http://schemas.microsoft.com/office/drawing/2014/main" id="{1A088CC4-307B-74CD-DF5F-178EB458BC22}"/>
+              </a:ext>
+            </a:extLst>
+          </p:cNvPr>
+          <p:cNvPicPr>
+            <a:picLocks noChangeAspect="1"/>
+          </p:cNvPicPr>
+          <p:nvPr/>
+        </p:nvPicPr>
+        <p:blipFill>
+          <a:blip r:embed="rId7"/>
+          <a:stretch>
+            <a:fillRect/>
+          </a:stretch>
+        </p:blipFill>
+        <p:spPr>
+          <a:xfrm>
+            <a:off x="1299044" y="3634328"/>
+            <a:ext cx="5194521" cy="3122239"/>
+          </a:xfrm>
+          <a:prstGeom prst="rect">
+            <a:avLst/>
+          </a:prstGeom>
+        </p:spPr>
+      </p:pic>
+      <p:pic>
+        <p:nvPicPr>
+          <p:cNvPr id="14" name="Imagem 13">
+            <a:extLst>
+              <a:ext uri="{FF2B5EF4-FFF2-40B4-BE49-F238E27FC236}">
+                <a16:creationId xmlns:a16="http://schemas.microsoft.com/office/drawing/2014/main" id="{31648706-2D90-CCC3-1272-DE5E1B840058}"/>
+              </a:ext>
+            </a:extLst>
+          </p:cNvPr>
+          <p:cNvPicPr>
+            <a:picLocks noChangeAspect="1"/>
+          </p:cNvPicPr>
+          <p:nvPr/>
+        </p:nvPicPr>
+        <p:blipFill>
+          <a:blip r:embed="rId8"/>
+          <a:stretch>
+            <a:fillRect/>
+          </a:stretch>
+        </p:blipFill>
+        <p:spPr>
+          <a:xfrm>
+            <a:off x="940906" y="1554920"/>
+            <a:ext cx="5552659" cy="1668752"/>
+          </a:xfrm>
+          <a:prstGeom prst="rect">
+            <a:avLst/>
+          </a:prstGeom>
+        </p:spPr>
+      </p:pic>
+      <p:sp>
+        <p:nvSpPr>
+          <p:cNvPr id="15" name="Espaço Reservado para Conteúdo 5">
+            <a:extLst>
+              <a:ext uri="{FF2B5EF4-FFF2-40B4-BE49-F238E27FC236}">
+                <a16:creationId xmlns:a16="http://schemas.microsoft.com/office/drawing/2014/main" id="{42310E62-3986-41B6-AD40-75F0D0550D18}"/>
+              </a:ext>
+            </a:extLst>
+          </p:cNvPr>
+          <p:cNvSpPr txBox="1">
+            <a:spLocks/>
+          </p:cNvSpPr>
+          <p:nvPr/>
+        </p:nvSpPr>
+        <p:spPr>
+          <a:xfrm>
+            <a:off x="2549420" y="1297076"/>
+            <a:ext cx="4572000" cy="904322"/>
+          </a:xfrm>
+          <a:prstGeom prst="rect">
+            <a:avLst/>
+          </a:prstGeom>
+        </p:spPr>
+        <p:txBody>
+          <a:bodyPr vert="horz" lIns="91440" tIns="45720" rIns="91440" bIns="45720" rtlCol="0">
+            <a:normAutofit/>
+          </a:bodyPr>
+          <a:lstStyle>
+            <a:lvl1pPr marL="228600" indent="-228600" algn="l" defTabSz="914400" rtl="0" eaLnBrk="1" latinLnBrk="0" hangingPunct="1">
+              <a:lnSpc>
+                <a:spcPct val="90000"/>
+              </a:lnSpc>
+              <a:spcBef>
+                <a:spcPts val="1000"/>
+              </a:spcBef>
+              <a:buFont typeface="Arial" panose="020B0604020202020204" pitchFamily="34" charset="0"/>
+              <a:buChar char="•"/>
+              <a:defRPr sz="2800" kern="1200">
+                <a:solidFill>
+                  <a:schemeClr val="tx1"/>
+                </a:solidFill>
+                <a:latin typeface="+mn-lt"/>
+                <a:ea typeface="+mn-ea"/>
+                <a:cs typeface="+mn-cs"/>
+              </a:defRPr>
+            </a:lvl1pPr>
+            <a:lvl2pPr marL="685800" indent="-228600" algn="l" defTabSz="914400" rtl="0" eaLnBrk="1" latinLnBrk="0" hangingPunct="1">
+              <a:lnSpc>
+                <a:spcPct val="90000"/>
+              </a:lnSpc>
+              <a:spcBef>
+                <a:spcPts val="500"/>
+              </a:spcBef>
+              <a:buFont typeface="Arial" panose="020B0604020202020204" pitchFamily="34" charset="0"/>
+              <a:buChar char="•"/>
+              <a:defRPr sz="2400" kern="1200">
+                <a:solidFill>
+                  <a:schemeClr val="tx1"/>
+                </a:solidFill>
+                <a:latin typeface="+mn-lt"/>
+                <a:ea typeface="+mn-ea"/>
+                <a:cs typeface="+mn-cs"/>
+              </a:defRPr>
+            </a:lvl2pPr>
+            <a:lvl3pPr marL="1143000" indent="-228600" algn="l" defTabSz="914400" rtl="0" eaLnBrk="1" latinLnBrk="0" hangingPunct="1">
+              <a:lnSpc>
+                <a:spcPct val="90000"/>
+              </a:lnSpc>
+              <a:spcBef>
+                <a:spcPts val="500"/>
+              </a:spcBef>
+              <a:buFont typeface="Arial" panose="020B0604020202020204" pitchFamily="34" charset="0"/>
+              <a:buChar char="•"/>
+              <a:defRPr sz="2000" kern="1200">
+                <a:solidFill>
+                  <a:schemeClr val="tx1"/>
+                </a:solidFill>
+                <a:latin typeface="+mn-lt"/>
+                <a:ea typeface="+mn-ea"/>
+                <a:cs typeface="+mn-cs"/>
+              </a:defRPr>
+            </a:lvl3pPr>
+            <a:lvl4pPr marL="1600200" indent="-228600" algn="l" defTabSz="914400" rtl="0" eaLnBrk="1" latinLnBrk="0" hangingPunct="1">
+              <a:lnSpc>
+                <a:spcPct val="90000"/>
+              </a:lnSpc>
+              <a:spcBef>
+                <a:spcPts val="500"/>
+              </a:spcBef>
+              <a:buFont typeface="Arial" panose="020B0604020202020204" pitchFamily="34" charset="0"/>
+              <a:buChar char="•"/>
+              <a:defRPr sz="1800" kern="1200">
+                <a:solidFill>
+                  <a:schemeClr val="tx1"/>
+                </a:solidFill>
+                <a:latin typeface="+mn-lt"/>
+                <a:ea typeface="+mn-ea"/>
+                <a:cs typeface="+mn-cs"/>
+              </a:defRPr>
+            </a:lvl4pPr>
+            <a:lvl5pPr marL="2057400" indent="-228600" algn="l" defTabSz="914400" rtl="0" eaLnBrk="1" latinLnBrk="0" hangingPunct="1">
+              <a:lnSpc>
+                <a:spcPct val="90000"/>
+              </a:lnSpc>
+              <a:spcBef>
+                <a:spcPts val="500"/>
+              </a:spcBef>
+              <a:buFont typeface="Arial" panose="020B0604020202020204" pitchFamily="34" charset="0"/>
+              <a:buChar char="•"/>
+              <a:defRPr sz="1800" kern="1200">
+                <a:solidFill>
+                  <a:schemeClr val="tx1"/>
+                </a:solidFill>
+                <a:latin typeface="+mn-lt"/>
+                <a:ea typeface="+mn-ea"/>
+                <a:cs typeface="+mn-cs"/>
+              </a:defRPr>
+            </a:lvl5pPr>
+            <a:lvl6pPr marL="2514600" indent="-228600" algn="l" defTabSz="914400" rtl="0" eaLnBrk="1" latinLnBrk="0" hangingPunct="1">
+              <a:lnSpc>
+                <a:spcPct val="90000"/>
+              </a:lnSpc>
+              <a:spcBef>
+                <a:spcPts val="500"/>
+              </a:spcBef>
+              <a:buFont typeface="Arial" panose="020B0604020202020204" pitchFamily="34" charset="0"/>
+              <a:buChar char="•"/>
+              <a:defRPr sz="1800" kern="1200">
+                <a:solidFill>
+                  <a:schemeClr val="tx1"/>
+                </a:solidFill>
+                <a:latin typeface="+mn-lt"/>
+                <a:ea typeface="+mn-ea"/>
+                <a:cs typeface="+mn-cs"/>
+              </a:defRPr>
+            </a:lvl6pPr>
+            <a:lvl7pPr marL="2971800" indent="-228600" algn="l" defTabSz="914400" rtl="0" eaLnBrk="1" latinLnBrk="0" hangingPunct="1">
+              <a:lnSpc>
+                <a:spcPct val="90000"/>
+              </a:lnSpc>
+              <a:spcBef>
+                <a:spcPts val="500"/>
+              </a:spcBef>
+              <a:buFont typeface="Arial" panose="020B0604020202020204" pitchFamily="34" charset="0"/>
+              <a:buChar char="•"/>
+              <a:defRPr sz="1800" kern="1200">
+                <a:solidFill>
+                  <a:schemeClr val="tx1"/>
+                </a:solidFill>
+                <a:latin typeface="+mn-lt"/>
+                <a:ea typeface="+mn-ea"/>
+                <a:cs typeface="+mn-cs"/>
+              </a:defRPr>
+            </a:lvl7pPr>
+            <a:lvl8pPr marL="3429000" indent="-228600" algn="l" defTabSz="914400" rtl="0" eaLnBrk="1" latinLnBrk="0" hangingPunct="1">
+              <a:lnSpc>
+                <a:spcPct val="90000"/>
+              </a:lnSpc>
+              <a:spcBef>
+                <a:spcPts val="500"/>
+              </a:spcBef>
+              <a:buFont typeface="Arial" panose="020B0604020202020204" pitchFamily="34" charset="0"/>
+              <a:buChar char="•"/>
+              <a:defRPr sz="1800" kern="1200">
+                <a:solidFill>
+                  <a:schemeClr val="tx1"/>
+                </a:solidFill>
+                <a:latin typeface="+mn-lt"/>
+                <a:ea typeface="+mn-ea"/>
+                <a:cs typeface="+mn-cs"/>
+              </a:defRPr>
+            </a:lvl8pPr>
+            <a:lvl9pPr marL="3886200" indent="-228600" algn="l" defTabSz="914400" rtl="0" eaLnBrk="1" latinLnBrk="0" hangingPunct="1">
+              <a:lnSpc>
+                <a:spcPct val="90000"/>
+              </a:lnSpc>
+              <a:spcBef>
+                <a:spcPts val="500"/>
+              </a:spcBef>
+              <a:buFont typeface="Arial" panose="020B0604020202020204" pitchFamily="34" charset="0"/>
+              <a:buChar char="•"/>
+              <a:defRPr sz="1800" kern="1200">
+                <a:solidFill>
+                  <a:schemeClr val="tx1"/>
+                </a:solidFill>
+                <a:latin typeface="+mn-lt"/>
+                <a:ea typeface="+mn-ea"/>
+                <a:cs typeface="+mn-cs"/>
+              </a:defRPr>
+            </a:lvl9pPr>
+          </a:lstStyle>
+          <a:p>
+            <a:pPr marL="0" indent="0">
+              <a:buFont typeface="Arial" panose="020B0604020202020204" pitchFamily="34" charset="0"/>
+              <a:buNone/>
+            </a:pPr>
+            <a:r>
+              <a:rPr lang="pt-BR" sz="1400" dirty="0">
+                <a:solidFill>
+                  <a:schemeClr val="bg2">
+                    <a:lumMod val="25000"/>
+                  </a:schemeClr>
+                </a:solidFill>
+              </a:rPr>
+              <a:t>10 estados com mais pedidos</a:t>
+            </a:r>
+          </a:p>
+        </p:txBody>
+      </p:sp>
+      <p:pic>
+        <p:nvPicPr>
+          <p:cNvPr id="17" name="Imagem 16">
+            <a:extLst>
+              <a:ext uri="{FF2B5EF4-FFF2-40B4-BE49-F238E27FC236}">
+                <a16:creationId xmlns:a16="http://schemas.microsoft.com/office/drawing/2014/main" id="{4FD8EC22-ACEF-C697-CE92-5BF6A7128A21}"/>
+              </a:ext>
+            </a:extLst>
+          </p:cNvPr>
+          <p:cNvPicPr>
+            <a:picLocks noChangeAspect="1"/>
+          </p:cNvPicPr>
+          <p:nvPr/>
+        </p:nvPicPr>
+        <p:blipFill>
+          <a:blip r:embed="rId9"/>
+          <a:stretch>
+            <a:fillRect/>
+          </a:stretch>
+        </p:blipFill>
+        <p:spPr>
+          <a:xfrm>
+            <a:off x="7121420" y="1203680"/>
+            <a:ext cx="4584589" cy="2755631"/>
+          </a:xfrm>
+          <a:prstGeom prst="rect">
+            <a:avLst/>
+          </a:prstGeom>
+        </p:spPr>
+      </p:pic>
     </p:spTree>
     <p:extLst>
       <p:ext uri="{BB962C8B-B14F-4D97-AF65-F5344CB8AC3E}">
@@ -9476,7 +7995,7 @@
           <p:cNvPr id="2" name="Título 1">
             <a:extLst>
               <a:ext uri="{FF2B5EF4-FFF2-40B4-BE49-F238E27FC236}">
-                <a16:creationId xmlns:a16="http://schemas.microsoft.com/office/drawing/2014/main" id="{8B3AF635-4672-A7C9-AB7F-1AD34EEE3254}"/>
+                <a16:creationId xmlns:a16="http://schemas.microsoft.com/office/drawing/2014/main" id="{FEB0A61C-44C6-5FA7-05AF-BADB251F9A90}"/>
               </a:ext>
             </a:extLst>
           </p:cNvPr>
@@ -9494,7 +8013,7 @@
           <a:p>
             <a:r>
               <a:rPr lang="pt-BR" dirty="0"/>
-              <a:t>Dados sensíveis</a:t>
+              <a:t>Análise Inicial dos Dados</a:t>
             </a:r>
           </a:p>
         </p:txBody>
@@ -9504,7 +8023,7 @@
           <p:cNvPr id="3" name="Espaço Reservado para Conteúdo 2">
             <a:extLst>
               <a:ext uri="{FF2B5EF4-FFF2-40B4-BE49-F238E27FC236}">
-                <a16:creationId xmlns:a16="http://schemas.microsoft.com/office/drawing/2014/main" id="{F412B2A9-B89F-128E-8030-9823AFDF3046}"/>
+                <a16:creationId xmlns:a16="http://schemas.microsoft.com/office/drawing/2014/main" id="{70826C0D-4A58-62D0-0D65-11AA583E8FC3}"/>
               </a:ext>
             </a:extLst>
           </p:cNvPr>
@@ -9520,14 +8039,63 @@
           <a:bodyPr/>
           <a:lstStyle/>
           <a:p>
-            <a:endParaRPr lang="pt-BR"/>
+            <a:r>
+              <a:rPr lang="pt-BR" dirty="0"/>
+              <a:t>Medidas Estatísticas por Região – Visualizando por </a:t>
+            </a:r>
+            <a:r>
+              <a:rPr lang="pt-BR" dirty="0" err="1"/>
+              <a:t>provider</a:t>
+            </a:r>
+            <a:r>
+              <a:rPr lang="pt-BR" dirty="0"/>
+              <a:t>, é possível verificar que o </a:t>
+            </a:r>
+            <a:r>
+              <a:rPr lang="pt-BR" dirty="0" err="1"/>
+              <a:t>Provider</a:t>
+            </a:r>
+            <a:r>
+              <a:rPr lang="pt-BR" dirty="0"/>
+              <a:t> 1 tem os melhores números somente na região Norte.</a:t>
+            </a:r>
           </a:p>
         </p:txBody>
       </p:sp>
+      <p:graphicFrame>
+        <p:nvGraphicFramePr>
+          <p:cNvPr id="4" name="Espaço Reservado para Conteúdo 3">
+            <a:extLst>
+              <a:ext uri="{FF2B5EF4-FFF2-40B4-BE49-F238E27FC236}">
+                <a16:creationId xmlns:a16="http://schemas.microsoft.com/office/drawing/2014/main" id="{CD5C06BF-4A5B-A7C6-F165-D62D9D3F5975}"/>
+              </a:ext>
+            </a:extLst>
+          </p:cNvPr>
+          <p:cNvGraphicFramePr>
+            <a:graphicFrameLocks/>
+          </p:cNvGraphicFramePr>
+          <p:nvPr>
+            <p:extLst>
+              <p:ext uri="{D42A27DB-BD31-4B8C-83A1-F6EECF244321}">
+                <p14:modId xmlns:p14="http://schemas.microsoft.com/office/powerpoint/2010/main" val="3927106576"/>
+              </p:ext>
+            </p:extLst>
+          </p:nvPr>
+        </p:nvGraphicFramePr>
+        <p:xfrm>
+          <a:off x="2560983" y="3162001"/>
+          <a:ext cx="6377682" cy="3476648"/>
+        </p:xfrm>
+        <a:graphic>
+          <a:graphicData uri="http://schemas.openxmlformats.org/drawingml/2006/chart">
+            <c:chart xmlns:c="http://schemas.openxmlformats.org/drawingml/2006/chart" xmlns:r="http://schemas.openxmlformats.org/officeDocument/2006/relationships" r:id="rId2"/>
+          </a:graphicData>
+        </a:graphic>
+      </p:graphicFrame>
     </p:spTree>
     <p:extLst>
       <p:ext uri="{BB962C8B-B14F-4D97-AF65-F5344CB8AC3E}">
-        <p14:creationId xmlns:p14="http://schemas.microsoft.com/office/powerpoint/2010/main" val="4245830453"/>
+        <p14:creationId xmlns:p14="http://schemas.microsoft.com/office/powerpoint/2010/main" val="3961696623"/>
       </p:ext>
     </p:extLst>
   </p:cSld>
@@ -9598,15 +8166,50 @@
             <p:ph idx="1"/>
           </p:nvPr>
         </p:nvSpPr>
-        <p:spPr/>
+        <p:spPr>
+          <a:xfrm>
+            <a:off x="838200" y="1825625"/>
+            <a:ext cx="10515600" cy="1169366"/>
+          </a:xfrm>
+        </p:spPr>
         <p:txBody>
           <a:bodyPr/>
           <a:lstStyle/>
           <a:p>
-            <a:endParaRPr lang="pt-BR"/>
+            <a:endParaRPr lang="pt-BR" dirty="0"/>
           </a:p>
         </p:txBody>
       </p:sp>
+      <p:pic>
+        <p:nvPicPr>
+          <p:cNvPr id="5" name="Imagem 4">
+            <a:extLst>
+              <a:ext uri="{FF2B5EF4-FFF2-40B4-BE49-F238E27FC236}">
+                <a16:creationId xmlns:a16="http://schemas.microsoft.com/office/drawing/2014/main" id="{59A2477A-7EC4-2235-A8AE-456AC2F68E8D}"/>
+              </a:ext>
+            </a:extLst>
+          </p:cNvPr>
+          <p:cNvPicPr>
+            <a:picLocks noChangeAspect="1"/>
+          </p:cNvPicPr>
+          <p:nvPr/>
+        </p:nvPicPr>
+        <p:blipFill>
+          <a:blip r:embed="rId2"/>
+          <a:stretch>
+            <a:fillRect/>
+          </a:stretch>
+        </p:blipFill>
+        <p:spPr>
+          <a:xfrm>
+            <a:off x="1087267" y="3429000"/>
+            <a:ext cx="4743099" cy="2755631"/>
+          </a:xfrm>
+          <a:prstGeom prst="rect">
+            <a:avLst/>
+          </a:prstGeom>
+        </p:spPr>
+      </p:pic>
     </p:spTree>
     <p:extLst>
       <p:ext uri="{BB962C8B-B14F-4D97-AF65-F5344CB8AC3E}">
@@ -10192,7 +8795,7 @@
           <p:cNvPr id="2" name="Título 1">
             <a:extLst>
               <a:ext uri="{FF2B5EF4-FFF2-40B4-BE49-F238E27FC236}">
-                <a16:creationId xmlns:a16="http://schemas.microsoft.com/office/drawing/2014/main" id="{FF37DD76-ECEA-7AEA-6B23-92551BA7B5B3}"/>
+                <a16:creationId xmlns:a16="http://schemas.microsoft.com/office/drawing/2014/main" id="{BC566521-8F9C-EFAC-1315-A4D684622893}"/>
               </a:ext>
             </a:extLst>
           </p:cNvPr>
@@ -10210,7 +8813,7 @@
           <a:p>
             <a:r>
               <a:rPr lang="pt-BR" dirty="0"/>
-              <a:t>Dados necessários </a:t>
+              <a:t>Meta – Diminuir tempo médio de entrega para 3 dias</a:t>
             </a:r>
           </a:p>
         </p:txBody>
@@ -10220,7 +8823,7 @@
           <p:cNvPr id="3" name="Espaço Reservado para Conteúdo 2">
             <a:extLst>
               <a:ext uri="{FF2B5EF4-FFF2-40B4-BE49-F238E27FC236}">
-                <a16:creationId xmlns:a16="http://schemas.microsoft.com/office/drawing/2014/main" id="{7FEC8265-C039-FBA6-892C-389E2E2B88A8}"/>
+                <a16:creationId xmlns:a16="http://schemas.microsoft.com/office/drawing/2014/main" id="{FAEED8A8-658E-8894-E332-06C66720DD15}"/>
               </a:ext>
             </a:extLst>
           </p:cNvPr>
@@ -10231,43 +8834,73 @@
             <p:ph idx="1"/>
           </p:nvPr>
         </p:nvSpPr>
-        <p:spPr/>
+        <p:spPr>
+          <a:xfrm>
+            <a:off x="838200" y="1825625"/>
+            <a:ext cx="6556513" cy="4351338"/>
+          </a:xfrm>
+        </p:spPr>
         <p:txBody>
           <a:bodyPr/>
           <a:lstStyle/>
           <a:p>
             <a:r>
               <a:rPr lang="pt-BR" dirty="0"/>
-              <a:t>Para que seja possível realizar uma análise mais profunda, é necessário </a:t>
-            </a:r>
-          </a:p>
-          <a:p>
-            <a:pPr lvl="1"/>
+              <a:t>Outra possibilidade que poderia ser aplicada a empresa é a alocação de funcionários da </a:t>
+            </a:r>
+            <a:r>
+              <a:rPr lang="pt-BR" dirty="0" err="1"/>
+              <a:t>provider</a:t>
+            </a:r>
             <a:r>
               <a:rPr lang="pt-BR" dirty="0"/>
-              <a:t>Criar uma categoria para categorizar o motivo pelo qual o pedido foi cancelado ou devolvido, para poder criar mais índices de segurança e eficácia</a:t>
-            </a:r>
-          </a:p>
-          <a:p>
-            <a:pPr lvl="1"/>
+              <a:t> 1 para a </a:t>
+            </a:r>
+            <a:r>
+              <a:rPr lang="pt-BR" dirty="0" err="1"/>
+              <a:t>provider</a:t>
+            </a:r>
             <a:r>
               <a:rPr lang="pt-BR" dirty="0"/>
-              <a:t>Fazer o preenchimento de todas as colunas de todos os ciclos. Mesmo que o pedido não passe por alguma etapa, é necessário fazer o preenchimento para que não haja intervalos de tempo muito irregulares</a:t>
-            </a:r>
-          </a:p>
-          <a:p>
-            <a:pPr lvl="1"/>
-            <a:r>
-              <a:rPr lang="pt-BR" dirty="0"/>
-              <a:t>Tratando-se de um banco de dados de logística, é necessário ter as informações de volumetria e peso. Dessa forma, é possível analisar se o custo do envio está baseado na distancia, na quantidade de dias de entrega ou no peso.</a:t>
+              <a:t> 2, pois a segunda tem quase 28% dos pedidos regulares abaixo de 3 dias</a:t>
             </a:r>
           </a:p>
         </p:txBody>
       </p:sp>
+      <p:pic>
+        <p:nvPicPr>
+          <p:cNvPr id="5" name="Imagem 4">
+            <a:extLst>
+              <a:ext uri="{FF2B5EF4-FFF2-40B4-BE49-F238E27FC236}">
+                <a16:creationId xmlns:a16="http://schemas.microsoft.com/office/drawing/2014/main" id="{A92D0EB4-C56B-7F26-67AB-1986C72BDCD4}"/>
+              </a:ext>
+            </a:extLst>
+          </p:cNvPr>
+          <p:cNvPicPr>
+            <a:picLocks noChangeAspect="1"/>
+          </p:cNvPicPr>
+          <p:nvPr/>
+        </p:nvPicPr>
+        <p:blipFill>
+          <a:blip r:embed="rId2"/>
+          <a:stretch>
+            <a:fillRect/>
+          </a:stretch>
+        </p:blipFill>
+        <p:spPr>
+          <a:xfrm>
+            <a:off x="1511411" y="3896270"/>
+            <a:ext cx="4584589" cy="2755631"/>
+          </a:xfrm>
+          <a:prstGeom prst="rect">
+            <a:avLst/>
+          </a:prstGeom>
+        </p:spPr>
+      </p:pic>
     </p:spTree>
     <p:extLst>
       <p:ext uri="{BB962C8B-B14F-4D97-AF65-F5344CB8AC3E}">
-        <p14:creationId xmlns:p14="http://schemas.microsoft.com/office/powerpoint/2010/main" val="3526094896"/>
+        <p14:creationId xmlns:p14="http://schemas.microsoft.com/office/powerpoint/2010/main" val="375216410"/>
       </p:ext>
     </p:extLst>
   </p:cSld>

--- a/Apresentacao.pptx
+++ b/Apresentacao.pptx
@@ -9,12 +9,16 @@
     <p:sldId id="257" r:id="rId3"/>
     <p:sldId id="258" r:id="rId4"/>
     <p:sldId id="266" r:id="rId5"/>
-    <p:sldId id="262" r:id="rId6"/>
-    <p:sldId id="263" r:id="rId7"/>
-    <p:sldId id="259" r:id="rId8"/>
-    <p:sldId id="260" r:id="rId9"/>
-    <p:sldId id="265" r:id="rId10"/>
-    <p:sldId id="261" r:id="rId11"/>
+    <p:sldId id="269" r:id="rId6"/>
+    <p:sldId id="262" r:id="rId7"/>
+    <p:sldId id="268" r:id="rId8"/>
+    <p:sldId id="263" r:id="rId9"/>
+    <p:sldId id="259" r:id="rId10"/>
+    <p:sldId id="267" r:id="rId11"/>
+    <p:sldId id="260" r:id="rId12"/>
+    <p:sldId id="265" r:id="rId13"/>
+    <p:sldId id="270" r:id="rId14"/>
+    <p:sldId id="261" r:id="rId15"/>
   </p:sldIdLst>
   <p:sldSz cx="12192000" cy="6858000"/>
   <p:notesSz cx="6858000" cy="9144000"/>
@@ -871,277 +875,6 @@
 </file>
 
 <file path=ppt/charts/chart2.xml><?xml version="1.0" encoding="utf-8"?>
-<c:chartSpace xmlns:c="http://schemas.openxmlformats.org/drawingml/2006/chart" xmlns:a="http://schemas.openxmlformats.org/drawingml/2006/main" xmlns:r="http://schemas.openxmlformats.org/officeDocument/2006/relationships" xmlns:c16r2="http://schemas.microsoft.com/office/drawing/2015/06/chart">
-  <c:date1904 val="0"/>
-  <c:lang val="pt-BR"/>
-  <c:roundedCorners val="0"/>
-  <mc:AlternateContent xmlns:mc="http://schemas.openxmlformats.org/markup-compatibility/2006">
-    <mc:Choice xmlns:c14="http://schemas.microsoft.com/office/drawing/2007/8/2/chart" Requires="c14">
-      <c14:style val="102"/>
-    </mc:Choice>
-    <mc:Fallback>
-      <c:style val="2"/>
-    </mc:Fallback>
-  </mc:AlternateContent>
-  <c:chart>
-    <c:autoTitleDeleted val="1"/>
-    <c:plotArea>
-      <c:layout/>
-      <c:barChart>
-        <c:barDir val="bar"/>
-        <c:grouping val="clustered"/>
-        <c:varyColors val="0"/>
-        <c:ser>
-          <c:idx val="0"/>
-          <c:order val="0"/>
-          <c:spPr>
-            <a:solidFill>
-              <a:schemeClr val="accent1"/>
-            </a:solidFill>
-            <a:ln>
-              <a:noFill/>
-            </a:ln>
-            <a:effectLst/>
-          </c:spPr>
-          <c:invertIfNegative val="0"/>
-          <c:dLbls>
-            <c:spPr>
-              <a:noFill/>
-              <a:ln>
-                <a:noFill/>
-              </a:ln>
-              <a:effectLst/>
-            </c:spPr>
-            <c:txPr>
-              <a:bodyPr rot="0" spcFirstLastPara="1" vertOverflow="ellipsis" vert="horz" wrap="square" lIns="38100" tIns="19050" rIns="38100" bIns="19050" anchor="ctr" anchorCtr="1">
-                <a:spAutoFit/>
-              </a:bodyPr>
-              <a:lstStyle/>
-              <a:p>
-                <a:pPr>
-                  <a:defRPr sz="900" b="0" i="0" u="none" strike="noStrike" kern="1200" baseline="0">
-                    <a:solidFill>
-                      <a:schemeClr val="tx1">
-                        <a:lumMod val="75000"/>
-                        <a:lumOff val="25000"/>
-                      </a:schemeClr>
-                    </a:solidFill>
-                    <a:latin typeface="+mn-lt"/>
-                    <a:ea typeface="+mn-ea"/>
-                    <a:cs typeface="+mn-cs"/>
-                  </a:defRPr>
-                </a:pPr>
-                <a:endParaRPr lang="pt-BR"/>
-              </a:p>
-            </c:txPr>
-            <c:dLblPos val="outEnd"/>
-            <c:showLegendKey val="0"/>
-            <c:showVal val="1"/>
-            <c:showCatName val="0"/>
-            <c:showSerName val="0"/>
-            <c:showPercent val="0"/>
-            <c:showBubbleSize val="0"/>
-            <c:showLeaderLines val="0"/>
-            <c:extLst>
-              <c:ext xmlns:c15="http://schemas.microsoft.com/office/drawing/2012/chart" uri="{CE6537A1-D6FC-4f65-9D91-7224C49458BB}">
-                <c15:showLeaderLines val="1"/>
-                <c15:leaderLines>
-                  <c:spPr>
-                    <a:ln w="9525" cap="flat" cmpd="sng" algn="ctr">
-                      <a:solidFill>
-                        <a:schemeClr val="tx1">
-                          <a:lumMod val="35000"/>
-                          <a:lumOff val="65000"/>
-                        </a:schemeClr>
-                      </a:solidFill>
-                      <a:round/>
-                    </a:ln>
-                    <a:effectLst/>
-                  </c:spPr>
-                </c15:leaderLines>
-              </c:ext>
-            </c:extLst>
-          </c:dLbls>
-          <c:cat>
-            <c:numRef>
-              <c:f>Planilha1!$J$8:$K$8</c:f>
-              <c:numCache>
-                <c:formatCode>General</c:formatCode>
-                <c:ptCount val="2"/>
-              </c:numCache>
-            </c:numRef>
-          </c:cat>
-          <c:val>
-            <c:numRef>
-              <c:f>Planilha1!$J$9:$K$9</c:f>
-              <c:numCache>
-                <c:formatCode>General</c:formatCode>
-                <c:ptCount val="2"/>
-              </c:numCache>
-            </c:numRef>
-          </c:val>
-          <c:extLst>
-            <c:ext xmlns:c16="http://schemas.microsoft.com/office/drawing/2014/chart" uri="{C3380CC4-5D6E-409C-BE32-E72D297353CC}">
-              <c16:uniqueId val="{00000000-F1F7-4F41-9C77-696409550D98}"/>
-            </c:ext>
-          </c:extLst>
-        </c:ser>
-        <c:dLbls>
-          <c:dLblPos val="outEnd"/>
-          <c:showLegendKey val="0"/>
-          <c:showVal val="1"/>
-          <c:showCatName val="0"/>
-          <c:showSerName val="0"/>
-          <c:showPercent val="0"/>
-          <c:showBubbleSize val="0"/>
-        </c:dLbls>
-        <c:gapWidth val="182"/>
-        <c:axId val="541276336"/>
-        <c:axId val="535651232"/>
-      </c:barChart>
-      <c:catAx>
-        <c:axId val="541276336"/>
-        <c:scaling>
-          <c:orientation val="minMax"/>
-        </c:scaling>
-        <c:delete val="0"/>
-        <c:axPos val="l"/>
-        <c:numFmt formatCode="General" sourceLinked="1"/>
-        <c:majorTickMark val="none"/>
-        <c:minorTickMark val="none"/>
-        <c:tickLblPos val="nextTo"/>
-        <c:spPr>
-          <a:noFill/>
-          <a:ln w="9525" cap="flat" cmpd="sng" algn="ctr">
-            <a:solidFill>
-              <a:schemeClr val="tx1">
-                <a:lumMod val="15000"/>
-                <a:lumOff val="85000"/>
-              </a:schemeClr>
-            </a:solidFill>
-            <a:round/>
-          </a:ln>
-          <a:effectLst/>
-        </c:spPr>
-        <c:txPr>
-          <a:bodyPr rot="-60000000" spcFirstLastPara="1" vertOverflow="ellipsis" vert="horz" wrap="square" anchor="ctr" anchorCtr="1"/>
-          <a:lstStyle/>
-          <a:p>
-            <a:pPr>
-              <a:defRPr sz="900" b="0" i="0" u="none" strike="noStrike" kern="1200" baseline="0">
-                <a:solidFill>
-                  <a:schemeClr val="tx1">
-                    <a:lumMod val="65000"/>
-                    <a:lumOff val="35000"/>
-                  </a:schemeClr>
-                </a:solidFill>
-                <a:latin typeface="+mn-lt"/>
-                <a:ea typeface="+mn-ea"/>
-                <a:cs typeface="+mn-cs"/>
-              </a:defRPr>
-            </a:pPr>
-            <a:endParaRPr lang="pt-BR"/>
-          </a:p>
-        </c:txPr>
-        <c:crossAx val="535651232"/>
-        <c:crosses val="autoZero"/>
-        <c:auto val="1"/>
-        <c:lblAlgn val="ctr"/>
-        <c:lblOffset val="100"/>
-        <c:noMultiLvlLbl val="0"/>
-      </c:catAx>
-      <c:valAx>
-        <c:axId val="535651232"/>
-        <c:scaling>
-          <c:orientation val="minMax"/>
-        </c:scaling>
-        <c:delete val="0"/>
-        <c:axPos val="b"/>
-        <c:majorGridlines>
-          <c:spPr>
-            <a:ln w="9525" cap="flat" cmpd="sng" algn="ctr">
-              <a:solidFill>
-                <a:schemeClr val="tx1">
-                  <a:lumMod val="15000"/>
-                  <a:lumOff val="85000"/>
-                </a:schemeClr>
-              </a:solidFill>
-              <a:round/>
-            </a:ln>
-            <a:effectLst/>
-          </c:spPr>
-        </c:majorGridlines>
-        <c:numFmt formatCode="General" sourceLinked="1"/>
-        <c:majorTickMark val="none"/>
-        <c:minorTickMark val="none"/>
-        <c:tickLblPos val="nextTo"/>
-        <c:spPr>
-          <a:noFill/>
-          <a:ln>
-            <a:noFill/>
-          </a:ln>
-          <a:effectLst/>
-        </c:spPr>
-        <c:txPr>
-          <a:bodyPr rot="-60000000" spcFirstLastPara="1" vertOverflow="ellipsis" vert="horz" wrap="square" anchor="ctr" anchorCtr="1"/>
-          <a:lstStyle/>
-          <a:p>
-            <a:pPr>
-              <a:defRPr sz="900" b="0" i="0" u="none" strike="noStrike" kern="1200" baseline="0">
-                <a:solidFill>
-                  <a:schemeClr val="tx1">
-                    <a:lumMod val="65000"/>
-                    <a:lumOff val="35000"/>
-                  </a:schemeClr>
-                </a:solidFill>
-                <a:latin typeface="+mn-lt"/>
-                <a:ea typeface="+mn-ea"/>
-                <a:cs typeface="+mn-cs"/>
-              </a:defRPr>
-            </a:pPr>
-            <a:endParaRPr lang="pt-BR"/>
-          </a:p>
-        </c:txPr>
-        <c:crossAx val="541276336"/>
-        <c:crosses val="autoZero"/>
-        <c:crossBetween val="between"/>
-      </c:valAx>
-      <c:spPr>
-        <a:noFill/>
-        <a:ln>
-          <a:noFill/>
-        </a:ln>
-        <a:effectLst/>
-      </c:spPr>
-    </c:plotArea>
-    <c:plotVisOnly val="1"/>
-    <c:dispBlanksAs val="gap"/>
-    <c:showDLblsOverMax val="0"/>
-  </c:chart>
-  <c:spPr>
-    <a:noFill/>
-    <a:ln>
-      <a:noFill/>
-    </a:ln>
-    <a:effectLst/>
-  </c:spPr>
-  <c:txPr>
-    <a:bodyPr/>
-    <a:lstStyle/>
-    <a:p>
-      <a:pPr>
-        <a:defRPr/>
-      </a:pPr>
-      <a:endParaRPr lang="pt-BR"/>
-    </a:p>
-  </c:txPr>
-  <c:externalData r:id="rId3">
-    <c:autoUpdate val="0"/>
-  </c:externalData>
-</c:chartSpace>
-</file>
-
-<file path=ppt/charts/chart3.xml><?xml version="1.0" encoding="utf-8"?>
 <c:chartSpace xmlns:c="http://schemas.openxmlformats.org/drawingml/2006/chart" xmlns:a="http://schemas.openxmlformats.org/drawingml/2006/main" xmlns:r="http://schemas.openxmlformats.org/officeDocument/2006/relationships" xmlns:c16r2="http://schemas.microsoft.com/office/drawing/2015/06/chart">
   <c:date1904 val="0"/>
   <c:lang val="pt-BR"/>
@@ -1600,46 +1333,6 @@
 </file>
 
 <file path=ppt/charts/colors3.xml><?xml version="1.0" encoding="utf-8"?>
-<cs:colorStyle xmlns:cs="http://schemas.microsoft.com/office/drawing/2012/chartStyle" xmlns:a="http://schemas.openxmlformats.org/drawingml/2006/main" meth="cycle" id="10">
-  <a:schemeClr val="accent1"/>
-  <a:schemeClr val="accent2"/>
-  <a:schemeClr val="accent3"/>
-  <a:schemeClr val="accent4"/>
-  <a:schemeClr val="accent5"/>
-  <a:schemeClr val="accent6"/>
-  <cs:variation/>
-  <cs:variation>
-    <a:lumMod val="60000"/>
-  </cs:variation>
-  <cs:variation>
-    <a:lumMod val="80000"/>
-    <a:lumOff val="20000"/>
-  </cs:variation>
-  <cs:variation>
-    <a:lumMod val="80000"/>
-  </cs:variation>
-  <cs:variation>
-    <a:lumMod val="60000"/>
-    <a:lumOff val="40000"/>
-  </cs:variation>
-  <cs:variation>
-    <a:lumMod val="50000"/>
-  </cs:variation>
-  <cs:variation>
-    <a:lumMod val="70000"/>
-    <a:lumOff val="30000"/>
-  </cs:variation>
-  <cs:variation>
-    <a:lumMod val="70000"/>
-  </cs:variation>
-  <cs:variation>
-    <a:lumMod val="50000"/>
-    <a:lumOff val="50000"/>
-  </cs:variation>
-</cs:colorStyle>
-</file>
-
-<file path=ppt/charts/colors4.xml><?xml version="1.0" encoding="utf-8"?>
 <cs:colorStyle xmlns:cs="http://schemas.microsoft.com/office/drawing/2012/chartStyle" xmlns:a="http://schemas.openxmlformats.org/drawingml/2006/main" meth="cycle" id="10">
   <a:schemeClr val="accent1"/>
   <a:schemeClr val="accent2"/>
@@ -3195,511 +2888,6 @@
 </cs:chartStyle>
 </file>
 
-<file path=ppt/charts/style4.xml><?xml version="1.0" encoding="utf-8"?>
-<cs:chartStyle xmlns:cs="http://schemas.microsoft.com/office/drawing/2012/chartStyle" xmlns:a="http://schemas.openxmlformats.org/drawingml/2006/main" id="216">
-  <cs:axisTitle>
-    <cs:lnRef idx="0"/>
-    <cs:fillRef idx="0"/>
-    <cs:effectRef idx="0"/>
-    <cs:fontRef idx="minor">
-      <a:schemeClr val="tx1">
-        <a:lumMod val="65000"/>
-        <a:lumOff val="35000"/>
-      </a:schemeClr>
-    </cs:fontRef>
-    <cs:defRPr sz="1000" kern="1200"/>
-  </cs:axisTitle>
-  <cs:categoryAxis>
-    <cs:lnRef idx="0"/>
-    <cs:fillRef idx="0"/>
-    <cs:effectRef idx="0"/>
-    <cs:fontRef idx="minor">
-      <a:schemeClr val="tx1">
-        <a:lumMod val="65000"/>
-        <a:lumOff val="35000"/>
-      </a:schemeClr>
-    </cs:fontRef>
-    <cs:spPr>
-      <a:ln w="9525" cap="flat" cmpd="sng" algn="ctr">
-        <a:solidFill>
-          <a:schemeClr val="tx1">
-            <a:lumMod val="15000"/>
-            <a:lumOff val="85000"/>
-          </a:schemeClr>
-        </a:solidFill>
-        <a:round/>
-      </a:ln>
-    </cs:spPr>
-    <cs:defRPr sz="900" kern="1200"/>
-  </cs:categoryAxis>
-  <cs:chartArea mods="allowNoFillOverride allowNoLineOverride">
-    <cs:lnRef idx="0"/>
-    <cs:fillRef idx="0"/>
-    <cs:effectRef idx="0"/>
-    <cs:fontRef idx="minor">
-      <a:schemeClr val="tx1"/>
-    </cs:fontRef>
-    <cs:spPr>
-      <a:solidFill>
-        <a:schemeClr val="bg1"/>
-      </a:solidFill>
-      <a:ln w="9525" cap="flat" cmpd="sng" algn="ctr">
-        <a:solidFill>
-          <a:schemeClr val="tx1">
-            <a:lumMod val="15000"/>
-            <a:lumOff val="85000"/>
-          </a:schemeClr>
-        </a:solidFill>
-        <a:round/>
-      </a:ln>
-    </cs:spPr>
-    <cs:defRPr sz="1000" kern="1200"/>
-  </cs:chartArea>
-  <cs:dataLabel>
-    <cs:lnRef idx="0"/>
-    <cs:fillRef idx="0"/>
-    <cs:effectRef idx="0"/>
-    <cs:fontRef idx="minor">
-      <a:schemeClr val="tx1">
-        <a:lumMod val="75000"/>
-        <a:lumOff val="25000"/>
-      </a:schemeClr>
-    </cs:fontRef>
-    <cs:defRPr sz="900" kern="1200"/>
-  </cs:dataLabel>
-  <cs:dataLabelCallout>
-    <cs:lnRef idx="0"/>
-    <cs:fillRef idx="0"/>
-    <cs:effectRef idx="0"/>
-    <cs:fontRef idx="minor">
-      <a:schemeClr val="dk1">
-        <a:lumMod val="65000"/>
-        <a:lumOff val="35000"/>
-      </a:schemeClr>
-    </cs:fontRef>
-    <cs:spPr>
-      <a:solidFill>
-        <a:schemeClr val="lt1"/>
-      </a:solidFill>
-      <a:ln>
-        <a:solidFill>
-          <a:schemeClr val="dk1">
-            <a:lumMod val="25000"/>
-            <a:lumOff val="75000"/>
-          </a:schemeClr>
-        </a:solidFill>
-      </a:ln>
-    </cs:spPr>
-    <cs:defRPr sz="900" kern="1200"/>
-    <cs:bodyPr rot="0" spcFirstLastPara="1" vertOverflow="clip" horzOverflow="clip" vert="horz" wrap="square" lIns="36576" tIns="18288" rIns="36576" bIns="18288" anchor="ctr" anchorCtr="1">
-      <a:spAutoFit/>
-    </cs:bodyPr>
-  </cs:dataLabelCallout>
-  <cs:dataPoint>
-    <cs:lnRef idx="0"/>
-    <cs:fillRef idx="1">
-      <cs:styleClr val="auto"/>
-    </cs:fillRef>
-    <cs:effectRef idx="0"/>
-    <cs:fontRef idx="minor">
-      <a:schemeClr val="tx1"/>
-    </cs:fontRef>
-  </cs:dataPoint>
-  <cs:dataPoint3D>
-    <cs:lnRef idx="0"/>
-    <cs:fillRef idx="1">
-      <cs:styleClr val="auto"/>
-    </cs:fillRef>
-    <cs:effectRef idx="0"/>
-    <cs:fontRef idx="minor">
-      <a:schemeClr val="tx1"/>
-    </cs:fontRef>
-  </cs:dataPoint3D>
-  <cs:dataPointLine>
-    <cs:lnRef idx="0">
-      <cs:styleClr val="auto"/>
-    </cs:lnRef>
-    <cs:fillRef idx="1"/>
-    <cs:effectRef idx="0"/>
-    <cs:fontRef idx="minor">
-      <a:schemeClr val="tx1"/>
-    </cs:fontRef>
-    <cs:spPr>
-      <a:ln w="28575" cap="rnd">
-        <a:solidFill>
-          <a:schemeClr val="phClr"/>
-        </a:solidFill>
-        <a:round/>
-      </a:ln>
-    </cs:spPr>
-  </cs:dataPointLine>
-  <cs:dataPointMarker>
-    <cs:lnRef idx="0">
-      <cs:styleClr val="auto"/>
-    </cs:lnRef>
-    <cs:fillRef idx="1">
-      <cs:styleClr val="auto"/>
-    </cs:fillRef>
-    <cs:effectRef idx="0"/>
-    <cs:fontRef idx="minor">
-      <a:schemeClr val="tx1"/>
-    </cs:fontRef>
-    <cs:spPr>
-      <a:ln w="9525">
-        <a:solidFill>
-          <a:schemeClr val="phClr"/>
-        </a:solidFill>
-      </a:ln>
-    </cs:spPr>
-  </cs:dataPointMarker>
-  <cs:dataPointMarkerLayout symbol="circle" size="5"/>
-  <cs:dataPointWireframe>
-    <cs:lnRef idx="0">
-      <cs:styleClr val="auto"/>
-    </cs:lnRef>
-    <cs:fillRef idx="1"/>
-    <cs:effectRef idx="0"/>
-    <cs:fontRef idx="minor">
-      <a:schemeClr val="tx1"/>
-    </cs:fontRef>
-    <cs:spPr>
-      <a:ln w="9525" cap="rnd">
-        <a:solidFill>
-          <a:schemeClr val="phClr"/>
-        </a:solidFill>
-        <a:round/>
-      </a:ln>
-    </cs:spPr>
-  </cs:dataPointWireframe>
-  <cs:dataTable>
-    <cs:lnRef idx="0"/>
-    <cs:fillRef idx="0"/>
-    <cs:effectRef idx="0"/>
-    <cs:fontRef idx="minor">
-      <a:schemeClr val="tx1">
-        <a:lumMod val="65000"/>
-        <a:lumOff val="35000"/>
-      </a:schemeClr>
-    </cs:fontRef>
-    <cs:spPr>
-      <a:noFill/>
-      <a:ln w="9525" cap="flat" cmpd="sng" algn="ctr">
-        <a:solidFill>
-          <a:schemeClr val="tx1">
-            <a:lumMod val="15000"/>
-            <a:lumOff val="85000"/>
-          </a:schemeClr>
-        </a:solidFill>
-        <a:round/>
-      </a:ln>
-    </cs:spPr>
-    <cs:defRPr sz="900" kern="1200"/>
-  </cs:dataTable>
-  <cs:downBar>
-    <cs:lnRef idx="0"/>
-    <cs:fillRef idx="0"/>
-    <cs:effectRef idx="0"/>
-    <cs:fontRef idx="minor">
-      <a:schemeClr val="tx1"/>
-    </cs:fontRef>
-    <cs:spPr>
-      <a:solidFill>
-        <a:schemeClr val="dk1">
-          <a:lumMod val="75000"/>
-          <a:lumOff val="25000"/>
-        </a:schemeClr>
-      </a:solidFill>
-      <a:ln w="9525" cap="flat" cmpd="sng" algn="ctr">
-        <a:solidFill>
-          <a:schemeClr val="tx1">
-            <a:lumMod val="65000"/>
-            <a:lumOff val="35000"/>
-          </a:schemeClr>
-        </a:solidFill>
-        <a:round/>
-      </a:ln>
-    </cs:spPr>
-  </cs:downBar>
-  <cs:dropLine>
-    <cs:lnRef idx="0"/>
-    <cs:fillRef idx="0"/>
-    <cs:effectRef idx="0"/>
-    <cs:fontRef idx="minor">
-      <a:schemeClr val="tx1"/>
-    </cs:fontRef>
-    <cs:spPr>
-      <a:ln w="9525" cap="flat" cmpd="sng" algn="ctr">
-        <a:solidFill>
-          <a:schemeClr val="tx1">
-            <a:lumMod val="35000"/>
-            <a:lumOff val="65000"/>
-          </a:schemeClr>
-        </a:solidFill>
-        <a:round/>
-      </a:ln>
-    </cs:spPr>
-  </cs:dropLine>
-  <cs:errorBar>
-    <cs:lnRef idx="0"/>
-    <cs:fillRef idx="0"/>
-    <cs:effectRef idx="0"/>
-    <cs:fontRef idx="minor">
-      <a:schemeClr val="tx1"/>
-    </cs:fontRef>
-    <cs:spPr>
-      <a:ln w="9525" cap="flat" cmpd="sng" algn="ctr">
-        <a:solidFill>
-          <a:schemeClr val="tx1">
-            <a:lumMod val="65000"/>
-            <a:lumOff val="35000"/>
-          </a:schemeClr>
-        </a:solidFill>
-        <a:round/>
-      </a:ln>
-    </cs:spPr>
-  </cs:errorBar>
-  <cs:floor>
-    <cs:lnRef idx="0"/>
-    <cs:fillRef idx="0"/>
-    <cs:effectRef idx="0"/>
-    <cs:fontRef idx="minor">
-      <a:schemeClr val="tx1"/>
-    </cs:fontRef>
-    <cs:spPr>
-      <a:noFill/>
-      <a:ln>
-        <a:noFill/>
-      </a:ln>
-    </cs:spPr>
-  </cs:floor>
-  <cs:gridlineMajor>
-    <cs:lnRef idx="0"/>
-    <cs:fillRef idx="0"/>
-    <cs:effectRef idx="0"/>
-    <cs:fontRef idx="minor">
-      <a:schemeClr val="tx1"/>
-    </cs:fontRef>
-    <cs:spPr>
-      <a:ln w="9525" cap="flat" cmpd="sng" algn="ctr">
-        <a:solidFill>
-          <a:schemeClr val="tx1">
-            <a:lumMod val="15000"/>
-            <a:lumOff val="85000"/>
-          </a:schemeClr>
-        </a:solidFill>
-        <a:round/>
-      </a:ln>
-    </cs:spPr>
-  </cs:gridlineMajor>
-  <cs:gridlineMinor>
-    <cs:lnRef idx="0"/>
-    <cs:fillRef idx="0"/>
-    <cs:effectRef idx="0"/>
-    <cs:fontRef idx="minor">
-      <a:schemeClr val="tx1"/>
-    </cs:fontRef>
-    <cs:spPr>
-      <a:ln w="9525" cap="flat" cmpd="sng" algn="ctr">
-        <a:solidFill>
-          <a:schemeClr val="tx1">
-            <a:lumMod val="5000"/>
-            <a:lumOff val="95000"/>
-          </a:schemeClr>
-        </a:solidFill>
-        <a:round/>
-      </a:ln>
-    </cs:spPr>
-  </cs:gridlineMinor>
-  <cs:hiLoLine>
-    <cs:lnRef idx="0"/>
-    <cs:fillRef idx="0"/>
-    <cs:effectRef idx="0"/>
-    <cs:fontRef idx="minor">
-      <a:schemeClr val="tx1"/>
-    </cs:fontRef>
-    <cs:spPr>
-      <a:ln w="9525" cap="flat" cmpd="sng" algn="ctr">
-        <a:solidFill>
-          <a:schemeClr val="tx1">
-            <a:lumMod val="50000"/>
-            <a:lumOff val="50000"/>
-          </a:schemeClr>
-        </a:solidFill>
-        <a:round/>
-      </a:ln>
-    </cs:spPr>
-  </cs:hiLoLine>
-  <cs:leaderLine>
-    <cs:lnRef idx="0"/>
-    <cs:fillRef idx="0"/>
-    <cs:effectRef idx="0"/>
-    <cs:fontRef idx="minor">
-      <a:schemeClr val="tx1"/>
-    </cs:fontRef>
-    <cs:spPr>
-      <a:ln w="9525" cap="flat" cmpd="sng" algn="ctr">
-        <a:solidFill>
-          <a:schemeClr val="tx1">
-            <a:lumMod val="35000"/>
-            <a:lumOff val="65000"/>
-          </a:schemeClr>
-        </a:solidFill>
-        <a:round/>
-      </a:ln>
-    </cs:spPr>
-  </cs:leaderLine>
-  <cs:legend>
-    <cs:lnRef idx="0"/>
-    <cs:fillRef idx="0"/>
-    <cs:effectRef idx="0"/>
-    <cs:fontRef idx="minor">
-      <a:schemeClr val="tx1">
-        <a:lumMod val="65000"/>
-        <a:lumOff val="35000"/>
-      </a:schemeClr>
-    </cs:fontRef>
-    <cs:defRPr sz="900" kern="1200"/>
-  </cs:legend>
-  <cs:plotArea mods="allowNoFillOverride allowNoLineOverride">
-    <cs:lnRef idx="0"/>
-    <cs:fillRef idx="0"/>
-    <cs:effectRef idx="0"/>
-    <cs:fontRef idx="minor">
-      <a:schemeClr val="tx1"/>
-    </cs:fontRef>
-  </cs:plotArea>
-  <cs:plotArea3D mods="allowNoFillOverride allowNoLineOverride">
-    <cs:lnRef idx="0"/>
-    <cs:fillRef idx="0"/>
-    <cs:effectRef idx="0"/>
-    <cs:fontRef idx="minor">
-      <a:schemeClr val="tx1"/>
-    </cs:fontRef>
-  </cs:plotArea3D>
-  <cs:seriesAxis>
-    <cs:lnRef idx="0"/>
-    <cs:fillRef idx="0"/>
-    <cs:effectRef idx="0"/>
-    <cs:fontRef idx="minor">
-      <a:schemeClr val="tx1">
-        <a:lumMod val="65000"/>
-        <a:lumOff val="35000"/>
-      </a:schemeClr>
-    </cs:fontRef>
-    <cs:defRPr sz="900" kern="1200"/>
-  </cs:seriesAxis>
-  <cs:seriesLine>
-    <cs:lnRef idx="0"/>
-    <cs:fillRef idx="0"/>
-    <cs:effectRef idx="0"/>
-    <cs:fontRef idx="minor">
-      <a:schemeClr val="tx1"/>
-    </cs:fontRef>
-    <cs:spPr>
-      <a:ln w="9525" cap="flat" cmpd="sng" algn="ctr">
-        <a:solidFill>
-          <a:schemeClr val="tx1">
-            <a:lumMod val="35000"/>
-            <a:lumOff val="65000"/>
-          </a:schemeClr>
-        </a:solidFill>
-        <a:round/>
-      </a:ln>
-    </cs:spPr>
-  </cs:seriesLine>
-  <cs:title>
-    <cs:lnRef idx="0"/>
-    <cs:fillRef idx="0"/>
-    <cs:effectRef idx="0"/>
-    <cs:fontRef idx="minor">
-      <a:schemeClr val="tx1">
-        <a:lumMod val="65000"/>
-        <a:lumOff val="35000"/>
-      </a:schemeClr>
-    </cs:fontRef>
-    <cs:defRPr sz="1400" b="0" kern="1200" spc="0" baseline="0"/>
-  </cs:title>
-  <cs:trendline>
-    <cs:lnRef idx="0">
-      <cs:styleClr val="auto"/>
-    </cs:lnRef>
-    <cs:fillRef idx="0"/>
-    <cs:effectRef idx="0"/>
-    <cs:fontRef idx="minor">
-      <a:schemeClr val="tx1"/>
-    </cs:fontRef>
-    <cs:spPr>
-      <a:ln w="19050" cap="rnd">
-        <a:solidFill>
-          <a:schemeClr val="phClr"/>
-        </a:solidFill>
-        <a:prstDash val="sysDot"/>
-      </a:ln>
-    </cs:spPr>
-  </cs:trendline>
-  <cs:trendlineLabel>
-    <cs:lnRef idx="0"/>
-    <cs:fillRef idx="0"/>
-    <cs:effectRef idx="0"/>
-    <cs:fontRef idx="minor">
-      <a:schemeClr val="tx1">
-        <a:lumMod val="65000"/>
-        <a:lumOff val="35000"/>
-      </a:schemeClr>
-    </cs:fontRef>
-    <cs:defRPr sz="900" kern="1200"/>
-  </cs:trendlineLabel>
-  <cs:upBar>
-    <cs:lnRef idx="0"/>
-    <cs:fillRef idx="0"/>
-    <cs:effectRef idx="0"/>
-    <cs:fontRef idx="minor">
-      <a:schemeClr val="tx1"/>
-    </cs:fontRef>
-    <cs:spPr>
-      <a:solidFill>
-        <a:schemeClr val="lt1"/>
-      </a:solidFill>
-      <a:ln w="9525" cap="flat" cmpd="sng" algn="ctr">
-        <a:solidFill>
-          <a:schemeClr val="tx1">
-            <a:lumMod val="65000"/>
-            <a:lumOff val="35000"/>
-          </a:schemeClr>
-        </a:solidFill>
-        <a:round/>
-      </a:ln>
-    </cs:spPr>
-  </cs:upBar>
-  <cs:valueAxis>
-    <cs:lnRef idx="0"/>
-    <cs:fillRef idx="0"/>
-    <cs:effectRef idx="0"/>
-    <cs:fontRef idx="minor">
-      <a:schemeClr val="tx1">
-        <a:lumMod val="65000"/>
-        <a:lumOff val="35000"/>
-      </a:schemeClr>
-    </cs:fontRef>
-    <cs:defRPr sz="900" kern="1200"/>
-  </cs:valueAxis>
-  <cs:wall>
-    <cs:lnRef idx="0"/>
-    <cs:fillRef idx="0"/>
-    <cs:effectRef idx="0"/>
-    <cs:fontRef idx="minor">
-      <a:schemeClr val="tx1"/>
-    </cs:fontRef>
-    <cs:spPr>
-      <a:noFill/>
-      <a:ln>
-        <a:noFill/>
-      </a:ln>
-    </cs:spPr>
-  </cs:wall>
-</cs:chartStyle>
-</file>
-
 <file path=ppt/slideLayouts/slideLayout1.xml><?xml version="1.0" encoding="utf-8"?>
 <p:sldLayout xmlns:a="http://schemas.openxmlformats.org/drawingml/2006/main" xmlns:r="http://schemas.openxmlformats.org/officeDocument/2006/relationships" xmlns:p="http://schemas.openxmlformats.org/presentationml/2006/main" type="title" preserve="1">
   <p:cSld name="Slide de Título">
@@ -7226,7 +6414,7 @@
           <p:cNvPr id="2" name="Título 1">
             <a:extLst>
               <a:ext uri="{FF2B5EF4-FFF2-40B4-BE49-F238E27FC236}">
-                <a16:creationId xmlns:a16="http://schemas.microsoft.com/office/drawing/2014/main" id="{FF37DD76-ECEA-7AEA-6B23-92551BA7B5B3}"/>
+                <a16:creationId xmlns:a16="http://schemas.microsoft.com/office/drawing/2014/main" id="{2446FFEE-41ED-CB71-CB49-FCF18321D9EA}"/>
               </a:ext>
             </a:extLst>
           </p:cNvPr>
@@ -7243,57 +6431,172 @@
           <a:lstStyle/>
           <a:p>
             <a:r>
+              <a:rPr lang="pt-BR"/>
+              <a:t>Entregas mais baratas</a:t>
+            </a:r>
+            <a:endParaRPr lang="pt-BR" dirty="0"/>
+          </a:p>
+        </p:txBody>
+      </p:sp>
+      <p:pic>
+        <p:nvPicPr>
+          <p:cNvPr id="7" name="Imagem 6">
+            <a:extLst>
+              <a:ext uri="{FF2B5EF4-FFF2-40B4-BE49-F238E27FC236}">
+                <a16:creationId xmlns:a16="http://schemas.microsoft.com/office/drawing/2014/main" id="{1A3DB1DD-B017-D2D3-21A1-168647436148}"/>
+              </a:ext>
+            </a:extLst>
+          </p:cNvPr>
+          <p:cNvPicPr>
+            <a:picLocks noChangeAspect="1"/>
+          </p:cNvPicPr>
+          <p:nvPr/>
+        </p:nvPicPr>
+        <p:blipFill>
+          <a:blip r:embed="rId2"/>
+          <a:stretch>
+            <a:fillRect/>
+          </a:stretch>
+        </p:blipFill>
+        <p:spPr>
+          <a:xfrm>
+            <a:off x="1133621" y="3556268"/>
+            <a:ext cx="4584589" cy="2755631"/>
+          </a:xfrm>
+          <a:prstGeom prst="rect">
+            <a:avLst/>
+          </a:prstGeom>
+        </p:spPr>
+      </p:pic>
+      <p:pic>
+        <p:nvPicPr>
+          <p:cNvPr id="10" name="Imagem 9">
+            <a:extLst>
+              <a:ext uri="{FF2B5EF4-FFF2-40B4-BE49-F238E27FC236}">
+                <a16:creationId xmlns:a16="http://schemas.microsoft.com/office/drawing/2014/main" id="{F5EB0D88-0214-2D31-0B10-95E4C8E0F1AB}"/>
+              </a:ext>
+            </a:extLst>
+          </p:cNvPr>
+          <p:cNvPicPr>
+            <a:picLocks noChangeAspect="1"/>
+          </p:cNvPicPr>
+          <p:nvPr/>
+        </p:nvPicPr>
+        <p:blipFill>
+          <a:blip r:embed="rId3"/>
+          <a:stretch>
+            <a:fillRect/>
+          </a:stretch>
+        </p:blipFill>
+        <p:spPr>
+          <a:xfrm>
+            <a:off x="6769211" y="3556268"/>
+            <a:ext cx="4584589" cy="2755631"/>
+          </a:xfrm>
+          <a:prstGeom prst="rect">
+            <a:avLst/>
+          </a:prstGeom>
+        </p:spPr>
+      </p:pic>
+      <p:sp>
+        <p:nvSpPr>
+          <p:cNvPr id="11" name="CaixaDeTexto 10">
+            <a:extLst>
+              <a:ext uri="{FF2B5EF4-FFF2-40B4-BE49-F238E27FC236}">
+                <a16:creationId xmlns:a16="http://schemas.microsoft.com/office/drawing/2014/main" id="{C232C8B9-9E05-412F-C28B-43D6A698C88F}"/>
+              </a:ext>
+            </a:extLst>
+          </p:cNvPr>
+          <p:cNvSpPr txBox="1"/>
+          <p:nvPr/>
+        </p:nvSpPr>
+        <p:spPr>
+          <a:xfrm>
+            <a:off x="1133621" y="1690688"/>
+            <a:ext cx="10390473" cy="1477328"/>
+          </a:xfrm>
+          <a:prstGeom prst="rect">
+            <a:avLst/>
+          </a:prstGeom>
+          <a:noFill/>
+        </p:spPr>
+        <p:txBody>
+          <a:bodyPr wrap="none" rtlCol="0">
+            <a:spAutoFit/>
+          </a:bodyPr>
+          <a:lstStyle/>
+          <a:p>
+            <a:r>
               <a:rPr lang="pt-BR" dirty="0"/>
-              <a:t>Dados necessários </a:t>
-            </a:r>
-          </a:p>
-        </p:txBody>
-      </p:sp>
-      <p:sp>
-        <p:nvSpPr>
-          <p:cNvPr id="3" name="Espaço Reservado para Conteúdo 2">
-            <a:extLst>
-              <a:ext uri="{FF2B5EF4-FFF2-40B4-BE49-F238E27FC236}">
-                <a16:creationId xmlns:a16="http://schemas.microsoft.com/office/drawing/2014/main" id="{7FEC8265-C039-FBA6-892C-389E2E2B88A8}"/>
-              </a:ext>
-            </a:extLst>
-          </p:cNvPr>
-          <p:cNvSpPr>
-            <a:spLocks noGrp="1"/>
-          </p:cNvSpPr>
-          <p:nvPr>
-            <p:ph idx="1"/>
-          </p:nvPr>
-        </p:nvSpPr>
-        <p:spPr/>
-        <p:txBody>
-          <a:bodyPr/>
-          <a:lstStyle/>
-          <a:p>
+              <a:t>Visualizando os pedidos e analisando através da coluna </a:t>
+            </a:r>
+            <a:r>
+              <a:rPr lang="pt-BR" dirty="0" err="1"/>
+              <a:t>shipment_cost</a:t>
+            </a:r>
             <a:r>
               <a:rPr lang="pt-BR" dirty="0"/>
-              <a:t>Para que seja possível realizar uma análise mais profunda, é necessário </a:t>
-            </a:r>
-          </a:p>
-          <a:p>
-            <a:pPr lvl="1"/>
+              <a:t>, é possível concluir que, para obter</a:t>
+            </a:r>
+          </a:p>
+          <a:p>
             <a:r>
               <a:rPr lang="pt-BR" dirty="0"/>
-              <a:t>Criar uma categoria para categorizar o motivo pelo qual o pedido foi cancelado ou devolvido, para poder criar mais índices de segurança e eficácia</a:t>
-            </a:r>
-          </a:p>
-          <a:p>
-            <a:pPr lvl="1"/>
+              <a:t>pedidos mais baratos, é recomendado aumentar os envios através da </a:t>
+            </a:r>
+            <a:r>
+              <a:rPr lang="pt-BR" dirty="0" err="1"/>
+              <a:t>Provider</a:t>
+            </a:r>
             <a:r>
               <a:rPr lang="pt-BR" dirty="0"/>
-              <a:t>Fazer o preenchimento de todas as colunas de todos os ciclos. Mesmo que o pedido não passe por alguma etapa, é necessário fazer o preenchimento para que não haja intervalos de tempo muito irregulares</a:t>
-            </a:r>
-          </a:p>
-          <a:p>
-            <a:pPr lvl="1"/>
+              <a:t> 2. Isto porque, ao retirar os</a:t>
+            </a:r>
+          </a:p>
+          <a:p>
             <a:r>
               <a:rPr lang="pt-BR" dirty="0"/>
-              <a:t>Tratando-se de um banco de dados de logística, é necessário ter as informações de volumetria e peso. Dessa forma, é possível analisar se o custo do envio está baseado na distancia, na quantidade de dias de entrega ou no peso.</a:t>
+              <a:t>outliers, o </a:t>
+            </a:r>
+            <a:r>
+              <a:rPr lang="pt-BR" dirty="0" err="1"/>
+              <a:t>provider</a:t>
+            </a:r>
+            <a:r>
+              <a:rPr lang="pt-BR" dirty="0"/>
+              <a:t> 2 tem o custo médio menor em todas as regiões. Além disso, ao visualizar os outliers de </a:t>
+            </a:r>
+          </a:p>
+          <a:p>
+            <a:r>
+              <a:rPr lang="pt-BR" dirty="0" err="1"/>
+              <a:t>shipment_cost</a:t>
+            </a:r>
+            <a:r>
+              <a:rPr lang="pt-BR" dirty="0"/>
+              <a:t>, é possível verificar que o % dos pedidos da </a:t>
+            </a:r>
+            <a:r>
+              <a:rPr lang="pt-BR" dirty="0" err="1"/>
+              <a:t>provider</a:t>
+            </a:r>
+            <a:r>
+              <a:rPr lang="pt-BR" dirty="0"/>
+              <a:t> 1 e da </a:t>
+            </a:r>
+            <a:r>
+              <a:rPr lang="pt-BR" dirty="0" err="1"/>
+              <a:t>provider</a:t>
+            </a:r>
+            <a:r>
+              <a:rPr lang="pt-BR" dirty="0"/>
+              <a:t> 2 são muito semelhantes</a:t>
+            </a:r>
+          </a:p>
+          <a:p>
+            <a:r>
+              <a:rPr lang="pt-BR" dirty="0"/>
+              <a:t>ao % dos pedidos totais.</a:t>
             </a:r>
           </a:p>
         </p:txBody>
@@ -7301,7 +6604,7 @@
     </p:spTree>
     <p:extLst>
       <p:ext uri="{BB962C8B-B14F-4D97-AF65-F5344CB8AC3E}">
-        <p14:creationId xmlns:p14="http://schemas.microsoft.com/office/powerpoint/2010/main" val="3526094896"/>
+        <p14:creationId xmlns:p14="http://schemas.microsoft.com/office/powerpoint/2010/main" val="2902885603"/>
       </p:ext>
     </p:extLst>
   </p:cSld>
@@ -7311,187 +6614,7 @@
 </p:sld>
 </file>
 
-<file path=ppt/slides/slide2.xml><?xml version="1.0" encoding="utf-8"?>
-<p:sld xmlns:a="http://schemas.openxmlformats.org/drawingml/2006/main" xmlns:r="http://schemas.openxmlformats.org/officeDocument/2006/relationships" xmlns:p="http://schemas.openxmlformats.org/presentationml/2006/main">
-  <p:cSld>
-    <p:bg>
-      <p:bgPr>
-        <a:solidFill>
-          <a:schemeClr val="bg1"/>
-        </a:solidFill>
-        <a:effectLst/>
-      </p:bgPr>
-    </p:bg>
-    <p:spTree>
-      <p:nvGrpSpPr>
-        <p:cNvPr id="1" name=""/>
-        <p:cNvGrpSpPr/>
-        <p:nvPr/>
-      </p:nvGrpSpPr>
-      <p:grpSpPr>
-        <a:xfrm>
-          <a:off x="0" y="0"/>
-          <a:ext cx="0" cy="0"/>
-          <a:chOff x="0" y="0"/>
-          <a:chExt cx="0" cy="0"/>
-        </a:xfrm>
-      </p:grpSpPr>
-      <p:sp>
-        <p:nvSpPr>
-          <p:cNvPr id="2" name="Título 1">
-            <a:extLst>
-              <a:ext uri="{FF2B5EF4-FFF2-40B4-BE49-F238E27FC236}">
-                <a16:creationId xmlns:a16="http://schemas.microsoft.com/office/drawing/2014/main" id="{259F6654-FB10-EBC6-7C37-231C82C524A9}"/>
-              </a:ext>
-            </a:extLst>
-          </p:cNvPr>
-          <p:cNvSpPr>
-            <a:spLocks noGrp="1"/>
-          </p:cNvSpPr>
-          <p:nvPr>
-            <p:ph type="title"/>
-          </p:nvPr>
-        </p:nvSpPr>
-        <p:spPr/>
-        <p:txBody>
-          <a:bodyPr/>
-          <a:lstStyle/>
-          <a:p>
-            <a:r>
-              <a:rPr lang="pt-BR" dirty="0"/>
-              <a:t>Considerações Iniciais</a:t>
-            </a:r>
-          </a:p>
-        </p:txBody>
-      </p:sp>
-      <p:sp>
-        <p:nvSpPr>
-          <p:cNvPr id="3" name="Espaço Reservado para Conteúdo 2">
-            <a:extLst>
-              <a:ext uri="{FF2B5EF4-FFF2-40B4-BE49-F238E27FC236}">
-                <a16:creationId xmlns:a16="http://schemas.microsoft.com/office/drawing/2014/main" id="{291DCD62-BBD8-00CC-8A2C-38C1EE60E930}"/>
-              </a:ext>
-            </a:extLst>
-          </p:cNvPr>
-          <p:cNvSpPr>
-            <a:spLocks noGrp="1"/>
-          </p:cNvSpPr>
-          <p:nvPr>
-            <p:ph idx="1"/>
-          </p:nvPr>
-        </p:nvSpPr>
-        <p:spPr/>
-        <p:txBody>
-          <a:bodyPr>
-            <a:normAutofit lnSpcReduction="10000"/>
-          </a:bodyPr>
-          <a:lstStyle/>
-          <a:p>
-            <a:r>
-              <a:rPr lang="pt-BR" dirty="0"/>
-              <a:t>Para realizar a análise dos pedidos, foi realizada a seguinte categorização – </a:t>
-            </a:r>
-          </a:p>
-          <a:p>
-            <a:pPr lvl="1"/>
-            <a:r>
-              <a:rPr lang="pt-BR" dirty="0"/>
-              <a:t>Ciclo de Processamento – Ciclo entre as fases </a:t>
-            </a:r>
-            <a:r>
-              <a:rPr lang="pt-BR" dirty="0" err="1"/>
-              <a:t>sales_order_created_at</a:t>
-            </a:r>
-            <a:r>
-              <a:rPr lang="pt-BR" dirty="0"/>
-              <a:t>, </a:t>
-            </a:r>
-            <a:r>
-              <a:rPr lang="pt-BR" dirty="0" err="1"/>
-              <a:t>device_order_created_at</a:t>
-            </a:r>
-            <a:r>
-              <a:rPr lang="pt-BR" dirty="0"/>
-              <a:t> e </a:t>
-            </a:r>
-            <a:r>
-              <a:rPr lang="pt-BR" dirty="0" err="1"/>
-              <a:t>processing_at</a:t>
-            </a:r>
-            <a:endParaRPr lang="pt-BR" dirty="0"/>
-          </a:p>
-          <a:p>
-            <a:pPr lvl="1"/>
-            <a:r>
-              <a:rPr lang="pt-BR" dirty="0"/>
-              <a:t>Ciclo de Entrega – Ciclo entre as fases </a:t>
-            </a:r>
-            <a:r>
-              <a:rPr lang="pt-BR" dirty="0" err="1"/>
-              <a:t>processing_at</a:t>
-            </a:r>
-            <a:r>
-              <a:rPr lang="pt-BR" dirty="0"/>
-              <a:t>, </a:t>
-            </a:r>
-            <a:r>
-              <a:rPr lang="pt-BR" dirty="0" err="1"/>
-              <a:t>in_transit_to_local_distribution_at</a:t>
-            </a:r>
-            <a:r>
-              <a:rPr lang="pt-BR" dirty="0"/>
-              <a:t>, </a:t>
-            </a:r>
-            <a:r>
-              <a:rPr lang="pt-BR" dirty="0" err="1"/>
-              <a:t>local_distribution_at</a:t>
-            </a:r>
-            <a:r>
-              <a:rPr lang="pt-BR" dirty="0"/>
-              <a:t>, </a:t>
-            </a:r>
-            <a:r>
-              <a:rPr lang="pt-BR" dirty="0" err="1"/>
-              <a:t>in_transit_to_deliver_at</a:t>
-            </a:r>
-            <a:r>
-              <a:rPr lang="pt-BR" dirty="0"/>
-              <a:t>, e </a:t>
-            </a:r>
-            <a:r>
-              <a:rPr lang="pt-BR" dirty="0" err="1"/>
-              <a:t>delivered_at</a:t>
-            </a:r>
-            <a:endParaRPr lang="pt-BR" dirty="0"/>
-          </a:p>
-          <a:p>
-            <a:r>
-              <a:rPr lang="pt-BR" dirty="0"/>
-              <a:t>Os intervalos entre as fases foram medidos em minutos, enquanto o tempo total de entrega por pedido foi medido em dias.</a:t>
-            </a:r>
-          </a:p>
-          <a:p>
-            <a:r>
-              <a:rPr lang="pt-BR" dirty="0"/>
-              <a:t>Nos casos que alguma das colunas do ciclo de entrega estavam ausentes, foi calculado o período entre os 2 ciclos mais próximos</a:t>
-            </a:r>
-          </a:p>
-        </p:txBody>
-      </p:sp>
-    </p:spTree>
-    <p:extLst>
-      <p:ext uri="{BB962C8B-B14F-4D97-AF65-F5344CB8AC3E}">
-        <p14:creationId xmlns:p14="http://schemas.microsoft.com/office/powerpoint/2010/main" val="2831835215"/>
-      </p:ext>
-    </p:extLst>
-  </p:cSld>
-  <p:clrMapOvr>
-    <a:masterClrMapping/>
-  </p:clrMapOvr>
-</p:sld>
-</file>
-
-<file path=ppt/slides/slide3.xml><?xml version="1.0" encoding="utf-8"?>
+<file path=ppt/slides/slide11.xml><?xml version="1.0" encoding="utf-8"?>
 <p:sld xmlns:a="http://schemas.openxmlformats.org/drawingml/2006/main" xmlns:r="http://schemas.openxmlformats.org/officeDocument/2006/relationships" xmlns:p="http://schemas.openxmlformats.org/presentationml/2006/main">
   <p:cSld>
     <p:spTree>
@@ -7513,7 +6636,7 @@
           <p:cNvPr id="2" name="Título 1">
             <a:extLst>
               <a:ext uri="{FF2B5EF4-FFF2-40B4-BE49-F238E27FC236}">
-                <a16:creationId xmlns:a16="http://schemas.microsoft.com/office/drawing/2014/main" id="{67243499-70AB-53C1-2845-947EF0CE5B50}"/>
+                <a16:creationId xmlns:a16="http://schemas.microsoft.com/office/drawing/2014/main" id="{B372505F-67C0-A770-70D7-5B8EF148E80E}"/>
               </a:ext>
             </a:extLst>
           </p:cNvPr>
@@ -7531,81 +6654,17 @@
           <a:p>
             <a:r>
               <a:rPr lang="pt-BR" dirty="0"/>
-              <a:t>Análise inicial dos dados</a:t>
-            </a:r>
-          </a:p>
-        </p:txBody>
-      </p:sp>
-      <mc:AlternateContent xmlns:mc="http://schemas.openxmlformats.org/markup-compatibility/2006" xmlns:cx1="http://schemas.microsoft.com/office/drawing/2015/9/8/chartex">
-        <mc:Choice Requires="cx1">
-          <p:graphicFrame>
-            <p:nvGraphicFramePr>
-              <p:cNvPr id="9" name="Gráfico 8">
-                <a:extLst>
-                  <a:ext uri="{FF2B5EF4-FFF2-40B4-BE49-F238E27FC236}">
-                    <a16:creationId xmlns:a16="http://schemas.microsoft.com/office/drawing/2014/main" id="{2567F326-329B-553F-3A4A-2F1A831CE073}"/>
-                  </a:ext>
-                </a:extLst>
-              </p:cNvPr>
-              <p:cNvGraphicFramePr/>
-              <p:nvPr>
-                <p:extLst>
-                  <p:ext uri="{D42A27DB-BD31-4B8C-83A1-F6EECF244321}">
-                    <p14:modId xmlns:p14="http://schemas.microsoft.com/office/powerpoint/2010/main" val="326923629"/>
-                  </p:ext>
-                </p:extLst>
-              </p:nvPr>
-            </p:nvGraphicFramePr>
-            <p:xfrm>
-              <a:off x="7356581" y="4114800"/>
-              <a:ext cx="4572000" cy="2743200"/>
-            </p:xfrm>
-            <a:graphic>
-              <a:graphicData uri="http://schemas.microsoft.com/office/drawing/2014/chartex">
-                <cx:chart xmlns:cx="http://schemas.microsoft.com/office/drawing/2014/chartex" xmlns:r="http://schemas.openxmlformats.org/officeDocument/2006/relationships" r:id="rId2"/>
-              </a:graphicData>
-            </a:graphic>
-          </p:graphicFrame>
-        </mc:Choice>
-        <mc:Fallback xmlns="">
-          <p:pic>
-            <p:nvPicPr>
-              <p:cNvPr id="9" name="Gráfico 8">
-                <a:extLst>
-                  <a:ext uri="{FF2B5EF4-FFF2-40B4-BE49-F238E27FC236}">
-                    <a16:creationId xmlns:a16="http://schemas.microsoft.com/office/drawing/2014/main" id="{2567F326-329B-553F-3A4A-2F1A831CE073}"/>
-                  </a:ext>
-                </a:extLst>
-              </p:cNvPr>
-              <p:cNvPicPr>
-                <a:picLocks noGrp="1" noRot="1" noChangeAspect="1" noMove="1" noResize="1" noEditPoints="1" noAdjustHandles="1" noChangeArrowheads="1" noChangeShapeType="1"/>
-              </p:cNvPicPr>
-              <p:nvPr/>
-            </p:nvPicPr>
-            <p:blipFill>
-              <a:blip r:embed="rId6"/>
-              <a:stretch>
-                <a:fillRect/>
-              </a:stretch>
-            </p:blipFill>
-            <p:spPr>
-              <a:xfrm>
-                <a:off x="7356581" y="4114800"/>
-                <a:ext cx="4572000" cy="2743200"/>
-              </a:xfrm>
-              <a:prstGeom prst="rect">
-                <a:avLst/>
-              </a:prstGeom>
-            </p:spPr>
-          </p:pic>
-        </mc:Fallback>
-      </mc:AlternateContent>
-      <p:sp>
-        <p:nvSpPr>
-          <p:cNvPr id="6" name="Espaço Reservado para Conteúdo 5">
-            <a:extLst>
-              <a:ext uri="{FF2B5EF4-FFF2-40B4-BE49-F238E27FC236}">
-                <a16:creationId xmlns:a16="http://schemas.microsoft.com/office/drawing/2014/main" id="{4ACAEAC7-17D9-543F-1F93-7715584C0C48}"/>
+              <a:t>Meta – Diminuir tempo médio de entrega para 3 dias</a:t>
+            </a:r>
+          </a:p>
+        </p:txBody>
+      </p:sp>
+      <p:sp>
+        <p:nvSpPr>
+          <p:cNvPr id="3" name="Espaço Reservado para Conteúdo 2">
+            <a:extLst>
+              <a:ext uri="{FF2B5EF4-FFF2-40B4-BE49-F238E27FC236}">
+                <a16:creationId xmlns:a16="http://schemas.microsoft.com/office/drawing/2014/main" id="{5BDEA2D9-E515-B2EC-E6A2-F3673844E156}"/>
               </a:ext>
             </a:extLst>
           </p:cNvPr>
@@ -7616,57 +6675,104 @@
             <p:ph idx="1"/>
           </p:nvPr>
         </p:nvSpPr>
-        <p:spPr>
-          <a:xfrm>
-            <a:off x="2549420" y="3429000"/>
-            <a:ext cx="4572000" cy="904322"/>
-          </a:xfrm>
-        </p:spPr>
-        <p:txBody>
-          <a:bodyPr>
-            <a:normAutofit/>
-          </a:bodyPr>
+        <p:spPr/>
+        <p:txBody>
+          <a:bodyPr/>
           <a:lstStyle/>
           <a:p>
-            <a:pPr marL="0" indent="0">
-              <a:buNone/>
-            </a:pPr>
-            <a:r>
-              <a:rPr lang="pt-BR" sz="1400" dirty="0">
-                <a:solidFill>
-                  <a:schemeClr val="bg2">
-                    <a:lumMod val="25000"/>
-                  </a:schemeClr>
-                </a:solidFill>
-              </a:rPr>
-              <a:t>Pedidos separados por </a:t>
-            </a:r>
-            <a:r>
-              <a:rPr lang="pt-BR" sz="1400" dirty="0" err="1">
-                <a:solidFill>
-                  <a:schemeClr val="bg2">
-                    <a:lumMod val="25000"/>
-                  </a:schemeClr>
-                </a:solidFill>
-              </a:rPr>
-              <a:t>provider</a:t>
-            </a:r>
-            <a:endParaRPr lang="pt-BR" sz="1400" dirty="0">
-              <a:solidFill>
-                <a:schemeClr val="bg2">
-                  <a:lumMod val="25000"/>
-                </a:schemeClr>
-              </a:solidFill>
-            </a:endParaRPr>
+            <a:r>
+              <a:rPr lang="pt-BR" dirty="0"/>
+              <a:t>Média do tempo de entrega de cada etapa</a:t>
+            </a:r>
+          </a:p>
+          <a:p>
+            <a:pPr lvl="1"/>
+            <a:r>
+              <a:rPr lang="pt-BR" dirty="0"/>
+              <a:t>Etapa 1 – </a:t>
+            </a:r>
+            <a:r>
+              <a:rPr lang="pt-BR" dirty="0" err="1"/>
+              <a:t>processing_at</a:t>
+            </a:r>
+            <a:r>
+              <a:rPr lang="pt-BR" dirty="0"/>
+              <a:t> -&gt; </a:t>
+            </a:r>
+            <a:r>
+              <a:rPr lang="pt-BR" dirty="0" err="1"/>
+              <a:t>in_transit_to_local_distribution_at</a:t>
+            </a:r>
+            <a:endParaRPr lang="pt-BR" dirty="0"/>
+          </a:p>
+          <a:p>
+            <a:pPr lvl="1"/>
+            <a:r>
+              <a:rPr lang="pt-BR" dirty="0"/>
+              <a:t>Etapa 2 – </a:t>
+            </a:r>
+            <a:r>
+              <a:rPr lang="pt-BR" dirty="0" err="1"/>
+              <a:t>in_transit_to_local_distribution_at</a:t>
+            </a:r>
+            <a:r>
+              <a:rPr lang="pt-BR" dirty="0"/>
+              <a:t> -&gt; </a:t>
+            </a:r>
+            <a:r>
+              <a:rPr lang="pt-BR" dirty="0" err="1"/>
+              <a:t>local_distribution_at</a:t>
+            </a:r>
+            <a:endParaRPr lang="pt-BR" dirty="0"/>
+          </a:p>
+          <a:p>
+            <a:pPr lvl="1"/>
+            <a:r>
+              <a:rPr lang="pt-BR" dirty="0"/>
+              <a:t>Etapa 3 – </a:t>
+            </a:r>
+            <a:r>
+              <a:rPr lang="pt-BR" dirty="0" err="1"/>
+              <a:t>local_distribution_at</a:t>
+            </a:r>
+            <a:r>
+              <a:rPr lang="pt-BR" dirty="0"/>
+              <a:t> -&gt; </a:t>
+            </a:r>
+            <a:r>
+              <a:rPr lang="pt-BR" dirty="0" err="1"/>
+              <a:t>in_transit_to_deliver_at</a:t>
+            </a:r>
+            <a:endParaRPr lang="pt-BR" dirty="0"/>
+          </a:p>
+          <a:p>
+            <a:pPr lvl="1"/>
+            <a:r>
+              <a:rPr lang="pt-BR" dirty="0"/>
+              <a:t>Etapa 4 – </a:t>
+            </a:r>
+            <a:r>
+              <a:rPr lang="pt-BR" dirty="0" err="1"/>
+              <a:t>in_trasit_to_deliver_at</a:t>
+            </a:r>
+            <a:r>
+              <a:rPr lang="pt-BR" dirty="0"/>
+              <a:t> -&gt; </a:t>
+            </a:r>
+            <a:r>
+              <a:rPr lang="pt-BR" dirty="0" err="1"/>
+              <a:t>delivered_at</a:t>
+            </a:r>
+            <a:endParaRPr lang="pt-BR" dirty="0"/>
           </a:p>
         </p:txBody>
       </p:sp>
       <p:pic>
         <p:nvPicPr>
-          <p:cNvPr id="12" name="Imagem 11">
-            <a:extLst>
-              <a:ext uri="{FF2B5EF4-FFF2-40B4-BE49-F238E27FC236}">
-                <a16:creationId xmlns:a16="http://schemas.microsoft.com/office/drawing/2014/main" id="{1A088CC4-307B-74CD-DF5F-178EB458BC22}"/>
+          <p:cNvPr id="5" name="Imagem 4">
+            <a:extLst>
+              <a:ext uri="{FF2B5EF4-FFF2-40B4-BE49-F238E27FC236}">
+                <a16:creationId xmlns:a16="http://schemas.microsoft.com/office/drawing/2014/main" id="{5D5B3FD7-ADA6-D864-88C3-3DF10A181BE4}"/>
               </a:ext>
             </a:extLst>
           </p:cNvPr>
@@ -7676,15 +6782,209 @@
           <p:nvPr/>
         </p:nvPicPr>
         <p:blipFill>
-          <a:blip r:embed="rId7"/>
+          <a:blip r:embed="rId2"/>
           <a:stretch>
             <a:fillRect/>
           </a:stretch>
         </p:blipFill>
         <p:spPr>
           <a:xfrm>
-            <a:off x="1299044" y="3634328"/>
-            <a:ext cx="5194521" cy="3122239"/>
+            <a:off x="1145625" y="3879160"/>
+            <a:ext cx="6398815" cy="2297803"/>
+          </a:xfrm>
+          <a:prstGeom prst="rect">
+            <a:avLst/>
+          </a:prstGeom>
+        </p:spPr>
+      </p:pic>
+      <p:sp>
+        <p:nvSpPr>
+          <p:cNvPr id="4" name="CaixaDeTexto 3">
+            <a:extLst>
+              <a:ext uri="{FF2B5EF4-FFF2-40B4-BE49-F238E27FC236}">
+                <a16:creationId xmlns:a16="http://schemas.microsoft.com/office/drawing/2014/main" id="{1BB37D24-43FD-DBC3-79B7-CEBB9A8868A1}"/>
+              </a:ext>
+            </a:extLst>
+          </p:cNvPr>
+          <p:cNvSpPr txBox="1"/>
+          <p:nvPr/>
+        </p:nvSpPr>
+        <p:spPr>
+          <a:xfrm>
+            <a:off x="7851865" y="4001294"/>
+            <a:ext cx="3978421" cy="2862322"/>
+          </a:xfrm>
+          <a:prstGeom prst="rect">
+            <a:avLst/>
+          </a:prstGeom>
+          <a:noFill/>
+        </p:spPr>
+        <p:txBody>
+          <a:bodyPr wrap="square" rtlCol="0">
+            <a:spAutoFit/>
+          </a:bodyPr>
+          <a:lstStyle/>
+          <a:p>
+            <a:r>
+              <a:rPr lang="pt-BR" dirty="0"/>
+              <a:t>Uma das ações possíveis para diminuir o tempo de entrega para 3 dias é priorizar ou especializar os </a:t>
+            </a:r>
+            <a:r>
+              <a:rPr lang="pt-BR" dirty="0" err="1"/>
+              <a:t>providers</a:t>
+            </a:r>
+            <a:r>
+              <a:rPr lang="pt-BR" dirty="0"/>
+              <a:t> na etapa em que os mesmos tem melhores tempos.</a:t>
+            </a:r>
+          </a:p>
+          <a:p>
+            <a:r>
+              <a:rPr lang="pt-BR" dirty="0"/>
+              <a:t>Ao visualizar as etapas separadamente, é possível analisar que, embora o </a:t>
+            </a:r>
+            <a:r>
+              <a:rPr lang="pt-BR" dirty="0" err="1"/>
+              <a:t>provider</a:t>
+            </a:r>
+            <a:r>
+              <a:rPr lang="pt-BR" dirty="0"/>
+              <a:t> 1 tenha um tempo médio maior, o mesmo possui algumas etapas com tempo menor, o que pode diminuir o tempo das entregas no geral.</a:t>
+            </a:r>
+          </a:p>
+        </p:txBody>
+      </p:sp>
+    </p:spTree>
+    <p:extLst>
+      <p:ext uri="{BB962C8B-B14F-4D97-AF65-F5344CB8AC3E}">
+        <p14:creationId xmlns:p14="http://schemas.microsoft.com/office/powerpoint/2010/main" val="252958882"/>
+      </p:ext>
+    </p:extLst>
+  </p:cSld>
+  <p:clrMapOvr>
+    <a:masterClrMapping/>
+  </p:clrMapOvr>
+</p:sld>
+</file>
+
+<file path=ppt/slides/slide12.xml><?xml version="1.0" encoding="utf-8"?>
+<p:sld xmlns:a="http://schemas.openxmlformats.org/drawingml/2006/main" xmlns:r="http://schemas.openxmlformats.org/officeDocument/2006/relationships" xmlns:p="http://schemas.openxmlformats.org/presentationml/2006/main">
+  <p:cSld>
+    <p:spTree>
+      <p:nvGrpSpPr>
+        <p:cNvPr id="1" name=""/>
+        <p:cNvGrpSpPr/>
+        <p:nvPr/>
+      </p:nvGrpSpPr>
+      <p:grpSpPr>
+        <a:xfrm>
+          <a:off x="0" y="0"/>
+          <a:ext cx="0" cy="0"/>
+          <a:chOff x="0" y="0"/>
+          <a:chExt cx="0" cy="0"/>
+        </a:xfrm>
+      </p:grpSpPr>
+      <p:sp>
+        <p:nvSpPr>
+          <p:cNvPr id="2" name="Título 1">
+            <a:extLst>
+              <a:ext uri="{FF2B5EF4-FFF2-40B4-BE49-F238E27FC236}">
+                <a16:creationId xmlns:a16="http://schemas.microsoft.com/office/drawing/2014/main" id="{BC566521-8F9C-EFAC-1315-A4D684622893}"/>
+              </a:ext>
+            </a:extLst>
+          </p:cNvPr>
+          <p:cNvSpPr>
+            <a:spLocks noGrp="1"/>
+          </p:cNvSpPr>
+          <p:nvPr>
+            <p:ph type="title"/>
+          </p:nvPr>
+        </p:nvSpPr>
+        <p:spPr/>
+        <p:txBody>
+          <a:bodyPr/>
+          <a:lstStyle/>
+          <a:p>
+            <a:r>
+              <a:rPr lang="pt-BR" dirty="0"/>
+              <a:t>Meta – Diminuir tempo médio de entrega para 3 dias</a:t>
+            </a:r>
+          </a:p>
+        </p:txBody>
+      </p:sp>
+      <p:sp>
+        <p:nvSpPr>
+          <p:cNvPr id="3" name="Espaço Reservado para Conteúdo 2">
+            <a:extLst>
+              <a:ext uri="{FF2B5EF4-FFF2-40B4-BE49-F238E27FC236}">
+                <a16:creationId xmlns:a16="http://schemas.microsoft.com/office/drawing/2014/main" id="{FAEED8A8-658E-8894-E332-06C66720DD15}"/>
+              </a:ext>
+            </a:extLst>
+          </p:cNvPr>
+          <p:cNvSpPr>
+            <a:spLocks noGrp="1"/>
+          </p:cNvSpPr>
+          <p:nvPr>
+            <p:ph idx="1"/>
+          </p:nvPr>
+        </p:nvSpPr>
+        <p:spPr>
+          <a:xfrm>
+            <a:off x="838200" y="1825625"/>
+            <a:ext cx="5615609" cy="4351338"/>
+          </a:xfrm>
+        </p:spPr>
+        <p:txBody>
+          <a:bodyPr/>
+          <a:lstStyle/>
+          <a:p>
+            <a:r>
+              <a:rPr lang="pt-BR" dirty="0"/>
+              <a:t>Outra possibilidade que poderia ser aplicada a empresa é a alocação de funcionários da </a:t>
+            </a:r>
+            <a:r>
+              <a:rPr lang="pt-BR" dirty="0" err="1"/>
+              <a:t>provider</a:t>
+            </a:r>
+            <a:r>
+              <a:rPr lang="pt-BR" dirty="0"/>
+              <a:t> 1 para a </a:t>
+            </a:r>
+            <a:r>
+              <a:rPr lang="pt-BR" dirty="0" err="1"/>
+              <a:t>provider</a:t>
+            </a:r>
+            <a:r>
+              <a:rPr lang="pt-BR" dirty="0"/>
+              <a:t> 2, pois a segunda tem quase 28% dos pedidos regulares abaixo de 3 dias</a:t>
+            </a:r>
+          </a:p>
+        </p:txBody>
+      </p:sp>
+      <p:pic>
+        <p:nvPicPr>
+          <p:cNvPr id="5" name="Imagem 4">
+            <a:extLst>
+              <a:ext uri="{FF2B5EF4-FFF2-40B4-BE49-F238E27FC236}">
+                <a16:creationId xmlns:a16="http://schemas.microsoft.com/office/drawing/2014/main" id="{A92D0EB4-C56B-7F26-67AB-1986C72BDCD4}"/>
+              </a:ext>
+            </a:extLst>
+          </p:cNvPr>
+          <p:cNvPicPr>
+            <a:picLocks noChangeAspect="1"/>
+          </p:cNvPicPr>
+          <p:nvPr/>
+        </p:nvPicPr>
+        <p:blipFill>
+          <a:blip r:embed="rId2"/>
+          <a:stretch>
+            <a:fillRect/>
+          </a:stretch>
+        </p:blipFill>
+        <p:spPr>
+          <a:xfrm>
+            <a:off x="1511411" y="4102369"/>
+            <a:ext cx="4584589" cy="2755631"/>
           </a:xfrm>
           <a:prstGeom prst="rect">
             <a:avLst/>
@@ -7693,10 +6993,10 @@
       </p:pic>
       <p:pic>
         <p:nvPicPr>
-          <p:cNvPr id="14" name="Imagem 13">
-            <a:extLst>
-              <a:ext uri="{FF2B5EF4-FFF2-40B4-BE49-F238E27FC236}">
-                <a16:creationId xmlns:a16="http://schemas.microsoft.com/office/drawing/2014/main" id="{31648706-2D90-CCC3-1272-DE5E1B840058}"/>
+          <p:cNvPr id="6" name="Imagem 5">
+            <a:extLst>
+              <a:ext uri="{FF2B5EF4-FFF2-40B4-BE49-F238E27FC236}">
+                <a16:creationId xmlns:a16="http://schemas.microsoft.com/office/drawing/2014/main" id="{5BF63190-7BAA-1008-8D4E-FC9334EEEFEA}"/>
               </a:ext>
             </a:extLst>
           </p:cNvPr>
@@ -7706,15 +7006,15 @@
           <p:nvPr/>
         </p:nvPicPr>
         <p:blipFill>
-          <a:blip r:embed="rId8"/>
+          <a:blip r:embed="rId3"/>
           <a:stretch>
             <a:fillRect/>
           </a:stretch>
         </p:blipFill>
         <p:spPr>
           <a:xfrm>
-            <a:off x="940906" y="1554920"/>
-            <a:ext cx="5552659" cy="1668752"/>
+            <a:off x="7381461" y="4102369"/>
+            <a:ext cx="4584589" cy="2755631"/>
           </a:xfrm>
           <a:prstGeom prst="rect">
             <a:avLst/>
@@ -7723,10 +7023,10 @@
       </p:pic>
       <p:sp>
         <p:nvSpPr>
-          <p:cNvPr id="15" name="Espaço Reservado para Conteúdo 5">
-            <a:extLst>
-              <a:ext uri="{FF2B5EF4-FFF2-40B4-BE49-F238E27FC236}">
-                <a16:creationId xmlns:a16="http://schemas.microsoft.com/office/drawing/2014/main" id="{42310E62-3986-41B6-AD40-75F0D0550D18}"/>
+          <p:cNvPr id="7" name="Espaço Reservado para Conteúdo 2">
+            <a:extLst>
+              <a:ext uri="{FF2B5EF4-FFF2-40B4-BE49-F238E27FC236}">
+                <a16:creationId xmlns:a16="http://schemas.microsoft.com/office/drawing/2014/main" id="{47D4D238-F1DE-8AD4-591C-B3842D05ABB2}"/>
               </a:ext>
             </a:extLst>
           </p:cNvPr>
@@ -7737,8 +7037,8 @@
         </p:nvSpPr>
         <p:spPr>
           <a:xfrm>
-            <a:off x="2549420" y="1297076"/>
-            <a:ext cx="4572000" cy="904322"/>
+            <a:off x="6676447" y="1825625"/>
+            <a:ext cx="5615609" cy="4351338"/>
           </a:xfrm>
           <a:prstGeom prst="rect">
             <a:avLst/>
@@ -7913,6 +7213,906 @@
             </a:lvl9pPr>
           </a:lstStyle>
           <a:p>
+            <a:r>
+              <a:rPr lang="pt-BR" dirty="0"/>
+              <a:t>Tirando a região norte, onde o </a:t>
+            </a:r>
+            <a:r>
+              <a:rPr lang="pt-BR" dirty="0" err="1"/>
+              <a:t>Provider</a:t>
+            </a:r>
+            <a:r>
+              <a:rPr lang="pt-BR" dirty="0"/>
+              <a:t> 1 entregou 5 pedidos antes de 3 dias, em todas as outras regiões a quantidade dos pedidos entregues no prazo de 3 dias pela </a:t>
+            </a:r>
+            <a:r>
+              <a:rPr lang="pt-BR" dirty="0" err="1"/>
+              <a:t>Provider</a:t>
+            </a:r>
+            <a:r>
+              <a:rPr lang="pt-BR" dirty="0"/>
+              <a:t> 2 foi muito grande</a:t>
+            </a:r>
+          </a:p>
+        </p:txBody>
+      </p:sp>
+    </p:spTree>
+    <p:extLst>
+      <p:ext uri="{BB962C8B-B14F-4D97-AF65-F5344CB8AC3E}">
+        <p14:creationId xmlns:p14="http://schemas.microsoft.com/office/powerpoint/2010/main" val="375216410"/>
+      </p:ext>
+    </p:extLst>
+  </p:cSld>
+  <p:clrMapOvr>
+    <a:masterClrMapping/>
+  </p:clrMapOvr>
+</p:sld>
+</file>
+
+<file path=ppt/slides/slide13.xml><?xml version="1.0" encoding="utf-8"?>
+<p:sld xmlns:a="http://schemas.openxmlformats.org/drawingml/2006/main" xmlns:r="http://schemas.openxmlformats.org/officeDocument/2006/relationships" xmlns:p="http://schemas.openxmlformats.org/presentationml/2006/main">
+  <p:cSld>
+    <p:spTree>
+      <p:nvGrpSpPr>
+        <p:cNvPr id="1" name=""/>
+        <p:cNvGrpSpPr/>
+        <p:nvPr/>
+      </p:nvGrpSpPr>
+      <p:grpSpPr>
+        <a:xfrm>
+          <a:off x="0" y="0"/>
+          <a:ext cx="0" cy="0"/>
+          <a:chOff x="0" y="0"/>
+          <a:chExt cx="0" cy="0"/>
+        </a:xfrm>
+      </p:grpSpPr>
+      <p:sp>
+        <p:nvSpPr>
+          <p:cNvPr id="2" name="Título 1">
+            <a:extLst>
+              <a:ext uri="{FF2B5EF4-FFF2-40B4-BE49-F238E27FC236}">
+                <a16:creationId xmlns:a16="http://schemas.microsoft.com/office/drawing/2014/main" id="{CAF6EB9B-1308-75D7-5CDB-5243BACB3DC1}"/>
+              </a:ext>
+            </a:extLst>
+          </p:cNvPr>
+          <p:cNvSpPr>
+            <a:spLocks noGrp="1"/>
+          </p:cNvSpPr>
+          <p:nvPr>
+            <p:ph type="title"/>
+          </p:nvPr>
+        </p:nvSpPr>
+        <p:spPr/>
+        <p:txBody>
+          <a:bodyPr/>
+          <a:lstStyle/>
+          <a:p>
+            <a:r>
+              <a:rPr lang="pt-BR" dirty="0"/>
+              <a:t>Meta – Diminuir tempo médio de entrega para 3 dias</a:t>
+            </a:r>
+          </a:p>
+        </p:txBody>
+      </p:sp>
+      <p:sp>
+        <p:nvSpPr>
+          <p:cNvPr id="3" name="Espaço Reservado para Conteúdo 2">
+            <a:extLst>
+              <a:ext uri="{FF2B5EF4-FFF2-40B4-BE49-F238E27FC236}">
+                <a16:creationId xmlns:a16="http://schemas.microsoft.com/office/drawing/2014/main" id="{C9D3F48F-D3C6-FD82-7413-DDC58C1C0D17}"/>
+              </a:ext>
+            </a:extLst>
+          </p:cNvPr>
+          <p:cNvSpPr>
+            <a:spLocks noGrp="1"/>
+          </p:cNvSpPr>
+          <p:nvPr>
+            <p:ph idx="1"/>
+          </p:nvPr>
+        </p:nvSpPr>
+        <p:spPr/>
+        <p:txBody>
+          <a:bodyPr/>
+          <a:lstStyle/>
+          <a:p>
+            <a:r>
+              <a:rPr lang="pt-BR" dirty="0"/>
+              <a:t>Possibilidades para reduzir o tempo médio de entrega em 3 dias</a:t>
+            </a:r>
+          </a:p>
+          <a:p>
+            <a:pPr lvl="1"/>
+            <a:r>
+              <a:rPr lang="pt-BR" dirty="0"/>
+              <a:t>Alocar algumas </a:t>
+            </a:r>
+            <a:r>
+              <a:rPr lang="pt-BR" dirty="0" err="1"/>
+              <a:t>providers</a:t>
+            </a:r>
+            <a:r>
+              <a:rPr lang="pt-BR" dirty="0"/>
+              <a:t> só para algumas fases específicas e nas regiões onde os mesmos tem melhores tempos.</a:t>
+            </a:r>
+          </a:p>
+          <a:p>
+            <a:pPr lvl="1"/>
+            <a:r>
+              <a:rPr lang="pt-BR" dirty="0"/>
+              <a:t>Priorizar a entrega da </a:t>
+            </a:r>
+            <a:r>
+              <a:rPr lang="pt-BR" dirty="0" err="1"/>
+              <a:t>provider</a:t>
+            </a:r>
+            <a:r>
+              <a:rPr lang="pt-BR" dirty="0"/>
+              <a:t> 1 somente para a região Norte, com cautela</a:t>
+            </a:r>
+          </a:p>
+          <a:p>
+            <a:pPr lvl="1"/>
+            <a:r>
+              <a:rPr lang="pt-BR" dirty="0"/>
+              <a:t>Aumentar a quantidade de funcionários no </a:t>
+            </a:r>
+            <a:r>
+              <a:rPr lang="pt-BR" dirty="0" err="1"/>
+              <a:t>provider</a:t>
+            </a:r>
+            <a:r>
+              <a:rPr lang="pt-BR" dirty="0"/>
+              <a:t> 2, ou alocar funcionários do </a:t>
+            </a:r>
+            <a:r>
+              <a:rPr lang="pt-BR" dirty="0" err="1"/>
+              <a:t>provider</a:t>
+            </a:r>
+            <a:r>
+              <a:rPr lang="pt-BR" dirty="0"/>
+              <a:t> 1 pro </a:t>
+            </a:r>
+            <a:r>
+              <a:rPr lang="pt-BR" dirty="0" err="1"/>
+              <a:t>provider</a:t>
+            </a:r>
+            <a:r>
+              <a:rPr lang="pt-BR" dirty="0"/>
+              <a:t> 2, podendo assim aumentar a quantidade de pedidos entregue pelo </a:t>
+            </a:r>
+            <a:r>
+              <a:rPr lang="pt-BR" dirty="0" err="1"/>
+              <a:t>provider</a:t>
+            </a:r>
+            <a:r>
+              <a:rPr lang="pt-BR" dirty="0"/>
+              <a:t> 2, diminuindo gradualmente o tempo médio de entrega.</a:t>
+            </a:r>
+          </a:p>
+        </p:txBody>
+      </p:sp>
+    </p:spTree>
+    <p:extLst>
+      <p:ext uri="{BB962C8B-B14F-4D97-AF65-F5344CB8AC3E}">
+        <p14:creationId xmlns:p14="http://schemas.microsoft.com/office/powerpoint/2010/main" val="2962250543"/>
+      </p:ext>
+    </p:extLst>
+  </p:cSld>
+  <p:clrMapOvr>
+    <a:masterClrMapping/>
+  </p:clrMapOvr>
+</p:sld>
+</file>
+
+<file path=ppt/slides/slide14.xml><?xml version="1.0" encoding="utf-8"?>
+<p:sld xmlns:a="http://schemas.openxmlformats.org/drawingml/2006/main" xmlns:r="http://schemas.openxmlformats.org/officeDocument/2006/relationships" xmlns:p="http://schemas.openxmlformats.org/presentationml/2006/main">
+  <p:cSld>
+    <p:spTree>
+      <p:nvGrpSpPr>
+        <p:cNvPr id="1" name=""/>
+        <p:cNvGrpSpPr/>
+        <p:nvPr/>
+      </p:nvGrpSpPr>
+      <p:grpSpPr>
+        <a:xfrm>
+          <a:off x="0" y="0"/>
+          <a:ext cx="0" cy="0"/>
+          <a:chOff x="0" y="0"/>
+          <a:chExt cx="0" cy="0"/>
+        </a:xfrm>
+      </p:grpSpPr>
+      <p:sp>
+        <p:nvSpPr>
+          <p:cNvPr id="2" name="Título 1">
+            <a:extLst>
+              <a:ext uri="{FF2B5EF4-FFF2-40B4-BE49-F238E27FC236}">
+                <a16:creationId xmlns:a16="http://schemas.microsoft.com/office/drawing/2014/main" id="{FF37DD76-ECEA-7AEA-6B23-92551BA7B5B3}"/>
+              </a:ext>
+            </a:extLst>
+          </p:cNvPr>
+          <p:cNvSpPr>
+            <a:spLocks noGrp="1"/>
+          </p:cNvSpPr>
+          <p:nvPr>
+            <p:ph type="title"/>
+          </p:nvPr>
+        </p:nvSpPr>
+        <p:spPr/>
+        <p:txBody>
+          <a:bodyPr/>
+          <a:lstStyle/>
+          <a:p>
+            <a:r>
+              <a:rPr lang="pt-BR" dirty="0"/>
+              <a:t>Dados necessários </a:t>
+            </a:r>
+          </a:p>
+        </p:txBody>
+      </p:sp>
+      <p:sp>
+        <p:nvSpPr>
+          <p:cNvPr id="3" name="Espaço Reservado para Conteúdo 2">
+            <a:extLst>
+              <a:ext uri="{FF2B5EF4-FFF2-40B4-BE49-F238E27FC236}">
+                <a16:creationId xmlns:a16="http://schemas.microsoft.com/office/drawing/2014/main" id="{7FEC8265-C039-FBA6-892C-389E2E2B88A8}"/>
+              </a:ext>
+            </a:extLst>
+          </p:cNvPr>
+          <p:cNvSpPr>
+            <a:spLocks noGrp="1"/>
+          </p:cNvSpPr>
+          <p:nvPr>
+            <p:ph idx="1"/>
+          </p:nvPr>
+        </p:nvSpPr>
+        <p:spPr/>
+        <p:txBody>
+          <a:bodyPr/>
+          <a:lstStyle/>
+          <a:p>
+            <a:r>
+              <a:rPr lang="pt-BR" dirty="0"/>
+              <a:t>Para que seja possível realizar uma análise mais profunda, é necessário </a:t>
+            </a:r>
+          </a:p>
+          <a:p>
+            <a:pPr lvl="1"/>
+            <a:r>
+              <a:rPr lang="pt-BR" dirty="0"/>
+              <a:t>Criar uma categoria para categorizar o motivo pelo qual o pedido foi cancelado ou devolvido, para poder criar mais índices de segurança e eficácia</a:t>
+            </a:r>
+          </a:p>
+          <a:p>
+            <a:pPr lvl="1"/>
+            <a:r>
+              <a:rPr lang="pt-BR" dirty="0"/>
+              <a:t>Fazer o preenchimento de todas as colunas de todos os ciclos. Mesmo que o pedido não passe por alguma etapa, é necessário fazer o preenchimento para que não haja intervalos de tempo muito irregulares</a:t>
+            </a:r>
+          </a:p>
+          <a:p>
+            <a:pPr lvl="1"/>
+            <a:r>
+              <a:rPr lang="pt-BR" dirty="0"/>
+              <a:t>Tratando-se de um banco de dados de logística, é necessário ter as informações de volumetria e peso. Dessa forma, é possível analisar se o custo do envio está baseado na distancia, na quantidade de dias de entrega ou no peso.</a:t>
+            </a:r>
+          </a:p>
+        </p:txBody>
+      </p:sp>
+    </p:spTree>
+    <p:extLst>
+      <p:ext uri="{BB962C8B-B14F-4D97-AF65-F5344CB8AC3E}">
+        <p14:creationId xmlns:p14="http://schemas.microsoft.com/office/powerpoint/2010/main" val="3526094896"/>
+      </p:ext>
+    </p:extLst>
+  </p:cSld>
+  <p:clrMapOvr>
+    <a:masterClrMapping/>
+  </p:clrMapOvr>
+</p:sld>
+</file>
+
+<file path=ppt/slides/slide2.xml><?xml version="1.0" encoding="utf-8"?>
+<p:sld xmlns:a="http://schemas.openxmlformats.org/drawingml/2006/main" xmlns:r="http://schemas.openxmlformats.org/officeDocument/2006/relationships" xmlns:p="http://schemas.openxmlformats.org/presentationml/2006/main">
+  <p:cSld>
+    <p:bg>
+      <p:bgPr>
+        <a:solidFill>
+          <a:schemeClr val="bg1"/>
+        </a:solidFill>
+        <a:effectLst/>
+      </p:bgPr>
+    </p:bg>
+    <p:spTree>
+      <p:nvGrpSpPr>
+        <p:cNvPr id="1" name=""/>
+        <p:cNvGrpSpPr/>
+        <p:nvPr/>
+      </p:nvGrpSpPr>
+      <p:grpSpPr>
+        <a:xfrm>
+          <a:off x="0" y="0"/>
+          <a:ext cx="0" cy="0"/>
+          <a:chOff x="0" y="0"/>
+          <a:chExt cx="0" cy="0"/>
+        </a:xfrm>
+      </p:grpSpPr>
+      <p:sp>
+        <p:nvSpPr>
+          <p:cNvPr id="2" name="Título 1">
+            <a:extLst>
+              <a:ext uri="{FF2B5EF4-FFF2-40B4-BE49-F238E27FC236}">
+                <a16:creationId xmlns:a16="http://schemas.microsoft.com/office/drawing/2014/main" id="{259F6654-FB10-EBC6-7C37-231C82C524A9}"/>
+              </a:ext>
+            </a:extLst>
+          </p:cNvPr>
+          <p:cNvSpPr>
+            <a:spLocks noGrp="1"/>
+          </p:cNvSpPr>
+          <p:nvPr>
+            <p:ph type="title"/>
+          </p:nvPr>
+        </p:nvSpPr>
+        <p:spPr/>
+        <p:txBody>
+          <a:bodyPr/>
+          <a:lstStyle/>
+          <a:p>
+            <a:r>
+              <a:rPr lang="pt-BR" dirty="0"/>
+              <a:t>Considerações Iniciais</a:t>
+            </a:r>
+          </a:p>
+        </p:txBody>
+      </p:sp>
+      <p:sp>
+        <p:nvSpPr>
+          <p:cNvPr id="3" name="Espaço Reservado para Conteúdo 2">
+            <a:extLst>
+              <a:ext uri="{FF2B5EF4-FFF2-40B4-BE49-F238E27FC236}">
+                <a16:creationId xmlns:a16="http://schemas.microsoft.com/office/drawing/2014/main" id="{291DCD62-BBD8-00CC-8A2C-38C1EE60E930}"/>
+              </a:ext>
+            </a:extLst>
+          </p:cNvPr>
+          <p:cNvSpPr>
+            <a:spLocks noGrp="1"/>
+          </p:cNvSpPr>
+          <p:nvPr>
+            <p:ph idx="1"/>
+          </p:nvPr>
+        </p:nvSpPr>
+        <p:spPr/>
+        <p:txBody>
+          <a:bodyPr>
+            <a:normAutofit lnSpcReduction="10000"/>
+          </a:bodyPr>
+          <a:lstStyle/>
+          <a:p>
+            <a:r>
+              <a:rPr lang="pt-BR" dirty="0"/>
+              <a:t>Para realizar a análise dos pedidos, foi realizada a seguinte categorização – </a:t>
+            </a:r>
+          </a:p>
+          <a:p>
+            <a:pPr lvl="1"/>
+            <a:r>
+              <a:rPr lang="pt-BR" dirty="0"/>
+              <a:t>Ciclo de Processamento – Ciclo entre as fases </a:t>
+            </a:r>
+            <a:r>
+              <a:rPr lang="pt-BR" dirty="0" err="1"/>
+              <a:t>sales_order_created_at</a:t>
+            </a:r>
+            <a:r>
+              <a:rPr lang="pt-BR" dirty="0"/>
+              <a:t>, </a:t>
+            </a:r>
+            <a:r>
+              <a:rPr lang="pt-BR" dirty="0" err="1"/>
+              <a:t>device_order_created_at</a:t>
+            </a:r>
+            <a:r>
+              <a:rPr lang="pt-BR" dirty="0"/>
+              <a:t> e </a:t>
+            </a:r>
+            <a:r>
+              <a:rPr lang="pt-BR" dirty="0" err="1"/>
+              <a:t>processing_at</a:t>
+            </a:r>
+            <a:endParaRPr lang="pt-BR" dirty="0"/>
+          </a:p>
+          <a:p>
+            <a:pPr lvl="1"/>
+            <a:r>
+              <a:rPr lang="pt-BR" dirty="0"/>
+              <a:t>Ciclo de Entrega – Ciclo entre as fases </a:t>
+            </a:r>
+            <a:r>
+              <a:rPr lang="pt-BR" dirty="0" err="1"/>
+              <a:t>processing_at</a:t>
+            </a:r>
+            <a:r>
+              <a:rPr lang="pt-BR" dirty="0"/>
+              <a:t>, </a:t>
+            </a:r>
+            <a:r>
+              <a:rPr lang="pt-BR" dirty="0" err="1"/>
+              <a:t>in_transit_to_local_distribution_at</a:t>
+            </a:r>
+            <a:r>
+              <a:rPr lang="pt-BR" dirty="0"/>
+              <a:t>, </a:t>
+            </a:r>
+            <a:r>
+              <a:rPr lang="pt-BR" dirty="0" err="1"/>
+              <a:t>local_distribution_at</a:t>
+            </a:r>
+            <a:r>
+              <a:rPr lang="pt-BR" dirty="0"/>
+              <a:t>, </a:t>
+            </a:r>
+            <a:r>
+              <a:rPr lang="pt-BR" dirty="0" err="1"/>
+              <a:t>in_transit_to_deliver_at</a:t>
+            </a:r>
+            <a:r>
+              <a:rPr lang="pt-BR" dirty="0"/>
+              <a:t>, e </a:t>
+            </a:r>
+            <a:r>
+              <a:rPr lang="pt-BR" dirty="0" err="1"/>
+              <a:t>delivered_at</a:t>
+            </a:r>
+            <a:endParaRPr lang="pt-BR" dirty="0"/>
+          </a:p>
+          <a:p>
+            <a:r>
+              <a:rPr lang="pt-BR" dirty="0"/>
+              <a:t>Os intervalos entre as fases foram medidos em minutos, enquanto o tempo total de entrega por pedido foi medido em dias.</a:t>
+            </a:r>
+          </a:p>
+          <a:p>
+            <a:r>
+              <a:rPr lang="pt-BR" dirty="0"/>
+              <a:t>Nos casos que alguma das colunas do ciclo de entrega estavam ausentes, foi calculado o período entre os 2 ciclos mais próximos</a:t>
+            </a:r>
+          </a:p>
+        </p:txBody>
+      </p:sp>
+    </p:spTree>
+    <p:extLst>
+      <p:ext uri="{BB962C8B-B14F-4D97-AF65-F5344CB8AC3E}">
+        <p14:creationId xmlns:p14="http://schemas.microsoft.com/office/powerpoint/2010/main" val="2831835215"/>
+      </p:ext>
+    </p:extLst>
+  </p:cSld>
+  <p:clrMapOvr>
+    <a:masterClrMapping/>
+  </p:clrMapOvr>
+</p:sld>
+</file>
+
+<file path=ppt/slides/slide3.xml><?xml version="1.0" encoding="utf-8"?>
+<p:sld xmlns:a="http://schemas.openxmlformats.org/drawingml/2006/main" xmlns:r="http://schemas.openxmlformats.org/officeDocument/2006/relationships" xmlns:p="http://schemas.openxmlformats.org/presentationml/2006/main">
+  <p:cSld>
+    <p:spTree>
+      <p:nvGrpSpPr>
+        <p:cNvPr id="1" name=""/>
+        <p:cNvGrpSpPr/>
+        <p:nvPr/>
+      </p:nvGrpSpPr>
+      <p:grpSpPr>
+        <a:xfrm>
+          <a:off x="0" y="0"/>
+          <a:ext cx="0" cy="0"/>
+          <a:chOff x="0" y="0"/>
+          <a:chExt cx="0" cy="0"/>
+        </a:xfrm>
+      </p:grpSpPr>
+      <p:sp>
+        <p:nvSpPr>
+          <p:cNvPr id="2" name="Título 1">
+            <a:extLst>
+              <a:ext uri="{FF2B5EF4-FFF2-40B4-BE49-F238E27FC236}">
+                <a16:creationId xmlns:a16="http://schemas.microsoft.com/office/drawing/2014/main" id="{67243499-70AB-53C1-2845-947EF0CE5B50}"/>
+              </a:ext>
+            </a:extLst>
+          </p:cNvPr>
+          <p:cNvSpPr>
+            <a:spLocks noGrp="1"/>
+          </p:cNvSpPr>
+          <p:nvPr>
+            <p:ph type="title"/>
+          </p:nvPr>
+        </p:nvSpPr>
+        <p:spPr/>
+        <p:txBody>
+          <a:bodyPr/>
+          <a:lstStyle/>
+          <a:p>
+            <a:r>
+              <a:rPr lang="pt-BR" dirty="0"/>
+              <a:t>Análise inicial dos dados</a:t>
+            </a:r>
+          </a:p>
+        </p:txBody>
+      </p:sp>
+      <mc:AlternateContent xmlns:mc="http://schemas.openxmlformats.org/markup-compatibility/2006" xmlns:cx1="http://schemas.microsoft.com/office/drawing/2015/9/8/chartex">
+        <mc:Choice Requires="cx1">
+          <p:graphicFrame>
+            <p:nvGraphicFramePr>
+              <p:cNvPr id="9" name="Gráfico 8">
+                <a:extLst>
+                  <a:ext uri="{FF2B5EF4-FFF2-40B4-BE49-F238E27FC236}">
+                    <a16:creationId xmlns:a16="http://schemas.microsoft.com/office/drawing/2014/main" id="{2567F326-329B-553F-3A4A-2F1A831CE073}"/>
+                  </a:ext>
+                </a:extLst>
+              </p:cNvPr>
+              <p:cNvGraphicFramePr/>
+              <p:nvPr>
+                <p:extLst>
+                  <p:ext uri="{D42A27DB-BD31-4B8C-83A1-F6EECF244321}">
+                    <p14:modId xmlns:p14="http://schemas.microsoft.com/office/powerpoint/2010/main" val="326923629"/>
+                  </p:ext>
+                </p:extLst>
+              </p:nvPr>
+            </p:nvGraphicFramePr>
+            <p:xfrm>
+              <a:off x="7356581" y="4114800"/>
+              <a:ext cx="4572000" cy="2743200"/>
+            </p:xfrm>
+            <a:graphic>
+              <a:graphicData uri="http://schemas.microsoft.com/office/drawing/2014/chartex">
+                <cx:chart xmlns:cx="http://schemas.microsoft.com/office/drawing/2014/chartex" xmlns:r="http://schemas.openxmlformats.org/officeDocument/2006/relationships" r:id="rId2"/>
+              </a:graphicData>
+            </a:graphic>
+          </p:graphicFrame>
+        </mc:Choice>
+        <mc:Fallback xmlns="">
+          <p:pic>
+            <p:nvPicPr>
+              <p:cNvPr id="9" name="Gráfico 8">
+                <a:extLst>
+                  <a:ext uri="{FF2B5EF4-FFF2-40B4-BE49-F238E27FC236}">
+                    <a16:creationId xmlns:a16="http://schemas.microsoft.com/office/drawing/2014/main" id="{2567F326-329B-553F-3A4A-2F1A831CE073}"/>
+                  </a:ext>
+                </a:extLst>
+              </p:cNvPr>
+              <p:cNvPicPr>
+                <a:picLocks noGrp="1" noRot="1" noChangeAspect="1" noMove="1" noResize="1" noEditPoints="1" noAdjustHandles="1" noChangeArrowheads="1" noChangeShapeType="1"/>
+              </p:cNvPicPr>
+              <p:nvPr/>
+            </p:nvPicPr>
+            <p:blipFill>
+              <a:blip r:embed="rId6"/>
+              <a:stretch>
+                <a:fillRect/>
+              </a:stretch>
+            </p:blipFill>
+            <p:spPr>
+              <a:xfrm>
+                <a:off x="7356581" y="4114800"/>
+                <a:ext cx="4572000" cy="2743200"/>
+              </a:xfrm>
+              <a:prstGeom prst="rect">
+                <a:avLst/>
+              </a:prstGeom>
+            </p:spPr>
+          </p:pic>
+        </mc:Fallback>
+      </mc:AlternateContent>
+      <p:sp>
+        <p:nvSpPr>
+          <p:cNvPr id="6" name="Espaço Reservado para Conteúdo 5">
+            <a:extLst>
+              <a:ext uri="{FF2B5EF4-FFF2-40B4-BE49-F238E27FC236}">
+                <a16:creationId xmlns:a16="http://schemas.microsoft.com/office/drawing/2014/main" id="{4ACAEAC7-17D9-543F-1F93-7715584C0C48}"/>
+              </a:ext>
+            </a:extLst>
+          </p:cNvPr>
+          <p:cNvSpPr>
+            <a:spLocks noGrp="1"/>
+          </p:cNvSpPr>
+          <p:nvPr>
+            <p:ph idx="1"/>
+          </p:nvPr>
+        </p:nvSpPr>
+        <p:spPr>
+          <a:xfrm>
+            <a:off x="2549420" y="3429000"/>
+            <a:ext cx="4572000" cy="904322"/>
+          </a:xfrm>
+        </p:spPr>
+        <p:txBody>
+          <a:bodyPr>
+            <a:normAutofit/>
+          </a:bodyPr>
+          <a:lstStyle/>
+          <a:p>
+            <a:pPr marL="0" indent="0">
+              <a:buNone/>
+            </a:pPr>
+            <a:r>
+              <a:rPr lang="pt-BR" sz="1400" dirty="0">
+                <a:solidFill>
+                  <a:schemeClr val="bg2">
+                    <a:lumMod val="25000"/>
+                  </a:schemeClr>
+                </a:solidFill>
+              </a:rPr>
+              <a:t>Pedidos separados por </a:t>
+            </a:r>
+            <a:r>
+              <a:rPr lang="pt-BR" sz="1400" dirty="0" err="1">
+                <a:solidFill>
+                  <a:schemeClr val="bg2">
+                    <a:lumMod val="25000"/>
+                  </a:schemeClr>
+                </a:solidFill>
+              </a:rPr>
+              <a:t>provider</a:t>
+            </a:r>
+            <a:endParaRPr lang="pt-BR" sz="1400" dirty="0">
+              <a:solidFill>
+                <a:schemeClr val="bg2">
+                  <a:lumMod val="25000"/>
+                </a:schemeClr>
+              </a:solidFill>
+            </a:endParaRPr>
+          </a:p>
+        </p:txBody>
+      </p:sp>
+      <p:pic>
+        <p:nvPicPr>
+          <p:cNvPr id="12" name="Imagem 11">
+            <a:extLst>
+              <a:ext uri="{FF2B5EF4-FFF2-40B4-BE49-F238E27FC236}">
+                <a16:creationId xmlns:a16="http://schemas.microsoft.com/office/drawing/2014/main" id="{1A088CC4-307B-74CD-DF5F-178EB458BC22}"/>
+              </a:ext>
+            </a:extLst>
+          </p:cNvPr>
+          <p:cNvPicPr>
+            <a:picLocks noChangeAspect="1"/>
+          </p:cNvPicPr>
+          <p:nvPr/>
+        </p:nvPicPr>
+        <p:blipFill>
+          <a:blip r:embed="rId7"/>
+          <a:stretch>
+            <a:fillRect/>
+          </a:stretch>
+        </p:blipFill>
+        <p:spPr>
+          <a:xfrm>
+            <a:off x="1299044" y="3634328"/>
+            <a:ext cx="5194521" cy="3122239"/>
+          </a:xfrm>
+          <a:prstGeom prst="rect">
+            <a:avLst/>
+          </a:prstGeom>
+        </p:spPr>
+      </p:pic>
+      <p:pic>
+        <p:nvPicPr>
+          <p:cNvPr id="14" name="Imagem 13">
+            <a:extLst>
+              <a:ext uri="{FF2B5EF4-FFF2-40B4-BE49-F238E27FC236}">
+                <a16:creationId xmlns:a16="http://schemas.microsoft.com/office/drawing/2014/main" id="{31648706-2D90-CCC3-1272-DE5E1B840058}"/>
+              </a:ext>
+            </a:extLst>
+          </p:cNvPr>
+          <p:cNvPicPr>
+            <a:picLocks noChangeAspect="1"/>
+          </p:cNvPicPr>
+          <p:nvPr/>
+        </p:nvPicPr>
+        <p:blipFill>
+          <a:blip r:embed="rId8"/>
+          <a:stretch>
+            <a:fillRect/>
+          </a:stretch>
+        </p:blipFill>
+        <p:spPr>
+          <a:xfrm>
+            <a:off x="940906" y="1554920"/>
+            <a:ext cx="5552659" cy="1668752"/>
+          </a:xfrm>
+          <a:prstGeom prst="rect">
+            <a:avLst/>
+          </a:prstGeom>
+        </p:spPr>
+      </p:pic>
+      <p:sp>
+        <p:nvSpPr>
+          <p:cNvPr id="15" name="Espaço Reservado para Conteúdo 5">
+            <a:extLst>
+              <a:ext uri="{FF2B5EF4-FFF2-40B4-BE49-F238E27FC236}">
+                <a16:creationId xmlns:a16="http://schemas.microsoft.com/office/drawing/2014/main" id="{42310E62-3986-41B6-AD40-75F0D0550D18}"/>
+              </a:ext>
+            </a:extLst>
+          </p:cNvPr>
+          <p:cNvSpPr txBox="1">
+            <a:spLocks/>
+          </p:cNvSpPr>
+          <p:nvPr/>
+        </p:nvSpPr>
+        <p:spPr>
+          <a:xfrm>
+            <a:off x="2549420" y="1297076"/>
+            <a:ext cx="4572000" cy="904322"/>
+          </a:xfrm>
+          <a:prstGeom prst="rect">
+            <a:avLst/>
+          </a:prstGeom>
+        </p:spPr>
+        <p:txBody>
+          <a:bodyPr vert="horz" lIns="91440" tIns="45720" rIns="91440" bIns="45720" rtlCol="0">
+            <a:normAutofit/>
+          </a:bodyPr>
+          <a:lstStyle>
+            <a:lvl1pPr marL="228600" indent="-228600" algn="l" defTabSz="914400" rtl="0" eaLnBrk="1" latinLnBrk="0" hangingPunct="1">
+              <a:lnSpc>
+                <a:spcPct val="90000"/>
+              </a:lnSpc>
+              <a:spcBef>
+                <a:spcPts val="1000"/>
+              </a:spcBef>
+              <a:buFont typeface="Arial" panose="020B0604020202020204" pitchFamily="34" charset="0"/>
+              <a:buChar char="•"/>
+              <a:defRPr sz="2800" kern="1200">
+                <a:solidFill>
+                  <a:schemeClr val="tx1"/>
+                </a:solidFill>
+                <a:latin typeface="+mn-lt"/>
+                <a:ea typeface="+mn-ea"/>
+                <a:cs typeface="+mn-cs"/>
+              </a:defRPr>
+            </a:lvl1pPr>
+            <a:lvl2pPr marL="685800" indent="-228600" algn="l" defTabSz="914400" rtl="0" eaLnBrk="1" latinLnBrk="0" hangingPunct="1">
+              <a:lnSpc>
+                <a:spcPct val="90000"/>
+              </a:lnSpc>
+              <a:spcBef>
+                <a:spcPts val="500"/>
+              </a:spcBef>
+              <a:buFont typeface="Arial" panose="020B0604020202020204" pitchFamily="34" charset="0"/>
+              <a:buChar char="•"/>
+              <a:defRPr sz="2400" kern="1200">
+                <a:solidFill>
+                  <a:schemeClr val="tx1"/>
+                </a:solidFill>
+                <a:latin typeface="+mn-lt"/>
+                <a:ea typeface="+mn-ea"/>
+                <a:cs typeface="+mn-cs"/>
+              </a:defRPr>
+            </a:lvl2pPr>
+            <a:lvl3pPr marL="1143000" indent="-228600" algn="l" defTabSz="914400" rtl="0" eaLnBrk="1" latinLnBrk="0" hangingPunct="1">
+              <a:lnSpc>
+                <a:spcPct val="90000"/>
+              </a:lnSpc>
+              <a:spcBef>
+                <a:spcPts val="500"/>
+              </a:spcBef>
+              <a:buFont typeface="Arial" panose="020B0604020202020204" pitchFamily="34" charset="0"/>
+              <a:buChar char="•"/>
+              <a:defRPr sz="2000" kern="1200">
+                <a:solidFill>
+                  <a:schemeClr val="tx1"/>
+                </a:solidFill>
+                <a:latin typeface="+mn-lt"/>
+                <a:ea typeface="+mn-ea"/>
+                <a:cs typeface="+mn-cs"/>
+              </a:defRPr>
+            </a:lvl3pPr>
+            <a:lvl4pPr marL="1600200" indent="-228600" algn="l" defTabSz="914400" rtl="0" eaLnBrk="1" latinLnBrk="0" hangingPunct="1">
+              <a:lnSpc>
+                <a:spcPct val="90000"/>
+              </a:lnSpc>
+              <a:spcBef>
+                <a:spcPts val="500"/>
+              </a:spcBef>
+              <a:buFont typeface="Arial" panose="020B0604020202020204" pitchFamily="34" charset="0"/>
+              <a:buChar char="•"/>
+              <a:defRPr sz="1800" kern="1200">
+                <a:solidFill>
+                  <a:schemeClr val="tx1"/>
+                </a:solidFill>
+                <a:latin typeface="+mn-lt"/>
+                <a:ea typeface="+mn-ea"/>
+                <a:cs typeface="+mn-cs"/>
+              </a:defRPr>
+            </a:lvl4pPr>
+            <a:lvl5pPr marL="2057400" indent="-228600" algn="l" defTabSz="914400" rtl="0" eaLnBrk="1" latinLnBrk="0" hangingPunct="1">
+              <a:lnSpc>
+                <a:spcPct val="90000"/>
+              </a:lnSpc>
+              <a:spcBef>
+                <a:spcPts val="500"/>
+              </a:spcBef>
+              <a:buFont typeface="Arial" panose="020B0604020202020204" pitchFamily="34" charset="0"/>
+              <a:buChar char="•"/>
+              <a:defRPr sz="1800" kern="1200">
+                <a:solidFill>
+                  <a:schemeClr val="tx1"/>
+                </a:solidFill>
+                <a:latin typeface="+mn-lt"/>
+                <a:ea typeface="+mn-ea"/>
+                <a:cs typeface="+mn-cs"/>
+              </a:defRPr>
+            </a:lvl5pPr>
+            <a:lvl6pPr marL="2514600" indent="-228600" algn="l" defTabSz="914400" rtl="0" eaLnBrk="1" latinLnBrk="0" hangingPunct="1">
+              <a:lnSpc>
+                <a:spcPct val="90000"/>
+              </a:lnSpc>
+              <a:spcBef>
+                <a:spcPts val="500"/>
+              </a:spcBef>
+              <a:buFont typeface="Arial" panose="020B0604020202020204" pitchFamily="34" charset="0"/>
+              <a:buChar char="•"/>
+              <a:defRPr sz="1800" kern="1200">
+                <a:solidFill>
+                  <a:schemeClr val="tx1"/>
+                </a:solidFill>
+                <a:latin typeface="+mn-lt"/>
+                <a:ea typeface="+mn-ea"/>
+                <a:cs typeface="+mn-cs"/>
+              </a:defRPr>
+            </a:lvl6pPr>
+            <a:lvl7pPr marL="2971800" indent="-228600" algn="l" defTabSz="914400" rtl="0" eaLnBrk="1" latinLnBrk="0" hangingPunct="1">
+              <a:lnSpc>
+                <a:spcPct val="90000"/>
+              </a:lnSpc>
+              <a:spcBef>
+                <a:spcPts val="500"/>
+              </a:spcBef>
+              <a:buFont typeface="Arial" panose="020B0604020202020204" pitchFamily="34" charset="0"/>
+              <a:buChar char="•"/>
+              <a:defRPr sz="1800" kern="1200">
+                <a:solidFill>
+                  <a:schemeClr val="tx1"/>
+                </a:solidFill>
+                <a:latin typeface="+mn-lt"/>
+                <a:ea typeface="+mn-ea"/>
+                <a:cs typeface="+mn-cs"/>
+              </a:defRPr>
+            </a:lvl7pPr>
+            <a:lvl8pPr marL="3429000" indent="-228600" algn="l" defTabSz="914400" rtl="0" eaLnBrk="1" latinLnBrk="0" hangingPunct="1">
+              <a:lnSpc>
+                <a:spcPct val="90000"/>
+              </a:lnSpc>
+              <a:spcBef>
+                <a:spcPts val="500"/>
+              </a:spcBef>
+              <a:buFont typeface="Arial" panose="020B0604020202020204" pitchFamily="34" charset="0"/>
+              <a:buChar char="•"/>
+              <a:defRPr sz="1800" kern="1200">
+                <a:solidFill>
+                  <a:schemeClr val="tx1"/>
+                </a:solidFill>
+                <a:latin typeface="+mn-lt"/>
+                <a:ea typeface="+mn-ea"/>
+                <a:cs typeface="+mn-cs"/>
+              </a:defRPr>
+            </a:lvl8pPr>
+            <a:lvl9pPr marL="3886200" indent="-228600" algn="l" defTabSz="914400" rtl="0" eaLnBrk="1" latinLnBrk="0" hangingPunct="1">
+              <a:lnSpc>
+                <a:spcPct val="90000"/>
+              </a:lnSpc>
+              <a:spcBef>
+                <a:spcPts val="500"/>
+              </a:spcBef>
+              <a:buFont typeface="Arial" panose="020B0604020202020204" pitchFamily="34" charset="0"/>
+              <a:buChar char="•"/>
+              <a:defRPr sz="1800" kern="1200">
+                <a:solidFill>
+                  <a:schemeClr val="tx1"/>
+                </a:solidFill>
+                <a:latin typeface="+mn-lt"/>
+                <a:ea typeface="+mn-ea"/>
+                <a:cs typeface="+mn-cs"/>
+              </a:defRPr>
+            </a:lvl9pPr>
+          </a:lstStyle>
+          <a:p>
             <a:pPr marL="0" indent="0">
               <a:buFont typeface="Arial" panose="020B0604020202020204" pitchFamily="34" charset="0"/>
               <a:buNone/>
@@ -8127,7 +8327,7 @@
           <p:cNvPr id="2" name="Título 1">
             <a:extLst>
               <a:ext uri="{FF2B5EF4-FFF2-40B4-BE49-F238E27FC236}">
-                <a16:creationId xmlns:a16="http://schemas.microsoft.com/office/drawing/2014/main" id="{95C7837C-87B5-ACE8-3E3B-DDECBBD9234D}"/>
+                <a16:creationId xmlns:a16="http://schemas.microsoft.com/office/drawing/2014/main" id="{796AA9AC-396D-B159-EE93-98AEBA66C34D}"/>
               </a:ext>
             </a:extLst>
           </p:cNvPr>
@@ -8145,7 +8345,7 @@
           <a:p>
             <a:r>
               <a:rPr lang="pt-BR" dirty="0"/>
-              <a:t>Análise de anomalias - Outliers</a:t>
+              <a:t>Análise Inicial de Dados</a:t>
             </a:r>
           </a:p>
         </p:txBody>
@@ -8155,7 +8355,7 @@
           <p:cNvPr id="3" name="Espaço Reservado para Conteúdo 2">
             <a:extLst>
               <a:ext uri="{FF2B5EF4-FFF2-40B4-BE49-F238E27FC236}">
-                <a16:creationId xmlns:a16="http://schemas.microsoft.com/office/drawing/2014/main" id="{0C8CADEE-1B3E-6682-4E9A-F1A5E2E78EE5}"/>
+                <a16:creationId xmlns:a16="http://schemas.microsoft.com/office/drawing/2014/main" id="{0307E36A-9B3D-1839-4DDE-31D50F62951D}"/>
               </a:ext>
             </a:extLst>
           </p:cNvPr>
@@ -8169,23 +8369,34 @@
         <p:spPr>
           <a:xfrm>
             <a:off x="838200" y="1825625"/>
-            <a:ext cx="10515600" cy="1169366"/>
+            <a:ext cx="10515600" cy="1116358"/>
           </a:xfrm>
         </p:spPr>
         <p:txBody>
           <a:bodyPr/>
           <a:lstStyle/>
           <a:p>
-            <a:endParaRPr lang="pt-BR" dirty="0"/>
+            <a:r>
+              <a:rPr lang="pt-BR" dirty="0"/>
+              <a:t>É possível analisar que, dentre os 42710 pedidos, só há 2 pedidos em que o produto é o “</a:t>
+            </a:r>
+            <a:r>
+              <a:rPr lang="pt-BR" dirty="0" err="1"/>
+              <a:t>Infiniteblack</a:t>
+            </a:r>
+            <a:r>
+              <a:rPr lang="pt-BR" dirty="0"/>
+              <a:t> s920”.</a:t>
+            </a:r>
           </a:p>
         </p:txBody>
       </p:sp>
       <p:pic>
         <p:nvPicPr>
-          <p:cNvPr id="5" name="Imagem 4">
-            <a:extLst>
-              <a:ext uri="{FF2B5EF4-FFF2-40B4-BE49-F238E27FC236}">
-                <a16:creationId xmlns:a16="http://schemas.microsoft.com/office/drawing/2014/main" id="{59A2477A-7EC4-2235-A8AE-456AC2F68E8D}"/>
+          <p:cNvPr id="7" name="Imagem 6">
+            <a:extLst>
+              <a:ext uri="{FF2B5EF4-FFF2-40B4-BE49-F238E27FC236}">
+                <a16:creationId xmlns:a16="http://schemas.microsoft.com/office/drawing/2014/main" id="{F5807DF1-78D5-2BF5-1664-6D4814DE180B}"/>
               </a:ext>
             </a:extLst>
           </p:cNvPr>
@@ -8202,8 +8413,162 @@
         </p:blipFill>
         <p:spPr>
           <a:xfrm>
-            <a:off x="1087267" y="3429000"/>
-            <a:ext cx="4743099" cy="2755631"/>
+            <a:off x="1003391" y="2941983"/>
+            <a:ext cx="6848475" cy="590550"/>
+          </a:xfrm>
+          <a:prstGeom prst="rect">
+            <a:avLst/>
+          </a:prstGeom>
+        </p:spPr>
+      </p:pic>
+      <p:sp>
+        <p:nvSpPr>
+          <p:cNvPr id="8" name="CaixaDeTexto 7">
+            <a:extLst>
+              <a:ext uri="{FF2B5EF4-FFF2-40B4-BE49-F238E27FC236}">
+                <a16:creationId xmlns:a16="http://schemas.microsoft.com/office/drawing/2014/main" id="{6DE72513-D3D0-4D85-4036-7152555151A2}"/>
+              </a:ext>
+            </a:extLst>
+          </p:cNvPr>
+          <p:cNvSpPr txBox="1"/>
+          <p:nvPr/>
+        </p:nvSpPr>
+        <p:spPr>
+          <a:xfrm>
+            <a:off x="1003391" y="3916018"/>
+            <a:ext cx="7279218" cy="923330"/>
+          </a:xfrm>
+          <a:prstGeom prst="rect">
+            <a:avLst/>
+          </a:prstGeom>
+          <a:noFill/>
+        </p:spPr>
+        <p:txBody>
+          <a:bodyPr wrap="square" rtlCol="0">
+            <a:spAutoFit/>
+          </a:bodyPr>
+          <a:lstStyle/>
+          <a:p>
+            <a:r>
+              <a:rPr lang="pt-BR" dirty="0"/>
+              <a:t>Sobre o pedido id 35171, o mesmo foi retornado, prosseguiu até a etapa </a:t>
+            </a:r>
+            <a:r>
+              <a:rPr lang="pt-BR" dirty="0" err="1"/>
+              <a:t>in_transit_to_deliver_at</a:t>
+            </a:r>
+            <a:r>
+              <a:rPr lang="pt-BR" dirty="0"/>
+              <a:t>. Além disso, é preciso verificar o motivo pelo qual o processamento do pedido demorou 14 dias para ocorrer.</a:t>
+            </a:r>
+          </a:p>
+        </p:txBody>
+      </p:sp>
+      <p:pic>
+        <p:nvPicPr>
+          <p:cNvPr id="10" name="Imagem 9">
+            <a:extLst>
+              <a:ext uri="{FF2B5EF4-FFF2-40B4-BE49-F238E27FC236}">
+                <a16:creationId xmlns:a16="http://schemas.microsoft.com/office/drawing/2014/main" id="{F4964960-6FA4-B727-F5D5-731D9C2A047F}"/>
+              </a:ext>
+            </a:extLst>
+          </p:cNvPr>
+          <p:cNvPicPr>
+            <a:picLocks noChangeAspect="1"/>
+          </p:cNvPicPr>
+          <p:nvPr/>
+        </p:nvPicPr>
+        <p:blipFill>
+          <a:blip r:embed="rId3"/>
+          <a:stretch>
+            <a:fillRect/>
+          </a:stretch>
+        </p:blipFill>
+        <p:spPr>
+          <a:xfrm>
+            <a:off x="1001758" y="4839348"/>
+            <a:ext cx="3343275" cy="400050"/>
+          </a:xfrm>
+          <a:prstGeom prst="rect">
+            <a:avLst/>
+          </a:prstGeom>
+        </p:spPr>
+      </p:pic>
+      <p:sp>
+        <p:nvSpPr>
+          <p:cNvPr id="11" name="CaixaDeTexto 10">
+            <a:extLst>
+              <a:ext uri="{FF2B5EF4-FFF2-40B4-BE49-F238E27FC236}">
+                <a16:creationId xmlns:a16="http://schemas.microsoft.com/office/drawing/2014/main" id="{19A6F318-1639-EB0D-5DB2-C39A40139FC5}"/>
+              </a:ext>
+            </a:extLst>
+          </p:cNvPr>
+          <p:cNvSpPr txBox="1"/>
+          <p:nvPr/>
+        </p:nvSpPr>
+        <p:spPr>
+          <a:xfrm>
+            <a:off x="1001758" y="5569545"/>
+            <a:ext cx="7439877" cy="923330"/>
+          </a:xfrm>
+          <a:prstGeom prst="rect">
+            <a:avLst/>
+          </a:prstGeom>
+          <a:noFill/>
+        </p:spPr>
+        <p:txBody>
+          <a:bodyPr wrap="square" rtlCol="0">
+            <a:spAutoFit/>
+          </a:bodyPr>
+          <a:lstStyle/>
+          <a:p>
+            <a:r>
+              <a:rPr lang="pt-BR" dirty="0"/>
+              <a:t>Sobre o pedido id 39223, o mesmo foi entregue, porém demorou 3 dias para sair da etapa </a:t>
+            </a:r>
+            <a:r>
+              <a:rPr lang="pt-BR" dirty="0" err="1"/>
+              <a:t>in_transit_to_deliver_at</a:t>
+            </a:r>
+            <a:r>
+              <a:rPr lang="pt-BR" dirty="0"/>
+              <a:t> para </a:t>
+            </a:r>
+            <a:r>
+              <a:rPr lang="pt-BR" dirty="0" err="1"/>
+              <a:t>delivered_at</a:t>
+            </a:r>
+            <a:r>
+              <a:rPr lang="pt-BR" dirty="0"/>
+              <a:t>, o que afetou o prazo de entrega acima do prazo, mas antes do prazo estimado. </a:t>
+            </a:r>
+          </a:p>
+        </p:txBody>
+      </p:sp>
+      <p:pic>
+        <p:nvPicPr>
+          <p:cNvPr id="15" name="Imagem 14">
+            <a:extLst>
+              <a:ext uri="{FF2B5EF4-FFF2-40B4-BE49-F238E27FC236}">
+                <a16:creationId xmlns:a16="http://schemas.microsoft.com/office/drawing/2014/main" id="{04E092CA-8F6B-8288-B3FB-B2046735227D}"/>
+              </a:ext>
+            </a:extLst>
+          </p:cNvPr>
+          <p:cNvPicPr>
+            <a:picLocks noChangeAspect="1"/>
+          </p:cNvPicPr>
+          <p:nvPr/>
+        </p:nvPicPr>
+        <p:blipFill>
+          <a:blip r:embed="rId4"/>
+          <a:stretch>
+            <a:fillRect/>
+          </a:stretch>
+        </p:blipFill>
+        <p:spPr>
+          <a:xfrm>
+            <a:off x="8342604" y="4789974"/>
+            <a:ext cx="3849396" cy="2068026"/>
           </a:xfrm>
           <a:prstGeom prst="rect">
             <a:avLst/>
@@ -8213,7 +8578,7 @@
     </p:spTree>
     <p:extLst>
       <p:ext uri="{BB962C8B-B14F-4D97-AF65-F5344CB8AC3E}">
-        <p14:creationId xmlns:p14="http://schemas.microsoft.com/office/powerpoint/2010/main" val="2004384552"/>
+        <p14:creationId xmlns:p14="http://schemas.microsoft.com/office/powerpoint/2010/main" val="964894474"/>
       </p:ext>
     </p:extLst>
   </p:cSld>
@@ -8263,7 +8628,7 @@
           <a:p>
             <a:r>
               <a:rPr lang="pt-BR" dirty="0"/>
-              <a:t>Análise de anomalias – Tempo negativo</a:t>
+              <a:t>Análise de anomalias - Outliers</a:t>
             </a:r>
           </a:p>
         </p:txBody>
@@ -8284,95 +8649,61 @@
             <p:ph idx="1"/>
           </p:nvPr>
         </p:nvSpPr>
-        <p:spPr/>
-        <p:txBody>
-          <a:bodyPr/>
-          <a:lstStyle/>
-          <a:p>
-            <a:r>
-              <a:rPr lang="pt-BR" dirty="0"/>
-              <a:t>Podemos notar que há 6,52% dos pedidos com diferença de tempo negativa</a:t>
-            </a:r>
-          </a:p>
-          <a:p>
-            <a:pPr marL="3657600" lvl="8" indent="0">
-              <a:buNone/>
-            </a:pPr>
-            <a:endParaRPr lang="pt-BR" dirty="0"/>
-          </a:p>
-        </p:txBody>
-      </p:sp>
-      <p:graphicFrame>
-        <p:nvGraphicFramePr>
-          <p:cNvPr id="4" name="Gráfico 3">
-            <a:extLst>
-              <a:ext uri="{FF2B5EF4-FFF2-40B4-BE49-F238E27FC236}">
-                <a16:creationId xmlns:a16="http://schemas.microsoft.com/office/drawing/2014/main" id="{50CC55ED-8769-20DE-5B85-53EE6C5E968A}"/>
-              </a:ext>
-            </a:extLst>
-          </p:cNvPr>
-          <p:cNvGraphicFramePr>
-            <a:graphicFrameLocks/>
-          </p:cNvGraphicFramePr>
-          <p:nvPr>
-            <p:extLst>
-              <p:ext uri="{D42A27DB-BD31-4B8C-83A1-F6EECF244321}">
-                <p14:modId xmlns:p14="http://schemas.microsoft.com/office/powerpoint/2010/main" val="473429725"/>
-              </p:ext>
-            </p:extLst>
-          </p:nvPr>
-        </p:nvGraphicFramePr>
-        <p:xfrm>
-          <a:off x="838200" y="2805285"/>
-          <a:ext cx="5872984" cy="2392018"/>
-        </p:xfrm>
-        <a:graphic>
-          <a:graphicData uri="http://schemas.openxmlformats.org/drawingml/2006/chart">
-            <c:chart xmlns:c="http://schemas.openxmlformats.org/drawingml/2006/chart" xmlns:r="http://schemas.openxmlformats.org/officeDocument/2006/relationships" r:id="rId2"/>
-          </a:graphicData>
-        </a:graphic>
-      </p:graphicFrame>
-      <p:sp>
-        <p:nvSpPr>
-          <p:cNvPr id="5" name="CaixaDeTexto 4">
-            <a:extLst>
-              <a:ext uri="{FF2B5EF4-FFF2-40B4-BE49-F238E27FC236}">
-                <a16:creationId xmlns:a16="http://schemas.microsoft.com/office/drawing/2014/main" id="{EE3FA2A0-6A65-DFAD-3DB1-D550513C15EC}"/>
-              </a:ext>
-            </a:extLst>
-          </p:cNvPr>
-          <p:cNvSpPr txBox="1"/>
-          <p:nvPr/>
-        </p:nvSpPr>
         <p:spPr>
           <a:xfrm>
-            <a:off x="6970643" y="2425148"/>
-            <a:ext cx="4731027" cy="923330"/>
+            <a:off x="838200" y="1825625"/>
+            <a:ext cx="10515600" cy="1169366"/>
+          </a:xfrm>
+        </p:spPr>
+        <p:txBody>
+          <a:bodyPr>
+            <a:normAutofit fontScale="85000" lnSpcReduction="20000"/>
+          </a:bodyPr>
+          <a:lstStyle/>
+          <a:p>
+            <a:r>
+              <a:rPr lang="pt-BR" dirty="0"/>
+              <a:t>Ao fazer análise das medianas e dos quadrantes, é possível verificar que há muitos pedidos irregulares com prazos entre etapas muito alto, afetando diretamente as métricas. Pra isso, foi realizada uma análise dos números 90% mais baixos, para poder observar os números com um maior padrão.</a:t>
+            </a:r>
+          </a:p>
+        </p:txBody>
+      </p:sp>
+      <p:pic>
+        <p:nvPicPr>
+          <p:cNvPr id="5" name="Imagem 4">
+            <a:extLst>
+              <a:ext uri="{FF2B5EF4-FFF2-40B4-BE49-F238E27FC236}">
+                <a16:creationId xmlns:a16="http://schemas.microsoft.com/office/drawing/2014/main" id="{59A2477A-7EC4-2235-A8AE-456AC2F68E8D}"/>
+              </a:ext>
+            </a:extLst>
+          </p:cNvPr>
+          <p:cNvPicPr>
+            <a:picLocks noChangeAspect="1"/>
+          </p:cNvPicPr>
+          <p:nvPr/>
+        </p:nvPicPr>
+        <p:blipFill>
+          <a:blip r:embed="rId2"/>
+          <a:stretch>
+            <a:fillRect/>
+          </a:stretch>
+        </p:blipFill>
+        <p:spPr>
+          <a:xfrm>
+            <a:off x="1087267" y="3429000"/>
+            <a:ext cx="4743099" cy="2755631"/>
           </a:xfrm>
           <a:prstGeom prst="rect">
             <a:avLst/>
           </a:prstGeom>
-          <a:noFill/>
         </p:spPr>
-        <p:txBody>
-          <a:bodyPr wrap="square" rtlCol="0">
-            <a:spAutoFit/>
-          </a:bodyPr>
-          <a:lstStyle/>
-          <a:p>
-            <a:r>
-              <a:rPr lang="pt-BR" dirty="0"/>
-              <a:t>Isto ocorre porque há algumas colunas de data onde o horário de um ciclo é menor que o horário do ciclo subsequente</a:t>
-            </a:r>
-          </a:p>
-        </p:txBody>
-      </p:sp>
+      </p:pic>
       <p:pic>
         <p:nvPicPr>
-          <p:cNvPr id="7" name="Imagem 6">
-            <a:extLst>
-              <a:ext uri="{FF2B5EF4-FFF2-40B4-BE49-F238E27FC236}">
-                <a16:creationId xmlns:a16="http://schemas.microsoft.com/office/drawing/2014/main" id="{29968E0F-B566-EBE9-C0B1-0939F703DDEF}"/>
+          <p:cNvPr id="6" name="Imagem 5">
+            <a:extLst>
+              <a:ext uri="{FF2B5EF4-FFF2-40B4-BE49-F238E27FC236}">
+                <a16:creationId xmlns:a16="http://schemas.microsoft.com/office/drawing/2014/main" id="{8CD2E2EA-C4E5-BC9F-C640-186BDFF0221B}"/>
               </a:ext>
             </a:extLst>
           </p:cNvPr>
@@ -8389,8 +8720,8 @@
         </p:blipFill>
         <p:spPr>
           <a:xfrm>
-            <a:off x="6970643" y="3429000"/>
-            <a:ext cx="5000625" cy="1485900"/>
+            <a:off x="6520144" y="3428999"/>
+            <a:ext cx="4584589" cy="2755631"/>
           </a:xfrm>
           <a:prstGeom prst="rect">
             <a:avLst/>
@@ -8400,7 +8731,7 @@
     </p:spTree>
     <p:extLst>
       <p:ext uri="{BB962C8B-B14F-4D97-AF65-F5344CB8AC3E}">
-        <p14:creationId xmlns:p14="http://schemas.microsoft.com/office/powerpoint/2010/main" val="1379494004"/>
+        <p14:creationId xmlns:p14="http://schemas.microsoft.com/office/powerpoint/2010/main" val="2004384552"/>
       </p:ext>
     </p:extLst>
   </p:cSld>
@@ -8432,7 +8763,7 @@
           <p:cNvPr id="2" name="Título 1">
             <a:extLst>
               <a:ext uri="{FF2B5EF4-FFF2-40B4-BE49-F238E27FC236}">
-                <a16:creationId xmlns:a16="http://schemas.microsoft.com/office/drawing/2014/main" id="{C8A02B13-94ED-1DFA-0B99-738AEA9310B8}"/>
+                <a16:creationId xmlns:a16="http://schemas.microsoft.com/office/drawing/2014/main" id="{A7A92AAC-88C5-C9DE-E84F-8C3F22D8E22C}"/>
               </a:ext>
             </a:extLst>
           </p:cNvPr>
@@ -8450,7 +8781,7 @@
           <a:p>
             <a:r>
               <a:rPr lang="pt-BR" dirty="0"/>
-              <a:t>Entregas mais seguras</a:t>
+              <a:t>Análise de anomalias - Outliers</a:t>
             </a:r>
           </a:p>
         </p:txBody>
@@ -8460,7 +8791,7 @@
           <p:cNvPr id="3" name="Espaço Reservado para Conteúdo 2">
             <a:extLst>
               <a:ext uri="{FF2B5EF4-FFF2-40B4-BE49-F238E27FC236}">
-                <a16:creationId xmlns:a16="http://schemas.microsoft.com/office/drawing/2014/main" id="{6B48E2C4-80E8-1F59-42EA-BF38BBA646E9}"/>
+                <a16:creationId xmlns:a16="http://schemas.microsoft.com/office/drawing/2014/main" id="{A0ABA53E-4B61-C044-5406-D5658D87982E}"/>
               </a:ext>
             </a:extLst>
           </p:cNvPr>
@@ -8478,28 +8809,35 @@
           <a:p>
             <a:r>
               <a:rPr lang="pt-BR" dirty="0"/>
-              <a:t>% das entregas finalizadas</a:t>
-            </a:r>
-          </a:p>
-          <a:p>
+              <a:t>Podemos usar as colunas </a:t>
+            </a:r>
+            <a:r>
+              <a:rPr lang="pt-BR" dirty="0" err="1"/>
+              <a:t>device_order_created_at</a:t>
+            </a:r>
+            <a:r>
+              <a:rPr lang="pt-BR" dirty="0"/>
+              <a:t> e </a:t>
+            </a:r>
+            <a:r>
+              <a:rPr lang="pt-BR" dirty="0" err="1"/>
+              <a:t>processing_at</a:t>
+            </a:r>
             <a:endParaRPr lang="pt-BR" dirty="0"/>
           </a:p>
           <a:p>
+            <a:r>
+              <a:rPr lang="pt-BR" dirty="0"/>
+              <a:t>A mediana e todos os quadrantes da coluna é 0 minutos</a:t>
+            </a:r>
+          </a:p>
+          <a:p>
             <a:endParaRPr lang="pt-BR" dirty="0"/>
           </a:p>
           <a:p>
-            <a:endParaRPr lang="pt-BR" dirty="0"/>
-          </a:p>
-          <a:p>
-            <a:endParaRPr lang="pt-BR" dirty="0"/>
-          </a:p>
-          <a:p>
-            <a:endParaRPr lang="pt-BR" dirty="0"/>
-          </a:p>
-          <a:p>
             <a:r>
               <a:rPr lang="pt-BR" dirty="0"/>
-              <a:t>Entregas com informações incompletas</a:t>
+              <a:t>Analisando somente o 1% mais alto, a mediana é 120. Porém, há 22 pedidos com mais de 12000 minutos, ou seja, mais de 10 dias para concluir o processamento. Este é um dos exemplos de outliers que podem alterar as métricas da tabela como um todo</a:t>
             </a:r>
           </a:p>
         </p:txBody>
@@ -8509,7 +8847,7 @@
           <p:cNvPr id="5" name="Imagem 4">
             <a:extLst>
               <a:ext uri="{FF2B5EF4-FFF2-40B4-BE49-F238E27FC236}">
-                <a16:creationId xmlns:a16="http://schemas.microsoft.com/office/drawing/2014/main" id="{B91E5CA8-4717-B3E8-FF4A-64A1C24075BB}"/>
+                <a16:creationId xmlns:a16="http://schemas.microsoft.com/office/drawing/2014/main" id="{3AFF1527-1539-2C6D-666F-AA3AF4DB3C4B}"/>
               </a:ext>
             </a:extLst>
           </p:cNvPr>
@@ -8526,48 +8864,48 @@
         </p:blipFill>
         <p:spPr>
           <a:xfrm>
-            <a:off x="975070" y="2224915"/>
-            <a:ext cx="5762625" cy="2143125"/>
+            <a:off x="971549" y="2736573"/>
+            <a:ext cx="7021995" cy="536713"/>
           </a:xfrm>
           <a:prstGeom prst="rect">
             <a:avLst/>
           </a:prstGeom>
         </p:spPr>
       </p:pic>
-      <p:graphicFrame>
-        <p:nvGraphicFramePr>
-          <p:cNvPr id="7" name="Gráfico 6">
-            <a:extLst>
-              <a:ext uri="{FF2B5EF4-FFF2-40B4-BE49-F238E27FC236}">
-                <a16:creationId xmlns:a16="http://schemas.microsoft.com/office/drawing/2014/main" id="{A096F82C-3151-027A-A63A-97446FAE9F08}"/>
-              </a:ext>
-            </a:extLst>
-          </p:cNvPr>
-          <p:cNvGraphicFramePr>
-            <a:graphicFrameLocks/>
-          </p:cNvGraphicFramePr>
-          <p:nvPr>
-            <p:extLst>
-              <p:ext uri="{D42A27DB-BD31-4B8C-83A1-F6EECF244321}">
-                <p14:modId xmlns:p14="http://schemas.microsoft.com/office/powerpoint/2010/main" val="405284123"/>
-              </p:ext>
-            </p:extLst>
-          </p:nvPr>
-        </p:nvGraphicFramePr>
-        <p:xfrm>
-          <a:off x="1159565" y="5383696"/>
-          <a:ext cx="5307495" cy="1474304"/>
-        </p:xfrm>
-        <a:graphic>
-          <a:graphicData uri="http://schemas.openxmlformats.org/drawingml/2006/chart">
-            <c:chart xmlns:c="http://schemas.openxmlformats.org/drawingml/2006/chart" xmlns:r="http://schemas.openxmlformats.org/officeDocument/2006/relationships" r:id="rId3"/>
-          </a:graphicData>
-        </a:graphic>
-      </p:graphicFrame>
+      <p:pic>
+        <p:nvPicPr>
+          <p:cNvPr id="9" name="Imagem 8">
+            <a:extLst>
+              <a:ext uri="{FF2B5EF4-FFF2-40B4-BE49-F238E27FC236}">
+                <a16:creationId xmlns:a16="http://schemas.microsoft.com/office/drawing/2014/main" id="{D3DAB042-D0C0-54F6-B7F2-247297BAD06A}"/>
+              </a:ext>
+            </a:extLst>
+          </p:cNvPr>
+          <p:cNvPicPr>
+            <a:picLocks noChangeAspect="1"/>
+          </p:cNvPicPr>
+          <p:nvPr/>
+        </p:nvPicPr>
+        <p:blipFill>
+          <a:blip r:embed="rId3"/>
+          <a:stretch>
+            <a:fillRect/>
+          </a:stretch>
+        </p:blipFill>
+        <p:spPr>
+          <a:xfrm>
+            <a:off x="1143827" y="5103862"/>
+            <a:ext cx="5212251" cy="1487487"/>
+          </a:xfrm>
+          <a:prstGeom prst="rect">
+            <a:avLst/>
+          </a:prstGeom>
+        </p:spPr>
+      </p:pic>
     </p:spTree>
     <p:extLst>
       <p:ext uri="{BB962C8B-B14F-4D97-AF65-F5344CB8AC3E}">
-        <p14:creationId xmlns:p14="http://schemas.microsoft.com/office/powerpoint/2010/main" val="831676909"/>
+        <p14:creationId xmlns:p14="http://schemas.microsoft.com/office/powerpoint/2010/main" val="3187178505"/>
       </p:ext>
     </p:extLst>
   </p:cSld>
@@ -8599,7 +8937,7 @@
           <p:cNvPr id="2" name="Título 1">
             <a:extLst>
               <a:ext uri="{FF2B5EF4-FFF2-40B4-BE49-F238E27FC236}">
-                <a16:creationId xmlns:a16="http://schemas.microsoft.com/office/drawing/2014/main" id="{B372505F-67C0-A770-70D7-5B8EF148E80E}"/>
+                <a16:creationId xmlns:a16="http://schemas.microsoft.com/office/drawing/2014/main" id="{95C7837C-87B5-ACE8-3E3B-DDECBBD9234D}"/>
               </a:ext>
             </a:extLst>
           </p:cNvPr>
@@ -8617,7 +8955,7 @@
           <a:p>
             <a:r>
               <a:rPr lang="pt-BR" dirty="0"/>
-              <a:t>Meta – Diminuir tempo médio de entrega para 3 dias</a:t>
+              <a:t>Análise de anomalias – Tempo negativo</a:t>
             </a:r>
           </a:p>
         </p:txBody>
@@ -8627,7 +8965,7 @@
           <p:cNvPr id="3" name="Espaço Reservado para Conteúdo 2">
             <a:extLst>
               <a:ext uri="{FF2B5EF4-FFF2-40B4-BE49-F238E27FC236}">
-                <a16:creationId xmlns:a16="http://schemas.microsoft.com/office/drawing/2014/main" id="{5BDEA2D9-E515-B2EC-E6A2-F3673844E156}"/>
+                <a16:creationId xmlns:a16="http://schemas.microsoft.com/office/drawing/2014/main" id="{0C8CADEE-1B3E-6682-4E9A-F1A5E2E78EE5}"/>
               </a:ext>
             </a:extLst>
           </p:cNvPr>
@@ -8645,97 +8983,58 @@
           <a:p>
             <a:r>
               <a:rPr lang="pt-BR" dirty="0"/>
-              <a:t>Média do tempo de entrega de cada etapa</a:t>
-            </a:r>
-          </a:p>
-          <a:p>
-            <a:pPr lvl="1"/>
+              <a:t>Podemos notar que há 6,52% dos pedidos com diferença de tempo negativa</a:t>
+            </a:r>
+          </a:p>
+          <a:p>
+            <a:pPr marL="3657600" lvl="8" indent="0">
+              <a:buNone/>
+            </a:pPr>
+            <a:endParaRPr lang="pt-BR" dirty="0"/>
+          </a:p>
+        </p:txBody>
+      </p:sp>
+      <p:sp>
+        <p:nvSpPr>
+          <p:cNvPr id="5" name="CaixaDeTexto 4">
+            <a:extLst>
+              <a:ext uri="{FF2B5EF4-FFF2-40B4-BE49-F238E27FC236}">
+                <a16:creationId xmlns:a16="http://schemas.microsoft.com/office/drawing/2014/main" id="{EE3FA2A0-6A65-DFAD-3DB1-D550513C15EC}"/>
+              </a:ext>
+            </a:extLst>
+          </p:cNvPr>
+          <p:cNvSpPr txBox="1"/>
+          <p:nvPr/>
+        </p:nvSpPr>
+        <p:spPr>
+          <a:xfrm>
+            <a:off x="6970643" y="2425148"/>
+            <a:ext cx="4731027" cy="923330"/>
+          </a:xfrm>
+          <a:prstGeom prst="rect">
+            <a:avLst/>
+          </a:prstGeom>
+          <a:noFill/>
+        </p:spPr>
+        <p:txBody>
+          <a:bodyPr wrap="square" rtlCol="0">
+            <a:spAutoFit/>
+          </a:bodyPr>
+          <a:lstStyle/>
+          <a:p>
             <a:r>
               <a:rPr lang="pt-BR" dirty="0"/>
-              <a:t>Etapa 1 – </a:t>
-            </a:r>
-            <a:r>
-              <a:rPr lang="pt-BR" dirty="0" err="1"/>
-              <a:t>processing_at</a:t>
-            </a:r>
-            <a:r>
-              <a:rPr lang="pt-BR" dirty="0"/>
-              <a:t> -&gt; </a:t>
-            </a:r>
-            <a:r>
-              <a:rPr lang="pt-BR" dirty="0" err="1"/>
-              <a:t>in_transit_to_local_distribution_at</a:t>
-            </a:r>
-            <a:endParaRPr lang="pt-BR" dirty="0"/>
-          </a:p>
-          <a:p>
-            <a:pPr lvl="1"/>
-            <a:r>
-              <a:rPr lang="pt-BR" dirty="0"/>
-              <a:t>Etapa 2 – </a:t>
-            </a:r>
-            <a:r>
-              <a:rPr lang="pt-BR" dirty="0" err="1"/>
-              <a:t>in_transit_to_local_distribution_at</a:t>
-            </a:r>
-            <a:r>
-              <a:rPr lang="pt-BR" dirty="0"/>
-              <a:t> -&gt; </a:t>
-            </a:r>
-            <a:r>
-              <a:rPr lang="pt-BR" dirty="0" err="1"/>
-              <a:t>local_distribution_at</a:t>
-            </a:r>
-            <a:endParaRPr lang="pt-BR" dirty="0"/>
-          </a:p>
-          <a:p>
-            <a:pPr lvl="1"/>
-            <a:r>
-              <a:rPr lang="pt-BR" dirty="0"/>
-              <a:t>Etapa 3 – </a:t>
-            </a:r>
-            <a:r>
-              <a:rPr lang="pt-BR" dirty="0" err="1"/>
-              <a:t>local_distribution_at</a:t>
-            </a:r>
-            <a:r>
-              <a:rPr lang="pt-BR" dirty="0"/>
-              <a:t> -&gt; </a:t>
-            </a:r>
-            <a:r>
-              <a:rPr lang="pt-BR" dirty="0" err="1"/>
-              <a:t>in_transit_to_deliver_at</a:t>
-            </a:r>
-            <a:endParaRPr lang="pt-BR" dirty="0"/>
-          </a:p>
-          <a:p>
-            <a:pPr lvl="1"/>
-            <a:r>
-              <a:rPr lang="pt-BR" dirty="0"/>
-              <a:t>Etapa 4 – </a:t>
-            </a:r>
-            <a:r>
-              <a:rPr lang="pt-BR" dirty="0" err="1"/>
-              <a:t>in_trasit_to_deliver_at</a:t>
-            </a:r>
-            <a:r>
-              <a:rPr lang="pt-BR" dirty="0"/>
-              <a:t> -&gt; </a:t>
-            </a:r>
-            <a:r>
-              <a:rPr lang="pt-BR" dirty="0" err="1"/>
-              <a:t>delivered_at</a:t>
-            </a:r>
-            <a:endParaRPr lang="pt-BR" dirty="0"/>
+              <a:t>Isto ocorre porque há algumas colunas de data onde o horário de um ciclo é menor que o horário do ciclo subsequente</a:t>
+            </a:r>
           </a:p>
         </p:txBody>
       </p:sp>
       <p:pic>
         <p:nvPicPr>
-          <p:cNvPr id="5" name="Imagem 4">
-            <a:extLst>
-              <a:ext uri="{FF2B5EF4-FFF2-40B4-BE49-F238E27FC236}">
-                <a16:creationId xmlns:a16="http://schemas.microsoft.com/office/drawing/2014/main" id="{5D5B3FD7-ADA6-D864-88C3-3DF10A181BE4}"/>
+          <p:cNvPr id="7" name="Imagem 6">
+            <a:extLst>
+              <a:ext uri="{FF2B5EF4-FFF2-40B4-BE49-F238E27FC236}">
+                <a16:creationId xmlns:a16="http://schemas.microsoft.com/office/drawing/2014/main" id="{29968E0F-B566-EBE9-C0B1-0939F703DDEF}"/>
               </a:ext>
             </a:extLst>
           </p:cNvPr>
@@ -8752,18 +9051,83 @@
         </p:blipFill>
         <p:spPr>
           <a:xfrm>
-            <a:off x="1145625" y="3879160"/>
-            <a:ext cx="6398815" cy="2297803"/>
+            <a:off x="6970643" y="3509523"/>
+            <a:ext cx="5000625" cy="1485900"/>
           </a:xfrm>
           <a:prstGeom prst="rect">
             <a:avLst/>
           </a:prstGeom>
         </p:spPr>
       </p:pic>
+      <p:pic>
+        <p:nvPicPr>
+          <p:cNvPr id="11" name="Imagem 10">
+            <a:extLst>
+              <a:ext uri="{FF2B5EF4-FFF2-40B4-BE49-F238E27FC236}">
+                <a16:creationId xmlns:a16="http://schemas.microsoft.com/office/drawing/2014/main" id="{772186D9-5F88-C788-AC76-1BDF5F5ECD72}"/>
+              </a:ext>
+            </a:extLst>
+          </p:cNvPr>
+          <p:cNvPicPr>
+            <a:picLocks noChangeAspect="1"/>
+          </p:cNvPicPr>
+          <p:nvPr/>
+        </p:nvPicPr>
+        <p:blipFill>
+          <a:blip r:embed="rId3"/>
+          <a:stretch>
+            <a:fillRect/>
+          </a:stretch>
+        </p:blipFill>
+        <p:spPr>
+          <a:xfrm>
+            <a:off x="1511411" y="2886813"/>
+            <a:ext cx="4584589" cy="2414057"/>
+          </a:xfrm>
+          <a:prstGeom prst="rect">
+            <a:avLst/>
+          </a:prstGeom>
+        </p:spPr>
+      </p:pic>
+      <p:sp>
+        <p:nvSpPr>
+          <p:cNvPr id="12" name="CaixaDeTexto 11">
+            <a:extLst>
+              <a:ext uri="{FF2B5EF4-FFF2-40B4-BE49-F238E27FC236}">
+                <a16:creationId xmlns:a16="http://schemas.microsoft.com/office/drawing/2014/main" id="{BF0FEC98-BDB5-FB9A-3FCA-4B0BEE5CB1D0}"/>
+              </a:ext>
+            </a:extLst>
+          </p:cNvPr>
+          <p:cNvSpPr txBox="1"/>
+          <p:nvPr/>
+        </p:nvSpPr>
+        <p:spPr>
+          <a:xfrm>
+            <a:off x="1106556" y="5575058"/>
+            <a:ext cx="7626627" cy="923330"/>
+          </a:xfrm>
+          <a:prstGeom prst="rect">
+            <a:avLst/>
+          </a:prstGeom>
+          <a:noFill/>
+        </p:spPr>
+        <p:txBody>
+          <a:bodyPr wrap="square" rtlCol="0">
+            <a:spAutoFit/>
+          </a:bodyPr>
+          <a:lstStyle/>
+          <a:p>
+            <a:r>
+              <a:rPr lang="pt-BR" dirty="0"/>
+              <a:t>Para que isso não ocorra, é necessário verificar com os responsáveis pela inclusão dos dados no sistema para que seja preenchido o fluxo de logística corretamente, atentando-se aos campos informados.</a:t>
+            </a:r>
+          </a:p>
+        </p:txBody>
+      </p:sp>
     </p:spTree>
     <p:extLst>
       <p:ext uri="{BB962C8B-B14F-4D97-AF65-F5344CB8AC3E}">
-        <p14:creationId xmlns:p14="http://schemas.microsoft.com/office/powerpoint/2010/main" val="252958882"/>
+        <p14:creationId xmlns:p14="http://schemas.microsoft.com/office/powerpoint/2010/main" val="1379494004"/>
       </p:ext>
     </p:extLst>
   </p:cSld>
@@ -8795,7 +9159,7 @@
           <p:cNvPr id="2" name="Título 1">
             <a:extLst>
               <a:ext uri="{FF2B5EF4-FFF2-40B4-BE49-F238E27FC236}">
-                <a16:creationId xmlns:a16="http://schemas.microsoft.com/office/drawing/2014/main" id="{BC566521-8F9C-EFAC-1315-A4D684622893}"/>
+                <a16:creationId xmlns:a16="http://schemas.microsoft.com/office/drawing/2014/main" id="{C8A02B13-94ED-1DFA-0B99-738AEA9310B8}"/>
               </a:ext>
             </a:extLst>
           </p:cNvPr>
@@ -8813,7 +9177,7 @@
           <a:p>
             <a:r>
               <a:rPr lang="pt-BR" dirty="0"/>
-              <a:t>Meta – Diminuir tempo médio de entrega para 3 dias</a:t>
+              <a:t>Entregas mais seguras</a:t>
             </a:r>
           </a:p>
         </p:txBody>
@@ -8823,7 +9187,7 @@
           <p:cNvPr id="3" name="Espaço Reservado para Conteúdo 2">
             <a:extLst>
               <a:ext uri="{FF2B5EF4-FFF2-40B4-BE49-F238E27FC236}">
-                <a16:creationId xmlns:a16="http://schemas.microsoft.com/office/drawing/2014/main" id="{FAEED8A8-658E-8894-E332-06C66720DD15}"/>
+                <a16:creationId xmlns:a16="http://schemas.microsoft.com/office/drawing/2014/main" id="{6B48E2C4-80E8-1F59-42EA-BF38BBA646E9}"/>
               </a:ext>
             </a:extLst>
           </p:cNvPr>
@@ -8837,7 +9201,7 @@
         <p:spPr>
           <a:xfrm>
             <a:off x="838200" y="1825625"/>
-            <a:ext cx="6556513" cy="4351338"/>
+            <a:ext cx="10916478" cy="4351338"/>
           </a:xfrm>
         </p:spPr>
         <p:txBody>
@@ -8846,23 +9210,33 @@
           <a:p>
             <a:r>
               <a:rPr lang="pt-BR" dirty="0"/>
-              <a:t>Outra possibilidade que poderia ser aplicada a empresa é a alocação de funcionários da </a:t>
-            </a:r>
-            <a:r>
-              <a:rPr lang="pt-BR" dirty="0" err="1"/>
-              <a:t>provider</a:t>
-            </a:r>
+              <a:t>% das entregas finalizadas                                </a:t>
+            </a:r>
+            <a:r>
+              <a:rPr lang="pt-BR" sz="1600" dirty="0"/>
+              <a:t>% das pedidos entregues antes da data prevista</a:t>
+            </a:r>
+            <a:endParaRPr lang="pt-BR" dirty="0"/>
+          </a:p>
+          <a:p>
+            <a:endParaRPr lang="pt-BR" dirty="0"/>
+          </a:p>
+          <a:p>
+            <a:endParaRPr lang="pt-BR" dirty="0"/>
+          </a:p>
+          <a:p>
+            <a:endParaRPr lang="pt-BR" dirty="0"/>
+          </a:p>
+          <a:p>
+            <a:endParaRPr lang="pt-BR" dirty="0"/>
+          </a:p>
+          <a:p>
+            <a:endParaRPr lang="pt-BR" dirty="0"/>
+          </a:p>
+          <a:p>
             <a:r>
               <a:rPr lang="pt-BR" dirty="0"/>
-              <a:t> 1 para a </a:t>
-            </a:r>
-            <a:r>
-              <a:rPr lang="pt-BR" dirty="0" err="1"/>
-              <a:t>provider</a:t>
-            </a:r>
-            <a:r>
-              <a:rPr lang="pt-BR" dirty="0"/>
-              <a:t> 2, pois a segunda tem quase 28% dos pedidos regulares abaixo de 3 dias</a:t>
+              <a:t>Entregas com informações incompletas</a:t>
             </a:r>
           </a:p>
         </p:txBody>
@@ -8872,7 +9246,7 @@
           <p:cNvPr id="5" name="Imagem 4">
             <a:extLst>
               <a:ext uri="{FF2B5EF4-FFF2-40B4-BE49-F238E27FC236}">
-                <a16:creationId xmlns:a16="http://schemas.microsoft.com/office/drawing/2014/main" id="{A92D0EB4-C56B-7F26-67AB-1986C72BDCD4}"/>
+                <a16:creationId xmlns:a16="http://schemas.microsoft.com/office/drawing/2014/main" id="{B91E5CA8-4717-B3E8-FF4A-64A1C24075BB}"/>
               </a:ext>
             </a:extLst>
           </p:cNvPr>
@@ -8889,18 +9263,148 @@
         </p:blipFill>
         <p:spPr>
           <a:xfrm>
-            <a:off x="1511411" y="3896270"/>
-            <a:ext cx="4584589" cy="2755631"/>
+            <a:off x="975070" y="2224915"/>
+            <a:ext cx="5762625" cy="2143125"/>
           </a:xfrm>
           <a:prstGeom prst="rect">
             <a:avLst/>
           </a:prstGeom>
         </p:spPr>
       </p:pic>
+      <p:graphicFrame>
+        <p:nvGraphicFramePr>
+          <p:cNvPr id="7" name="Gráfico 6">
+            <a:extLst>
+              <a:ext uri="{FF2B5EF4-FFF2-40B4-BE49-F238E27FC236}">
+                <a16:creationId xmlns:a16="http://schemas.microsoft.com/office/drawing/2014/main" id="{A096F82C-3151-027A-A63A-97446FAE9F08}"/>
+              </a:ext>
+            </a:extLst>
+          </p:cNvPr>
+          <p:cNvGraphicFramePr>
+            <a:graphicFrameLocks/>
+          </p:cNvGraphicFramePr>
+          <p:nvPr>
+            <p:extLst>
+              <p:ext uri="{D42A27DB-BD31-4B8C-83A1-F6EECF244321}">
+                <p14:modId xmlns:p14="http://schemas.microsoft.com/office/powerpoint/2010/main" val="405284123"/>
+              </p:ext>
+            </p:extLst>
+          </p:nvPr>
+        </p:nvGraphicFramePr>
+        <p:xfrm>
+          <a:off x="1159565" y="5383696"/>
+          <a:ext cx="5307495" cy="1474304"/>
+        </p:xfrm>
+        <a:graphic>
+          <a:graphicData uri="http://schemas.openxmlformats.org/drawingml/2006/chart">
+            <c:chart xmlns:c="http://schemas.openxmlformats.org/drawingml/2006/chart" xmlns:r="http://schemas.openxmlformats.org/officeDocument/2006/relationships" r:id="rId3"/>
+          </a:graphicData>
+        </a:graphic>
+      </p:graphicFrame>
+      <p:pic>
+        <p:nvPicPr>
+          <p:cNvPr id="10" name="Imagem 9">
+            <a:extLst>
+              <a:ext uri="{FF2B5EF4-FFF2-40B4-BE49-F238E27FC236}">
+                <a16:creationId xmlns:a16="http://schemas.microsoft.com/office/drawing/2014/main" id="{D6424CC9-636B-6982-B6C0-127B72EFFB71}"/>
+              </a:ext>
+            </a:extLst>
+          </p:cNvPr>
+          <p:cNvPicPr>
+            <a:picLocks noChangeAspect="1"/>
+          </p:cNvPicPr>
+          <p:nvPr/>
+        </p:nvPicPr>
+        <p:blipFill>
+          <a:blip r:embed="rId4"/>
+          <a:stretch>
+            <a:fillRect/>
+          </a:stretch>
+        </p:blipFill>
+        <p:spPr>
+          <a:xfrm>
+            <a:off x="7363653" y="2243965"/>
+            <a:ext cx="4391025" cy="2124075"/>
+          </a:xfrm>
+          <a:prstGeom prst="rect">
+            <a:avLst/>
+          </a:prstGeom>
+        </p:spPr>
+      </p:pic>
+      <p:sp>
+        <p:nvSpPr>
+          <p:cNvPr id="11" name="CaixaDeTexto 10">
+            <a:extLst>
+              <a:ext uri="{FF2B5EF4-FFF2-40B4-BE49-F238E27FC236}">
+                <a16:creationId xmlns:a16="http://schemas.microsoft.com/office/drawing/2014/main" id="{E202767B-20A4-891B-FE6B-82C83FE162CF}"/>
+              </a:ext>
+            </a:extLst>
+          </p:cNvPr>
+          <p:cNvSpPr txBox="1"/>
+          <p:nvPr/>
+        </p:nvSpPr>
+        <p:spPr>
+          <a:xfrm>
+            <a:off x="6897314" y="4949336"/>
+            <a:ext cx="5457263" cy="1200329"/>
+          </a:xfrm>
+          <a:prstGeom prst="rect">
+            <a:avLst/>
+          </a:prstGeom>
+          <a:noFill/>
+        </p:spPr>
+        <p:txBody>
+          <a:bodyPr wrap="none" rtlCol="0">
+            <a:spAutoFit/>
+          </a:bodyPr>
+          <a:lstStyle/>
+          <a:p>
+            <a:r>
+              <a:rPr lang="pt-BR" dirty="0"/>
+              <a:t>Ações para aumentar a segurança dos pedidos–</a:t>
+            </a:r>
+          </a:p>
+          <a:p>
+            <a:pPr marL="285750" indent="-285750">
+              <a:buFont typeface="Arial" panose="020B0604020202020204" pitchFamily="34" charset="0"/>
+              <a:buChar char="•"/>
+            </a:pPr>
+            <a:r>
+              <a:rPr lang="pt-BR" dirty="0"/>
+              <a:t>Diminuir a % das entregas canceladas ou devolvidas</a:t>
+            </a:r>
+          </a:p>
+          <a:p>
+            <a:pPr marL="285750" indent="-285750">
+              <a:buFont typeface="Arial" panose="020B0604020202020204" pitchFamily="34" charset="0"/>
+              <a:buChar char="•"/>
+            </a:pPr>
+            <a:r>
+              <a:rPr lang="pt-BR" dirty="0"/>
+              <a:t>Preencher as colunas com todos horários dos ciclos</a:t>
+            </a:r>
+          </a:p>
+          <a:p>
+            <a:pPr marL="285750" indent="-285750">
+              <a:buFont typeface="Arial" panose="020B0604020202020204" pitchFamily="34" charset="0"/>
+              <a:buChar char="•"/>
+            </a:pPr>
+            <a:r>
+              <a:rPr lang="pt-BR" dirty="0"/>
+              <a:t>Entregar os pedidos antes do </a:t>
+            </a:r>
+            <a:r>
+              <a:rPr lang="pt-BR" dirty="0" err="1"/>
+              <a:t>delivery_estimate_date</a:t>
+            </a:r>
+            <a:endParaRPr lang="pt-BR" dirty="0"/>
+          </a:p>
+        </p:txBody>
+      </p:sp>
     </p:spTree>
     <p:extLst>
       <p:ext uri="{BB962C8B-B14F-4D97-AF65-F5344CB8AC3E}">
-        <p14:creationId xmlns:p14="http://schemas.microsoft.com/office/powerpoint/2010/main" val="375216410"/>
+        <p14:creationId xmlns:p14="http://schemas.microsoft.com/office/powerpoint/2010/main" val="831676909"/>
       </p:ext>
     </p:extLst>
   </p:cSld>
